--- a/恩典太美麗.pptx
+++ b/恩典太美麗.pptx
@@ -12,7 +12,7 @@
     <p:sldId id="260" r:id="rId6"/>
     <p:sldId id="261" r:id="rId7"/>
   </p:sldIdLst>
-  <p:sldSz cx="9144000" cy="6858000" type="screen4x3"/>
+  <p:sldSz cx="12192000" cy="6858000"/>
   <p:notesSz cx="6858000" cy="9144000"/>
   <p:defaultTextStyle>
     <a:defPPr>
@@ -109,6 +109,22 @@
       </a:defRPr>
     </a:lvl9pPr>
   </p:defaultTextStyle>
+  <p:extLst>
+    <p:ext uri="{EFAFB233-063F-42B5-8137-9DF3F51BA10A}">
+      <p15:sldGuideLst xmlns:p15="http://schemas.microsoft.com/office/powerpoint/2012/main">
+        <p15:guide id="1" orient="horz" pos="2160" userDrawn="1">
+          <p15:clr>
+            <a:srgbClr val="A4A3A4"/>
+          </p15:clr>
+        </p15:guide>
+        <p15:guide id="2" pos="3840" userDrawn="1">
+          <p15:clr>
+            <a:srgbClr val="A4A3A4"/>
+          </p15:clr>
+        </p15:guide>
+      </p15:sldGuideLst>
+    </p:ext>
+  </p:extLst>
 </p:presentation>
 </file>
 
@@ -141,8 +157,8 @@
         </p:nvSpPr>
         <p:spPr>
           <a:xfrm>
-            <a:off x="685800" y="2130425"/>
-            <a:ext cx="7772400" cy="1470025"/>
+            <a:off x="914400" y="2130426"/>
+            <a:ext cx="10363200" cy="1470025"/>
           </a:xfrm>
         </p:spPr>
         <p:txBody>
@@ -169,8 +185,8 @@
         </p:nvSpPr>
         <p:spPr>
           <a:xfrm>
-            <a:off x="1371600" y="3886200"/>
-            <a:ext cx="6400800" cy="1752600"/>
+            <a:off x="1828800" y="3886200"/>
+            <a:ext cx="8534400" cy="1752600"/>
           </a:xfrm>
         </p:spPr>
         <p:txBody>
@@ -294,7 +310,7 @@
             <a:fld id="{10CD2638-3467-4EC0-AEE5-418F2C9B0F06}" type="datetimeFigureOut">
               <a:rPr lang="zh-TW" altLang="en-US" smtClean="0"/>
               <a:pPr/>
-              <a:t>2017/9/16</a:t>
+              <a:t>2019/11/9</a:t>
             </a:fld>
             <a:endParaRPr lang="zh-TW" altLang="en-US"/>
           </a:p>
@@ -461,7 +477,7 @@
             <a:fld id="{10CD2638-3467-4EC0-AEE5-418F2C9B0F06}" type="datetimeFigureOut">
               <a:rPr lang="zh-TW" altLang="en-US" smtClean="0"/>
               <a:pPr/>
-              <a:t>2017/9/16</a:t>
+              <a:t>2019/11/9</a:t>
             </a:fld>
             <a:endParaRPr lang="zh-TW" altLang="en-US"/>
           </a:p>
@@ -547,8 +563,8 @@
         </p:nvSpPr>
         <p:spPr>
           <a:xfrm>
-            <a:off x="6629400" y="274638"/>
-            <a:ext cx="2057400" cy="5851525"/>
+            <a:off x="8839200" y="274639"/>
+            <a:ext cx="2743200" cy="5851525"/>
           </a:xfrm>
         </p:spPr>
         <p:txBody>
@@ -575,8 +591,8 @@
         </p:nvSpPr>
         <p:spPr>
           <a:xfrm>
-            <a:off x="457200" y="274638"/>
-            <a:ext cx="6019800" cy="5851525"/>
+            <a:off x="609600" y="274639"/>
+            <a:ext cx="8026400" cy="5851525"/>
           </a:xfrm>
         </p:spPr>
         <p:txBody>
@@ -638,7 +654,7 @@
             <a:fld id="{10CD2638-3467-4EC0-AEE5-418F2C9B0F06}" type="datetimeFigureOut">
               <a:rPr lang="zh-TW" altLang="en-US" smtClean="0"/>
               <a:pPr/>
-              <a:t>2017/9/16</a:t>
+              <a:t>2019/11/9</a:t>
             </a:fld>
             <a:endParaRPr lang="zh-TW" altLang="en-US"/>
           </a:p>
@@ -805,7 +821,7 @@
             <a:fld id="{10CD2638-3467-4EC0-AEE5-418F2C9B0F06}" type="datetimeFigureOut">
               <a:rPr lang="zh-TW" altLang="en-US" smtClean="0"/>
               <a:pPr/>
-              <a:t>2017/9/16</a:t>
+              <a:t>2019/11/9</a:t>
             </a:fld>
             <a:endParaRPr lang="zh-TW" altLang="en-US"/>
           </a:p>
@@ -891,8 +907,8 @@
         </p:nvSpPr>
         <p:spPr>
           <a:xfrm>
-            <a:off x="722313" y="4406900"/>
-            <a:ext cx="7772400" cy="1362075"/>
+            <a:off x="963084" y="4406901"/>
+            <a:ext cx="10363200" cy="1362075"/>
           </a:xfrm>
         </p:spPr>
         <p:txBody>
@@ -923,8 +939,8 @@
         </p:nvSpPr>
         <p:spPr>
           <a:xfrm>
-            <a:off x="722313" y="2906713"/>
-            <a:ext cx="7772400" cy="1500187"/>
+            <a:off x="963084" y="2906713"/>
+            <a:ext cx="10363200" cy="1500187"/>
           </a:xfrm>
         </p:spPr>
         <p:txBody>
@@ -1048,7 +1064,7 @@
             <a:fld id="{10CD2638-3467-4EC0-AEE5-418F2C9B0F06}" type="datetimeFigureOut">
               <a:rPr lang="zh-TW" altLang="en-US" smtClean="0"/>
               <a:pPr/>
-              <a:t>2017/9/16</a:t>
+              <a:t>2019/11/9</a:t>
             </a:fld>
             <a:endParaRPr lang="zh-TW" altLang="en-US"/>
           </a:p>
@@ -1157,8 +1173,8 @@
         </p:nvSpPr>
         <p:spPr>
           <a:xfrm>
-            <a:off x="457200" y="1600200"/>
-            <a:ext cx="4038600" cy="4525963"/>
+            <a:off x="609600" y="1600201"/>
+            <a:ext cx="5384800" cy="4525963"/>
           </a:xfrm>
         </p:spPr>
         <p:txBody>
@@ -1242,8 +1258,8 @@
         </p:nvSpPr>
         <p:spPr>
           <a:xfrm>
-            <a:off x="4648200" y="1600200"/>
-            <a:ext cx="4038600" cy="4525963"/>
+            <a:off x="6197600" y="1600201"/>
+            <a:ext cx="5384800" cy="4525963"/>
           </a:xfrm>
         </p:spPr>
         <p:txBody>
@@ -1333,7 +1349,7 @@
             <a:fld id="{10CD2638-3467-4EC0-AEE5-418F2C9B0F06}" type="datetimeFigureOut">
               <a:rPr lang="zh-TW" altLang="en-US" smtClean="0"/>
               <a:pPr/>
-              <a:t>2017/9/16</a:t>
+              <a:t>2019/11/9</a:t>
             </a:fld>
             <a:endParaRPr lang="zh-TW" altLang="en-US"/>
           </a:p>
@@ -1446,8 +1462,8 @@
         </p:nvSpPr>
         <p:spPr>
           <a:xfrm>
-            <a:off x="457200" y="1535113"/>
-            <a:ext cx="4040188" cy="639762"/>
+            <a:off x="609600" y="1535113"/>
+            <a:ext cx="5386917" cy="639762"/>
           </a:xfrm>
         </p:spPr>
         <p:txBody>
@@ -1511,8 +1527,8 @@
         </p:nvSpPr>
         <p:spPr>
           <a:xfrm>
-            <a:off x="457200" y="2174875"/>
-            <a:ext cx="4040188" cy="3951288"/>
+            <a:off x="609600" y="2174875"/>
+            <a:ext cx="5386917" cy="3951288"/>
           </a:xfrm>
         </p:spPr>
         <p:txBody>
@@ -1596,8 +1612,8 @@
         </p:nvSpPr>
         <p:spPr>
           <a:xfrm>
-            <a:off x="4645025" y="1535113"/>
-            <a:ext cx="4041775" cy="639762"/>
+            <a:off x="6193368" y="1535113"/>
+            <a:ext cx="5389033" cy="639762"/>
           </a:xfrm>
         </p:spPr>
         <p:txBody>
@@ -1661,8 +1677,8 @@
         </p:nvSpPr>
         <p:spPr>
           <a:xfrm>
-            <a:off x="4645025" y="2174875"/>
-            <a:ext cx="4041775" cy="3951288"/>
+            <a:off x="6193368" y="2174875"/>
+            <a:ext cx="5389033" cy="3951288"/>
           </a:xfrm>
         </p:spPr>
         <p:txBody>
@@ -1752,7 +1768,7 @@
             <a:fld id="{10CD2638-3467-4EC0-AEE5-418F2C9B0F06}" type="datetimeFigureOut">
               <a:rPr lang="zh-TW" altLang="en-US" smtClean="0"/>
               <a:pPr/>
-              <a:t>2017/9/16</a:t>
+              <a:t>2019/11/9</a:t>
             </a:fld>
             <a:endParaRPr lang="zh-TW" altLang="en-US"/>
           </a:p>
@@ -1867,7 +1883,7 @@
             <a:fld id="{10CD2638-3467-4EC0-AEE5-418F2C9B0F06}" type="datetimeFigureOut">
               <a:rPr lang="zh-TW" altLang="en-US" smtClean="0"/>
               <a:pPr/>
-              <a:t>2017/9/16</a:t>
+              <a:t>2019/11/9</a:t>
             </a:fld>
             <a:endParaRPr lang="zh-TW" altLang="en-US"/>
           </a:p>
@@ -1959,7 +1975,7 @@
             <a:fld id="{10CD2638-3467-4EC0-AEE5-418F2C9B0F06}" type="datetimeFigureOut">
               <a:rPr lang="zh-TW" altLang="en-US" smtClean="0"/>
               <a:pPr/>
-              <a:t>2017/9/16</a:t>
+              <a:t>2019/11/9</a:t>
             </a:fld>
             <a:endParaRPr lang="zh-TW" altLang="en-US"/>
           </a:p>
@@ -2045,8 +2061,8 @@
         </p:nvSpPr>
         <p:spPr>
           <a:xfrm>
-            <a:off x="457200" y="273050"/>
-            <a:ext cx="3008313" cy="1162050"/>
+            <a:off x="609601" y="273050"/>
+            <a:ext cx="4011084" cy="1162050"/>
           </a:xfrm>
         </p:spPr>
         <p:txBody>
@@ -2077,8 +2093,8 @@
         </p:nvSpPr>
         <p:spPr>
           <a:xfrm>
-            <a:off x="3575050" y="273050"/>
-            <a:ext cx="5111750" cy="5853113"/>
+            <a:off x="4766733" y="273051"/>
+            <a:ext cx="6815667" cy="5853113"/>
           </a:xfrm>
         </p:spPr>
         <p:txBody>
@@ -2162,8 +2178,8 @@
         </p:nvSpPr>
         <p:spPr>
           <a:xfrm>
-            <a:off x="457200" y="1435100"/>
-            <a:ext cx="3008313" cy="4691063"/>
+            <a:off x="609601" y="1435101"/>
+            <a:ext cx="4011084" cy="4691063"/>
           </a:xfrm>
         </p:spPr>
         <p:txBody>
@@ -2233,7 +2249,7 @@
             <a:fld id="{10CD2638-3467-4EC0-AEE5-418F2C9B0F06}" type="datetimeFigureOut">
               <a:rPr lang="zh-TW" altLang="en-US" smtClean="0"/>
               <a:pPr/>
-              <a:t>2017/9/16</a:t>
+              <a:t>2019/11/9</a:t>
             </a:fld>
             <a:endParaRPr lang="zh-TW" altLang="en-US"/>
           </a:p>
@@ -2319,8 +2335,8 @@
         </p:nvSpPr>
         <p:spPr>
           <a:xfrm>
-            <a:off x="1792288" y="4800600"/>
-            <a:ext cx="5486400" cy="566738"/>
+            <a:off x="2389717" y="4800600"/>
+            <a:ext cx="7315200" cy="566738"/>
           </a:xfrm>
         </p:spPr>
         <p:txBody>
@@ -2351,8 +2367,8 @@
         </p:nvSpPr>
         <p:spPr>
           <a:xfrm>
-            <a:off x="1792288" y="612775"/>
-            <a:ext cx="5486400" cy="4114800"/>
+            <a:off x="2389717" y="612775"/>
+            <a:ext cx="7315200" cy="4114800"/>
           </a:xfrm>
         </p:spPr>
         <p:txBody>
@@ -2416,8 +2432,8 @@
         </p:nvSpPr>
         <p:spPr>
           <a:xfrm>
-            <a:off x="1792288" y="5367338"/>
-            <a:ext cx="5486400" cy="804862"/>
+            <a:off x="2389717" y="5367338"/>
+            <a:ext cx="7315200" cy="804862"/>
           </a:xfrm>
         </p:spPr>
         <p:txBody>
@@ -2487,7 +2503,7 @@
             <a:fld id="{10CD2638-3467-4EC0-AEE5-418F2C9B0F06}" type="datetimeFigureOut">
               <a:rPr lang="zh-TW" altLang="en-US" smtClean="0"/>
               <a:pPr/>
-              <a:t>2017/9/16</a:t>
+              <a:t>2019/11/9</a:t>
             </a:fld>
             <a:endParaRPr lang="zh-TW" altLang="en-US"/>
           </a:p>
@@ -2583,8 +2599,8 @@
         </p:nvSpPr>
         <p:spPr>
           <a:xfrm>
-            <a:off x="457200" y="274638"/>
-            <a:ext cx="8229600" cy="1143000"/>
+            <a:off x="609600" y="274638"/>
+            <a:ext cx="10972800" cy="1143000"/>
           </a:xfrm>
           <a:prstGeom prst="rect">
             <a:avLst/>
@@ -2616,8 +2632,8 @@
         </p:nvSpPr>
         <p:spPr>
           <a:xfrm>
-            <a:off x="457200" y="1600200"/>
-            <a:ext cx="8229600" cy="4525963"/>
+            <a:off x="609600" y="1600201"/>
+            <a:ext cx="10972800" cy="4525963"/>
           </a:xfrm>
           <a:prstGeom prst="rect">
             <a:avLst/>
@@ -2678,8 +2694,8 @@
         </p:nvSpPr>
         <p:spPr>
           <a:xfrm>
-            <a:off x="457200" y="6356350"/>
-            <a:ext cx="2133600" cy="365125"/>
+            <a:off x="609600" y="6356351"/>
+            <a:ext cx="2844800" cy="365125"/>
           </a:xfrm>
           <a:prstGeom prst="rect">
             <a:avLst/>
@@ -2702,7 +2718,7 @@
             <a:fld id="{10CD2638-3467-4EC0-AEE5-418F2C9B0F06}" type="datetimeFigureOut">
               <a:rPr lang="zh-TW" altLang="en-US" smtClean="0"/>
               <a:pPr/>
-              <a:t>2017/9/16</a:t>
+              <a:t>2019/11/9</a:t>
             </a:fld>
             <a:endParaRPr lang="zh-TW" altLang="en-US"/>
           </a:p>
@@ -2720,8 +2736,8 @@
         </p:nvSpPr>
         <p:spPr>
           <a:xfrm>
-            <a:off x="3124200" y="6356350"/>
-            <a:ext cx="2895600" cy="365125"/>
+            <a:off x="4165600" y="6356351"/>
+            <a:ext cx="3860800" cy="365125"/>
           </a:xfrm>
           <a:prstGeom prst="rect">
             <a:avLst/>
@@ -2757,8 +2773,8 @@
         </p:nvSpPr>
         <p:spPr>
           <a:xfrm>
-            <a:off x="6553200" y="6356350"/>
-            <a:ext cx="2133600" cy="365125"/>
+            <a:off x="8737600" y="6356351"/>
+            <a:ext cx="2844800" cy="365125"/>
           </a:xfrm>
           <a:prstGeom prst="rect">
             <a:avLst/>
@@ -3132,7 +3148,7 @@
               <a:t>這天同聚於主</a:t>
             </a:r>
             <a:r>
-              <a:rPr lang="zh-TW" altLang="en-US" sz="5400" b="1" dirty="0" smtClean="0">
+              <a:rPr lang="zh-TW" altLang="en-US" sz="5400" b="1" dirty="0">
                 <a:solidFill>
                   <a:srgbClr val="000066"/>
                 </a:solidFill>
@@ -3140,48 +3156,6 @@
                 <a:ea typeface="微軟正黑體" pitchFamily="34" charset="-120"/>
               </a:rPr>
               <a:t>聖殿</a:t>
-            </a:r>
-            <a:endParaRPr lang="en-US" altLang="zh-TW" sz="5400" b="1" dirty="0" smtClean="0">
-              <a:solidFill>
-                <a:srgbClr val="000066"/>
-              </a:solidFill>
-              <a:latin typeface="微軟正黑體" pitchFamily="34" charset="-120"/>
-              <a:ea typeface="微軟正黑體" pitchFamily="34" charset="-120"/>
-            </a:endParaRPr>
-          </a:p>
-          <a:p>
-            <a:pPr algn="ctr">
-              <a:buNone/>
-            </a:pPr>
-            <a:r>
-              <a:rPr lang="zh-TW" altLang="en-US" sz="5400" b="1" dirty="0" smtClean="0">
-                <a:solidFill>
-                  <a:srgbClr val="000066"/>
-                </a:solidFill>
-                <a:latin typeface="微軟正黑體" pitchFamily="34" charset="-120"/>
-                <a:ea typeface="微軟正黑體" pitchFamily="34" charset="-120"/>
-              </a:rPr>
-              <a:t>來</a:t>
-            </a:r>
-            <a:r>
-              <a:rPr lang="zh-TW" altLang="en-US" sz="5400" b="1" dirty="0">
-                <a:solidFill>
-                  <a:srgbClr val="000066"/>
-                </a:solidFill>
-                <a:latin typeface="微軟正黑體" pitchFamily="34" charset="-120"/>
-                <a:ea typeface="微軟正黑體" pitchFamily="34" charset="-120"/>
-              </a:rPr>
-              <a:t>數算我主</a:t>
-            </a:r>
-            <a:r>
-              <a:rPr lang="zh-TW" altLang="en-US" sz="5400" b="1" dirty="0" smtClean="0">
-                <a:solidFill>
-                  <a:srgbClr val="000066"/>
-                </a:solidFill>
-                <a:latin typeface="微軟正黑體" pitchFamily="34" charset="-120"/>
-                <a:ea typeface="微軟正黑體" pitchFamily="34" charset="-120"/>
-              </a:rPr>
-              <a:t>恩典</a:t>
             </a:r>
             <a:endParaRPr lang="en-US" altLang="zh-TW" sz="5400" b="1" dirty="0">
               <a:solidFill>
@@ -3196,36 +3170,36 @@
               <a:buNone/>
             </a:pPr>
             <a:r>
-              <a:rPr lang="zh-TW" altLang="en-US" sz="5400" b="1" dirty="0" smtClean="0">
-                <a:solidFill>
-                  <a:srgbClr val="000066"/>
-                </a:solidFill>
-                <a:latin typeface="微軟正黑體" pitchFamily="34" charset="-120"/>
-                <a:ea typeface="微軟正黑體" pitchFamily="34" charset="-120"/>
-              </a:rPr>
-              <a:t>祂</a:t>
-            </a:r>
-            <a:r>
-              <a:rPr lang="zh-TW" altLang="en-US" sz="5400" b="1" dirty="0">
-                <a:solidFill>
-                  <a:srgbClr val="000066"/>
-                </a:solidFill>
-                <a:latin typeface="微軟正黑體" pitchFamily="34" charset="-120"/>
-                <a:ea typeface="微軟正黑體" pitchFamily="34" charset="-120"/>
-              </a:rPr>
-              <a:t>以性命來使我</a:t>
-            </a:r>
-            <a:r>
-              <a:rPr lang="zh-TW" altLang="en-US" sz="5400" b="1" dirty="0" smtClean="0">
-                <a:solidFill>
-                  <a:srgbClr val="000066"/>
-                </a:solidFill>
-                <a:latin typeface="微軟正黑體" pitchFamily="34" charset="-120"/>
-                <a:ea typeface="微軟正黑體" pitchFamily="34" charset="-120"/>
-              </a:rPr>
-              <a:t>完全</a:t>
-            </a:r>
-            <a:endParaRPr lang="en-US" altLang="zh-TW" sz="5400" b="1" dirty="0" smtClean="0">
+              <a:rPr lang="zh-TW" altLang="en-US" sz="5400" b="1" dirty="0">
+                <a:solidFill>
+                  <a:srgbClr val="000066"/>
+                </a:solidFill>
+                <a:latin typeface="微軟正黑體" pitchFamily="34" charset="-120"/>
+                <a:ea typeface="微軟正黑體" pitchFamily="34" charset="-120"/>
+              </a:rPr>
+              <a:t>來</a:t>
+            </a:r>
+            <a:r>
+              <a:rPr lang="zh-TW" altLang="en-US" sz="5400" b="1" dirty="0">
+                <a:solidFill>
+                  <a:srgbClr val="000066"/>
+                </a:solidFill>
+                <a:latin typeface="微軟正黑體" pitchFamily="34" charset="-120"/>
+                <a:ea typeface="微軟正黑體" pitchFamily="34" charset="-120"/>
+              </a:rPr>
+              <a:t>數算我主</a:t>
+            </a:r>
+            <a:r>
+              <a:rPr lang="zh-TW" altLang="en-US" sz="5400" b="1" dirty="0">
+                <a:solidFill>
+                  <a:srgbClr val="000066"/>
+                </a:solidFill>
+                <a:latin typeface="微軟正黑體" pitchFamily="34" charset="-120"/>
+                <a:ea typeface="微軟正黑體" pitchFamily="34" charset="-120"/>
+              </a:rPr>
+              <a:t>恩典</a:t>
+            </a:r>
+            <a:endParaRPr lang="en-US" altLang="zh-TW" sz="5400" b="1" dirty="0">
               <a:solidFill>
                 <a:srgbClr val="000066"/>
               </a:solidFill>
@@ -3238,7 +3212,49 @@
               <a:buNone/>
             </a:pPr>
             <a:r>
-              <a:rPr lang="zh-TW" altLang="en-US" sz="5400" b="1" dirty="0" smtClean="0">
+              <a:rPr lang="zh-TW" altLang="en-US" sz="5400" b="1" dirty="0">
+                <a:solidFill>
+                  <a:srgbClr val="000066"/>
+                </a:solidFill>
+                <a:latin typeface="微軟正黑體" pitchFamily="34" charset="-120"/>
+                <a:ea typeface="微軟正黑體" pitchFamily="34" charset="-120"/>
+              </a:rPr>
+              <a:t>祂</a:t>
+            </a:r>
+            <a:r>
+              <a:rPr lang="zh-TW" altLang="en-US" sz="5400" b="1" dirty="0">
+                <a:solidFill>
+                  <a:srgbClr val="000066"/>
+                </a:solidFill>
+                <a:latin typeface="微軟正黑體" pitchFamily="34" charset="-120"/>
+                <a:ea typeface="微軟正黑體" pitchFamily="34" charset="-120"/>
+              </a:rPr>
+              <a:t>以性命來使我</a:t>
+            </a:r>
+            <a:r>
+              <a:rPr lang="zh-TW" altLang="en-US" sz="5400" b="1" dirty="0">
+                <a:solidFill>
+                  <a:srgbClr val="000066"/>
+                </a:solidFill>
+                <a:latin typeface="微軟正黑體" pitchFamily="34" charset="-120"/>
+                <a:ea typeface="微軟正黑體" pitchFamily="34" charset="-120"/>
+              </a:rPr>
+              <a:t>完全</a:t>
+            </a:r>
+            <a:endParaRPr lang="en-US" altLang="zh-TW" sz="5400" b="1" dirty="0">
+              <a:solidFill>
+                <a:srgbClr val="000066"/>
+              </a:solidFill>
+              <a:latin typeface="微軟正黑體" pitchFamily="34" charset="-120"/>
+              <a:ea typeface="微軟正黑體" pitchFamily="34" charset="-120"/>
+            </a:endParaRPr>
+          </a:p>
+          <a:p>
+            <a:pPr algn="ctr">
+              <a:buNone/>
+            </a:pPr>
+            <a:r>
+              <a:rPr lang="zh-TW" altLang="en-US" sz="5400" b="1" dirty="0">
                 <a:solidFill>
                   <a:srgbClr val="000066"/>
                 </a:solidFill>
@@ -3344,7 +3360,7 @@
               <a:t>這天同聚於主</a:t>
             </a:r>
             <a:r>
-              <a:rPr lang="zh-TW" altLang="en-US" sz="5400" b="1" dirty="0" smtClean="0">
+              <a:rPr lang="zh-TW" altLang="en-US" sz="5400" b="1" dirty="0">
                 <a:solidFill>
                   <a:srgbClr val="000066"/>
                 </a:solidFill>
@@ -3352,48 +3368,6 @@
                 <a:ea typeface="微軟正黑體" pitchFamily="34" charset="-120"/>
               </a:rPr>
               <a:t>聖殿</a:t>
-            </a:r>
-            <a:endParaRPr lang="en-US" altLang="zh-TW" sz="5400" b="1" dirty="0" smtClean="0">
-              <a:solidFill>
-                <a:srgbClr val="000066"/>
-              </a:solidFill>
-              <a:latin typeface="微軟正黑體" pitchFamily="34" charset="-120"/>
-              <a:ea typeface="微軟正黑體" pitchFamily="34" charset="-120"/>
-            </a:endParaRPr>
-          </a:p>
-          <a:p>
-            <a:pPr algn="ctr">
-              <a:buNone/>
-            </a:pPr>
-            <a:r>
-              <a:rPr lang="zh-TW" altLang="en-US" sz="5400" b="1" dirty="0" smtClean="0">
-                <a:solidFill>
-                  <a:srgbClr val="000066"/>
-                </a:solidFill>
-                <a:latin typeface="微軟正黑體" pitchFamily="34" charset="-120"/>
-                <a:ea typeface="微軟正黑體" pitchFamily="34" charset="-120"/>
-              </a:rPr>
-              <a:t>來</a:t>
-            </a:r>
-            <a:r>
-              <a:rPr lang="zh-TW" altLang="en-US" sz="5400" b="1" dirty="0">
-                <a:solidFill>
-                  <a:srgbClr val="000066"/>
-                </a:solidFill>
-                <a:latin typeface="微軟正黑體" pitchFamily="34" charset="-120"/>
-                <a:ea typeface="微軟正黑體" pitchFamily="34" charset="-120"/>
-              </a:rPr>
-              <a:t>數算我主</a:t>
-            </a:r>
-            <a:r>
-              <a:rPr lang="zh-TW" altLang="en-US" sz="5400" b="1" dirty="0" smtClean="0">
-                <a:solidFill>
-                  <a:srgbClr val="000066"/>
-                </a:solidFill>
-                <a:latin typeface="微軟正黑體" pitchFamily="34" charset="-120"/>
-                <a:ea typeface="微軟正黑體" pitchFamily="34" charset="-120"/>
-              </a:rPr>
-              <a:t>恩典</a:t>
             </a:r>
             <a:endParaRPr lang="en-US" altLang="zh-TW" sz="5400" b="1" dirty="0">
               <a:solidFill>
@@ -3408,36 +3382,36 @@
               <a:buNone/>
             </a:pPr>
             <a:r>
-              <a:rPr lang="zh-TW" altLang="en-US" sz="5400" b="1" dirty="0" smtClean="0">
-                <a:solidFill>
-                  <a:srgbClr val="000066"/>
-                </a:solidFill>
-                <a:latin typeface="微軟正黑體" pitchFamily="34" charset="-120"/>
-                <a:ea typeface="微軟正黑體" pitchFamily="34" charset="-120"/>
-              </a:rPr>
-              <a:t>祂</a:t>
-            </a:r>
-            <a:r>
-              <a:rPr lang="zh-TW" altLang="en-US" sz="5400" b="1" dirty="0">
-                <a:solidFill>
-                  <a:srgbClr val="000066"/>
-                </a:solidFill>
-                <a:latin typeface="微軟正黑體" pitchFamily="34" charset="-120"/>
-                <a:ea typeface="微軟正黑體" pitchFamily="34" charset="-120"/>
-              </a:rPr>
-              <a:t>賜盼望重生的</a:t>
-            </a:r>
-            <a:r>
-              <a:rPr lang="zh-TW" altLang="en-US" sz="5400" b="1" dirty="0" smtClean="0">
-                <a:solidFill>
-                  <a:srgbClr val="000066"/>
-                </a:solidFill>
-                <a:latin typeface="微軟正黑體" pitchFamily="34" charset="-120"/>
-                <a:ea typeface="微軟正黑體" pitchFamily="34" charset="-120"/>
-              </a:rPr>
-              <a:t>泉源</a:t>
-            </a:r>
-            <a:endParaRPr lang="en-US" altLang="zh-TW" sz="5400" b="1" dirty="0" smtClean="0">
+              <a:rPr lang="zh-TW" altLang="en-US" sz="5400" b="1" dirty="0">
+                <a:solidFill>
+                  <a:srgbClr val="000066"/>
+                </a:solidFill>
+                <a:latin typeface="微軟正黑體" pitchFamily="34" charset="-120"/>
+                <a:ea typeface="微軟正黑體" pitchFamily="34" charset="-120"/>
+              </a:rPr>
+              <a:t>來</a:t>
+            </a:r>
+            <a:r>
+              <a:rPr lang="zh-TW" altLang="en-US" sz="5400" b="1" dirty="0">
+                <a:solidFill>
+                  <a:srgbClr val="000066"/>
+                </a:solidFill>
+                <a:latin typeface="微軟正黑體" pitchFamily="34" charset="-120"/>
+                <a:ea typeface="微軟正黑體" pitchFamily="34" charset="-120"/>
+              </a:rPr>
+              <a:t>數算我主</a:t>
+            </a:r>
+            <a:r>
+              <a:rPr lang="zh-TW" altLang="en-US" sz="5400" b="1" dirty="0">
+                <a:solidFill>
+                  <a:srgbClr val="000066"/>
+                </a:solidFill>
+                <a:latin typeface="微軟正黑體" pitchFamily="34" charset="-120"/>
+                <a:ea typeface="微軟正黑體" pitchFamily="34" charset="-120"/>
+              </a:rPr>
+              <a:t>恩典</a:t>
+            </a:r>
+            <a:endParaRPr lang="en-US" altLang="zh-TW" sz="5400" b="1" dirty="0">
               <a:solidFill>
                 <a:srgbClr val="000066"/>
               </a:solidFill>
@@ -3450,7 +3424,49 @@
               <a:buNone/>
             </a:pPr>
             <a:r>
-              <a:rPr lang="zh-TW" altLang="en-US" sz="5400" b="1" dirty="0" smtClean="0">
+              <a:rPr lang="zh-TW" altLang="en-US" sz="5400" b="1" dirty="0">
+                <a:solidFill>
+                  <a:srgbClr val="000066"/>
+                </a:solidFill>
+                <a:latin typeface="微軟正黑體" pitchFamily="34" charset="-120"/>
+                <a:ea typeface="微軟正黑體" pitchFamily="34" charset="-120"/>
+              </a:rPr>
+              <a:t>祂</a:t>
+            </a:r>
+            <a:r>
+              <a:rPr lang="zh-TW" altLang="en-US" sz="5400" b="1" dirty="0">
+                <a:solidFill>
+                  <a:srgbClr val="000066"/>
+                </a:solidFill>
+                <a:latin typeface="微軟正黑體" pitchFamily="34" charset="-120"/>
+                <a:ea typeface="微軟正黑體" pitchFamily="34" charset="-120"/>
+              </a:rPr>
+              <a:t>賜盼望重生的</a:t>
+            </a:r>
+            <a:r>
+              <a:rPr lang="zh-TW" altLang="en-US" sz="5400" b="1" dirty="0">
+                <a:solidFill>
+                  <a:srgbClr val="000066"/>
+                </a:solidFill>
+                <a:latin typeface="微軟正黑體" pitchFamily="34" charset="-120"/>
+                <a:ea typeface="微軟正黑體" pitchFamily="34" charset="-120"/>
+              </a:rPr>
+              <a:t>泉源</a:t>
+            </a:r>
+            <a:endParaRPr lang="en-US" altLang="zh-TW" sz="5400" b="1" dirty="0">
+              <a:solidFill>
+                <a:srgbClr val="000066"/>
+              </a:solidFill>
+              <a:latin typeface="微軟正黑體" pitchFamily="34" charset="-120"/>
+              <a:ea typeface="微軟正黑體" pitchFamily="34" charset="-120"/>
+            </a:endParaRPr>
+          </a:p>
+          <a:p>
+            <a:pPr algn="ctr">
+              <a:buNone/>
+            </a:pPr>
+            <a:r>
+              <a:rPr lang="zh-TW" altLang="en-US" sz="5400" b="1" dirty="0">
                 <a:solidFill>
                   <a:srgbClr val="000066"/>
                 </a:solidFill>
@@ -3537,7 +3553,7 @@
         </p:nvSpPr>
         <p:spPr>
           <a:xfrm>
-            <a:off x="0" y="1600200"/>
+            <a:off x="1524000" y="1600200"/>
             <a:ext cx="9144000" cy="5257800"/>
           </a:xfrm>
         </p:spPr>
@@ -3561,7 +3577,7 @@
               <a:t>恩典太</a:t>
             </a:r>
             <a:r>
-              <a:rPr lang="zh-TW" altLang="en-US" sz="5400" b="1" dirty="0" smtClean="0">
+              <a:rPr lang="zh-TW" altLang="en-US" sz="5400" b="1" dirty="0">
                 <a:solidFill>
                   <a:srgbClr val="000066"/>
                 </a:solidFill>
@@ -3581,7 +3597,7 @@
               <a:t>甚麼可取</a:t>
             </a:r>
             <a:r>
-              <a:rPr lang="zh-TW" altLang="en-US" sz="5400" b="1" dirty="0" smtClean="0">
+              <a:rPr lang="zh-TW" altLang="en-US" sz="5400" b="1" dirty="0">
                 <a:solidFill>
                   <a:srgbClr val="000066"/>
                 </a:solidFill>
@@ -3603,7 +3619,7 @@
               <a:buNone/>
             </a:pPr>
             <a:r>
-              <a:rPr lang="zh-TW" altLang="en-US" sz="5400" b="1" dirty="0" smtClean="0">
+              <a:rPr lang="zh-TW" altLang="en-US" sz="5400" b="1" dirty="0">
                 <a:solidFill>
                   <a:srgbClr val="000066"/>
                 </a:solidFill>
@@ -3623,7 +3639,7 @@
               <a:t>求將心全然給</a:t>
             </a:r>
             <a:r>
-              <a:rPr lang="zh-TW" altLang="en-US" sz="5400" b="1" dirty="0" smtClean="0">
+              <a:rPr lang="zh-TW" altLang="en-US" sz="5400" b="1" dirty="0">
                 <a:solidFill>
                   <a:srgbClr val="000066"/>
                 </a:solidFill>
@@ -3632,7 +3648,7 @@
               </a:rPr>
               <a:t>主</a:t>
             </a:r>
-            <a:endParaRPr lang="en-US" altLang="zh-TW" sz="5400" b="1" dirty="0" smtClean="0">
+            <a:endParaRPr lang="en-US" altLang="zh-TW" sz="5400" b="1" dirty="0">
               <a:solidFill>
                 <a:srgbClr val="000066"/>
               </a:solidFill>
@@ -3645,7 +3661,7 @@
               <a:buNone/>
             </a:pPr>
             <a:r>
-              <a:rPr lang="zh-TW" altLang="en-US" sz="5400" b="1" dirty="0" smtClean="0">
+              <a:rPr lang="zh-TW" altLang="en-US" sz="5400" b="1" dirty="0">
                 <a:solidFill>
                   <a:srgbClr val="000066"/>
                 </a:solidFill>
@@ -3665,7 +3681,7 @@
               <a:t>愛多</a:t>
             </a:r>
             <a:r>
-              <a:rPr lang="zh-TW" altLang="en-US" sz="5400" b="1" dirty="0" smtClean="0">
+              <a:rPr lang="zh-TW" altLang="en-US" sz="5400" b="1" dirty="0">
                 <a:solidFill>
                   <a:srgbClr val="000066"/>
                 </a:solidFill>
@@ -3674,7 +3690,7 @@
               </a:rPr>
               <a:t>珍貴</a:t>
             </a:r>
-            <a:endParaRPr lang="en-US" altLang="zh-TW" sz="5400" b="1" dirty="0" smtClean="0">
+            <a:endParaRPr lang="en-US" altLang="zh-TW" sz="5400" b="1" dirty="0">
               <a:solidFill>
                 <a:srgbClr val="000066"/>
               </a:solidFill>
@@ -3687,7 +3703,7 @@
               <a:buNone/>
             </a:pPr>
             <a:r>
-              <a:rPr lang="zh-TW" altLang="en-US" sz="5400" b="1" dirty="0" smtClean="0">
+              <a:rPr lang="zh-TW" altLang="en-US" sz="5400" b="1" dirty="0">
                 <a:solidFill>
                   <a:srgbClr val="000066"/>
                 </a:solidFill>
@@ -3707,7 +3723,7 @@
               <a:t> </a:t>
             </a:r>
             <a:r>
-              <a:rPr lang="en-US" altLang="zh-TW" sz="5400" b="1" dirty="0" smtClean="0">
+              <a:rPr lang="en-US" altLang="zh-TW" sz="5400" b="1" dirty="0">
                 <a:solidFill>
                   <a:srgbClr val="000066"/>
                 </a:solidFill>
@@ -3717,7 +3733,7 @@
               <a:t> </a:t>
             </a:r>
             <a:r>
-              <a:rPr lang="zh-TW" altLang="en-US" sz="5400" b="1" dirty="0" smtClean="0">
+              <a:rPr lang="zh-TW" altLang="en-US" sz="5400" b="1" dirty="0">
                 <a:solidFill>
                   <a:srgbClr val="000066"/>
                 </a:solidFill>
@@ -3737,7 +3753,7 @@
               <a:t>傾意愛</a:t>
             </a:r>
             <a:r>
-              <a:rPr lang="zh-TW" altLang="en-US" sz="5400" b="1" dirty="0" smtClean="0">
+              <a:rPr lang="zh-TW" altLang="en-US" sz="5400" b="1" dirty="0">
                 <a:solidFill>
                   <a:srgbClr val="000066"/>
                 </a:solidFill>
@@ -3746,7 +3762,7 @@
               </a:rPr>
               <a:t>別人</a:t>
             </a:r>
-            <a:endParaRPr lang="en-US" altLang="zh-TW" sz="5400" b="1" dirty="0" smtClean="0">
+            <a:endParaRPr lang="en-US" altLang="zh-TW" sz="5400" b="1" dirty="0">
               <a:solidFill>
                 <a:srgbClr val="000066"/>
               </a:solidFill>
@@ -3759,7 +3775,7 @@
               <a:buNone/>
             </a:pPr>
             <a:r>
-              <a:rPr lang="zh-TW" altLang="en-US" sz="5400" b="1" dirty="0" smtClean="0">
+              <a:rPr lang="zh-TW" altLang="en-US" sz="5400" b="1" dirty="0">
                 <a:solidFill>
                   <a:srgbClr val="000066"/>
                 </a:solidFill>
@@ -3865,7 +3881,7 @@
               <a:t>這天降服於主腳</a:t>
             </a:r>
             <a:r>
-              <a:rPr lang="zh-TW" altLang="en-US" sz="5400" b="1" dirty="0" smtClean="0">
+              <a:rPr lang="zh-TW" altLang="en-US" sz="5400" b="1" dirty="0">
                 <a:solidFill>
                   <a:srgbClr val="000066"/>
                 </a:solidFill>
@@ -3873,48 +3889,6 @@
                 <a:ea typeface="微軟正黑體" pitchFamily="34" charset="-120"/>
               </a:rPr>
               <a:t>前</a:t>
-            </a:r>
-            <a:endParaRPr lang="en-US" altLang="zh-TW" sz="5400" b="1" dirty="0" smtClean="0">
-              <a:solidFill>
-                <a:srgbClr val="000066"/>
-              </a:solidFill>
-              <a:latin typeface="微軟正黑體" pitchFamily="34" charset="-120"/>
-              <a:ea typeface="微軟正黑體" pitchFamily="34" charset="-120"/>
-            </a:endParaRPr>
-          </a:p>
-          <a:p>
-            <a:pPr algn="ctr">
-              <a:buNone/>
-            </a:pPr>
-            <a:r>
-              <a:rPr lang="zh-TW" altLang="en-US" sz="5400" b="1" dirty="0" smtClean="0">
-                <a:solidFill>
-                  <a:srgbClr val="000066"/>
-                </a:solidFill>
-                <a:latin typeface="微軟正黑體" pitchFamily="34" charset="-120"/>
-                <a:ea typeface="微軟正黑體" pitchFamily="34" charset="-120"/>
-              </a:rPr>
-              <a:t>留心</a:t>
-            </a:r>
-            <a:r>
-              <a:rPr lang="zh-TW" altLang="en-US" sz="5400" b="1" dirty="0">
-                <a:solidFill>
-                  <a:srgbClr val="000066"/>
-                </a:solidFill>
-                <a:latin typeface="微軟正黑體" pitchFamily="34" charset="-120"/>
-                <a:ea typeface="微軟正黑體" pitchFamily="34" charset="-120"/>
-              </a:rPr>
-              <a:t>聽我主</a:t>
-            </a:r>
-            <a:r>
-              <a:rPr lang="zh-TW" altLang="en-US" sz="5400" b="1" dirty="0" smtClean="0">
-                <a:solidFill>
-                  <a:srgbClr val="000066"/>
-                </a:solidFill>
-                <a:latin typeface="微軟正黑體" pitchFamily="34" charset="-120"/>
-                <a:ea typeface="微軟正黑體" pitchFamily="34" charset="-120"/>
-              </a:rPr>
-              <a:t>差遣</a:t>
             </a:r>
             <a:endParaRPr lang="en-US" altLang="zh-TW" sz="5400" b="1" dirty="0">
               <a:solidFill>
@@ -3929,36 +3903,36 @@
               <a:buNone/>
             </a:pPr>
             <a:r>
-              <a:rPr lang="zh-TW" altLang="en-US" sz="5400" b="1" dirty="0" smtClean="0">
-                <a:solidFill>
-                  <a:srgbClr val="000066"/>
-                </a:solidFill>
-                <a:latin typeface="微軟正黑體" pitchFamily="34" charset="-120"/>
-                <a:ea typeface="微軟正黑體" pitchFamily="34" charset="-120"/>
-              </a:rPr>
-              <a:t>深信</a:t>
-            </a:r>
-            <a:r>
-              <a:rPr lang="zh-TW" altLang="en-US" sz="5400" b="1" dirty="0">
-                <a:solidFill>
-                  <a:srgbClr val="000066"/>
-                </a:solidFill>
-                <a:latin typeface="微軟正黑體" pitchFamily="34" charset="-120"/>
-                <a:ea typeface="微軟正黑體" pitchFamily="34" charset="-120"/>
-              </a:rPr>
-              <a:t>這日勞苦不</a:t>
-            </a:r>
-            <a:r>
-              <a:rPr lang="zh-TW" altLang="en-US" sz="5400" b="1" dirty="0" smtClean="0">
-                <a:solidFill>
-                  <a:srgbClr val="000066"/>
-                </a:solidFill>
-                <a:latin typeface="微軟正黑體" pitchFamily="34" charset="-120"/>
-                <a:ea typeface="微軟正黑體" pitchFamily="34" charset="-120"/>
-              </a:rPr>
-              <a:t>徒然</a:t>
-            </a:r>
-            <a:endParaRPr lang="en-US" altLang="zh-TW" sz="5400" b="1" dirty="0" smtClean="0">
+              <a:rPr lang="zh-TW" altLang="en-US" sz="5400" b="1" dirty="0">
+                <a:solidFill>
+                  <a:srgbClr val="000066"/>
+                </a:solidFill>
+                <a:latin typeface="微軟正黑體" pitchFamily="34" charset="-120"/>
+                <a:ea typeface="微軟正黑體" pitchFamily="34" charset="-120"/>
+              </a:rPr>
+              <a:t>留心</a:t>
+            </a:r>
+            <a:r>
+              <a:rPr lang="zh-TW" altLang="en-US" sz="5400" b="1" dirty="0">
+                <a:solidFill>
+                  <a:srgbClr val="000066"/>
+                </a:solidFill>
+                <a:latin typeface="微軟正黑體" pitchFamily="34" charset="-120"/>
+                <a:ea typeface="微軟正黑體" pitchFamily="34" charset="-120"/>
+              </a:rPr>
+              <a:t>聽我主</a:t>
+            </a:r>
+            <a:r>
+              <a:rPr lang="zh-TW" altLang="en-US" sz="5400" b="1" dirty="0">
+                <a:solidFill>
+                  <a:srgbClr val="000066"/>
+                </a:solidFill>
+                <a:latin typeface="微軟正黑體" pitchFamily="34" charset="-120"/>
+                <a:ea typeface="微軟正黑體" pitchFamily="34" charset="-120"/>
+              </a:rPr>
+              <a:t>差遣</a:t>
+            </a:r>
+            <a:endParaRPr lang="en-US" altLang="zh-TW" sz="5400" b="1" dirty="0">
               <a:solidFill>
                 <a:srgbClr val="000066"/>
               </a:solidFill>
@@ -3971,7 +3945,49 @@
               <a:buNone/>
             </a:pPr>
             <a:r>
-              <a:rPr lang="zh-TW" altLang="en-US" sz="5400" b="1" dirty="0" smtClean="0">
+              <a:rPr lang="zh-TW" altLang="en-US" sz="5400" b="1" dirty="0">
+                <a:solidFill>
+                  <a:srgbClr val="000066"/>
+                </a:solidFill>
+                <a:latin typeface="微軟正黑體" pitchFamily="34" charset="-120"/>
+                <a:ea typeface="微軟正黑體" pitchFamily="34" charset="-120"/>
+              </a:rPr>
+              <a:t>深信</a:t>
+            </a:r>
+            <a:r>
+              <a:rPr lang="zh-TW" altLang="en-US" sz="5400" b="1" dirty="0">
+                <a:solidFill>
+                  <a:srgbClr val="000066"/>
+                </a:solidFill>
+                <a:latin typeface="微軟正黑體" pitchFamily="34" charset="-120"/>
+                <a:ea typeface="微軟正黑體" pitchFamily="34" charset="-120"/>
+              </a:rPr>
+              <a:t>這日勞苦不</a:t>
+            </a:r>
+            <a:r>
+              <a:rPr lang="zh-TW" altLang="en-US" sz="5400" b="1" dirty="0">
+                <a:solidFill>
+                  <a:srgbClr val="000066"/>
+                </a:solidFill>
+                <a:latin typeface="微軟正黑體" pitchFamily="34" charset="-120"/>
+                <a:ea typeface="微軟正黑體" pitchFamily="34" charset="-120"/>
+              </a:rPr>
+              <a:t>徒然</a:t>
+            </a:r>
+            <a:endParaRPr lang="en-US" altLang="zh-TW" sz="5400" b="1" dirty="0">
+              <a:solidFill>
+                <a:srgbClr val="000066"/>
+              </a:solidFill>
+              <a:latin typeface="微軟正黑體" pitchFamily="34" charset="-120"/>
+              <a:ea typeface="微軟正黑體" pitchFamily="34" charset="-120"/>
+            </a:endParaRPr>
+          </a:p>
+          <a:p>
+            <a:pPr algn="ctr">
+              <a:buNone/>
+            </a:pPr>
+            <a:r>
+              <a:rPr lang="zh-TW" altLang="en-US" sz="5400" b="1" dirty="0">
                 <a:solidFill>
                   <a:srgbClr val="000066"/>
                 </a:solidFill>
@@ -4058,7 +4074,7 @@
         </p:nvSpPr>
         <p:spPr>
           <a:xfrm>
-            <a:off x="0" y="1600200"/>
+            <a:off x="1524000" y="1600200"/>
             <a:ext cx="9144000" cy="5257800"/>
           </a:xfrm>
         </p:spPr>
@@ -4082,7 +4098,7 @@
               <a:t>衷心去</a:t>
             </a:r>
             <a:r>
-              <a:rPr lang="zh-TW" altLang="en-US" sz="5400" b="1" dirty="0" smtClean="0">
+              <a:rPr lang="zh-TW" altLang="en-US" sz="5400" b="1" dirty="0">
                 <a:solidFill>
                   <a:srgbClr val="000066"/>
                 </a:solidFill>
@@ -4102,7 +4118,7 @@
               <a:t>極重的</a:t>
             </a:r>
             <a:r>
-              <a:rPr lang="zh-TW" altLang="en-US" sz="5400" b="1" dirty="0" smtClean="0">
+              <a:rPr lang="zh-TW" altLang="en-US" sz="5400" b="1" dirty="0">
                 <a:solidFill>
                   <a:srgbClr val="000066"/>
                 </a:solidFill>
@@ -4124,7 +4140,7 @@
               <a:buNone/>
             </a:pPr>
             <a:r>
-              <a:rPr lang="zh-TW" altLang="en-US" sz="5400" b="1" dirty="0" smtClean="0">
+              <a:rPr lang="zh-TW" altLang="en-US" sz="5400" b="1" dirty="0">
                 <a:solidFill>
                   <a:srgbClr val="000066"/>
                 </a:solidFill>
@@ -4144,7 +4160,7 @@
               <a:t>我一生傳揚</a:t>
             </a:r>
             <a:r>
-              <a:rPr lang="zh-TW" altLang="en-US" sz="5400" b="1" dirty="0" smtClean="0">
+              <a:rPr lang="zh-TW" altLang="en-US" sz="5400" b="1" dirty="0">
                 <a:solidFill>
                   <a:srgbClr val="000066"/>
                 </a:solidFill>
@@ -4152,48 +4168,6 @@
                 <a:ea typeface="微軟正黑體" pitchFamily="34" charset="-120"/>
               </a:rPr>
               <a:t>福音</a:t>
-            </a:r>
-            <a:endParaRPr lang="en-US" altLang="zh-TW" sz="5400" b="1" dirty="0" smtClean="0">
-              <a:solidFill>
-                <a:srgbClr val="000066"/>
-              </a:solidFill>
-              <a:latin typeface="微軟正黑體" pitchFamily="34" charset="-120"/>
-              <a:ea typeface="微軟正黑體" pitchFamily="34" charset="-120"/>
-            </a:endParaRPr>
-          </a:p>
-          <a:p>
-            <a:pPr algn="ctr">
-              <a:buNone/>
-            </a:pPr>
-            <a:r>
-              <a:rPr lang="zh-TW" altLang="en-US" sz="5400" b="1" dirty="0" smtClean="0">
-                <a:solidFill>
-                  <a:srgbClr val="000066"/>
-                </a:solidFill>
-                <a:latin typeface="微軟正黑體" pitchFamily="34" charset="-120"/>
-                <a:ea typeface="微軟正黑體" pitchFamily="34" charset="-120"/>
-              </a:rPr>
-              <a:t>來</a:t>
-            </a:r>
-            <a:r>
-              <a:rPr lang="zh-TW" altLang="en-US" sz="5400" b="1" dirty="0">
-                <a:solidFill>
-                  <a:srgbClr val="000066"/>
-                </a:solidFill>
-                <a:latin typeface="微軟正黑體" pitchFamily="34" charset="-120"/>
-                <a:ea typeface="微軟正黑體" pitchFamily="34" charset="-120"/>
-              </a:rPr>
-              <a:t>證實主愛</a:t>
-            </a:r>
-            <a:r>
-              <a:rPr lang="zh-TW" altLang="en-US" sz="5400" b="1" dirty="0" smtClean="0">
-                <a:solidFill>
-                  <a:srgbClr val="000066"/>
-                </a:solidFill>
-                <a:latin typeface="微軟正黑體" pitchFamily="34" charset="-120"/>
-                <a:ea typeface="微軟正黑體" pitchFamily="34" charset="-120"/>
-              </a:rPr>
-              <a:t>何寶貴</a:t>
             </a:r>
             <a:endParaRPr lang="en-US" altLang="zh-TW" sz="5400" b="1" dirty="0">
               <a:solidFill>
@@ -4208,56 +4182,36 @@
               <a:buNone/>
             </a:pPr>
             <a:r>
-              <a:rPr lang="zh-TW" altLang="en-US" sz="5400" b="1" dirty="0" smtClean="0">
-                <a:solidFill>
-                  <a:srgbClr val="000066"/>
-                </a:solidFill>
-                <a:latin typeface="微軟正黑體" pitchFamily="34" charset="-120"/>
-                <a:ea typeface="微軟正黑體" pitchFamily="34" charset="-120"/>
-              </a:rPr>
-              <a:t>請</a:t>
-            </a:r>
-            <a:r>
-              <a:rPr lang="zh-TW" altLang="en-US" sz="5400" b="1" dirty="0">
-                <a:solidFill>
-                  <a:srgbClr val="000066"/>
-                </a:solidFill>
-                <a:latin typeface="微軟正黑體" pitchFamily="34" charset="-120"/>
-                <a:ea typeface="微軟正黑體" pitchFamily="34" charset="-120"/>
-              </a:rPr>
-              <a:t>觀看</a:t>
-            </a:r>
-            <a:r>
-              <a:rPr lang="zh-TW" altLang="en-US" sz="5400" b="1" dirty="0" smtClean="0">
-                <a:solidFill>
-                  <a:srgbClr val="000066"/>
-                </a:solidFill>
-                <a:latin typeface="微軟正黑體" pitchFamily="34" charset="-120"/>
-                <a:ea typeface="微軟正黑體" pitchFamily="34" charset="-120"/>
-              </a:rPr>
-              <a:t>稻田  主</a:t>
-            </a:r>
-            <a:r>
-              <a:rPr lang="zh-TW" altLang="en-US" sz="5400" b="1" dirty="0">
-                <a:solidFill>
-                  <a:srgbClr val="000066"/>
-                </a:solidFill>
-                <a:latin typeface="微軟正黑體" pitchFamily="34" charset="-120"/>
-                <a:ea typeface="微軟正黑體" pitchFamily="34" charset="-120"/>
-              </a:rPr>
-              <a:t>的莊稼在</a:t>
-            </a:r>
-            <a:r>
-              <a:rPr lang="zh-TW" altLang="en-US" sz="5400" b="1" dirty="0" smtClean="0">
-                <a:solidFill>
-                  <a:srgbClr val="000066"/>
-                </a:solidFill>
-                <a:latin typeface="微軟正黑體" pitchFamily="34" charset="-120"/>
-                <a:ea typeface="微軟正黑體" pitchFamily="34" charset="-120"/>
-              </a:rPr>
-              <a:t>面前</a:t>
-            </a:r>
-            <a:endParaRPr lang="en-US" altLang="zh-TW" sz="5400" b="1" dirty="0" smtClean="0">
+              <a:rPr lang="zh-TW" altLang="en-US" sz="5400" b="1" dirty="0">
+                <a:solidFill>
+                  <a:srgbClr val="000066"/>
+                </a:solidFill>
+                <a:latin typeface="微軟正黑體" pitchFamily="34" charset="-120"/>
+                <a:ea typeface="微軟正黑體" pitchFamily="34" charset="-120"/>
+              </a:rPr>
+              <a:t>來</a:t>
+            </a:r>
+            <a:r>
+              <a:rPr lang="zh-TW" altLang="en-US" sz="5400" b="1" dirty="0">
+                <a:solidFill>
+                  <a:srgbClr val="000066"/>
+                </a:solidFill>
+                <a:latin typeface="微軟正黑體" pitchFamily="34" charset="-120"/>
+                <a:ea typeface="微軟正黑體" pitchFamily="34" charset="-120"/>
+              </a:rPr>
+              <a:t>證實主愛</a:t>
+            </a:r>
+            <a:r>
+              <a:rPr lang="zh-TW" altLang="en-US" sz="5400" b="1" dirty="0">
+                <a:solidFill>
+                  <a:srgbClr val="000066"/>
+                </a:solidFill>
+                <a:latin typeface="微軟正黑體" pitchFamily="34" charset="-120"/>
+                <a:ea typeface="微軟正黑體" pitchFamily="34" charset="-120"/>
+              </a:rPr>
+              <a:t>何寶貴</a:t>
+            </a:r>
+            <a:endParaRPr lang="en-US" altLang="zh-TW" sz="5400" b="1" dirty="0">
               <a:solidFill>
                 <a:srgbClr val="000066"/>
               </a:solidFill>
@@ -4270,7 +4224,69 @@
               <a:buNone/>
             </a:pPr>
             <a:r>
-              <a:rPr lang="zh-TW" altLang="en-US" sz="5400" b="1" dirty="0" smtClean="0">
+              <a:rPr lang="zh-TW" altLang="en-US" sz="5400" b="1" dirty="0">
+                <a:solidFill>
+                  <a:srgbClr val="000066"/>
+                </a:solidFill>
+                <a:latin typeface="微軟正黑體" pitchFamily="34" charset="-120"/>
+                <a:ea typeface="微軟正黑體" pitchFamily="34" charset="-120"/>
+              </a:rPr>
+              <a:t>請</a:t>
+            </a:r>
+            <a:r>
+              <a:rPr lang="zh-TW" altLang="en-US" sz="5400" b="1" dirty="0">
+                <a:solidFill>
+                  <a:srgbClr val="000066"/>
+                </a:solidFill>
+                <a:latin typeface="微軟正黑體" pitchFamily="34" charset="-120"/>
+                <a:ea typeface="微軟正黑體" pitchFamily="34" charset="-120"/>
+              </a:rPr>
+              <a:t>觀看</a:t>
+            </a:r>
+            <a:r>
+              <a:rPr lang="zh-TW" altLang="en-US" sz="5400" b="1" dirty="0">
+                <a:solidFill>
+                  <a:srgbClr val="000066"/>
+                </a:solidFill>
+                <a:latin typeface="微軟正黑體" pitchFamily="34" charset="-120"/>
+                <a:ea typeface="微軟正黑體" pitchFamily="34" charset="-120"/>
+              </a:rPr>
+              <a:t>稻田  主</a:t>
+            </a:r>
+            <a:r>
+              <a:rPr lang="zh-TW" altLang="en-US" sz="5400" b="1" dirty="0">
+                <a:solidFill>
+                  <a:srgbClr val="000066"/>
+                </a:solidFill>
+                <a:latin typeface="微軟正黑體" pitchFamily="34" charset="-120"/>
+                <a:ea typeface="微軟正黑體" pitchFamily="34" charset="-120"/>
+              </a:rPr>
+              <a:t>的莊稼在</a:t>
+            </a:r>
+            <a:r>
+              <a:rPr lang="zh-TW" altLang="en-US" sz="5400" b="1" dirty="0">
+                <a:solidFill>
+                  <a:srgbClr val="000066"/>
+                </a:solidFill>
+                <a:latin typeface="微軟正黑體" pitchFamily="34" charset="-120"/>
+                <a:ea typeface="微軟正黑體" pitchFamily="34" charset="-120"/>
+              </a:rPr>
+              <a:t>面前</a:t>
+            </a:r>
+            <a:endParaRPr lang="en-US" altLang="zh-TW" sz="5400" b="1" dirty="0">
+              <a:solidFill>
+                <a:srgbClr val="000066"/>
+              </a:solidFill>
+              <a:latin typeface="微軟正黑體" pitchFamily="34" charset="-120"/>
+              <a:ea typeface="微軟正黑體" pitchFamily="34" charset="-120"/>
+            </a:endParaRPr>
+          </a:p>
+          <a:p>
+            <a:pPr algn="ctr">
+              <a:buNone/>
+            </a:pPr>
+            <a:r>
+              <a:rPr lang="zh-TW" altLang="en-US" sz="5400" b="1" dirty="0">
                 <a:solidFill>
                   <a:srgbClr val="000066"/>
                 </a:solidFill>
@@ -4366,16 +4382,6 @@
               <a:buNone/>
             </a:pPr>
             <a:r>
-              <a:rPr lang="zh-TW" altLang="en-US" sz="5400" b="1" dirty="0">
-                <a:solidFill>
-                  <a:srgbClr val="000066"/>
-                </a:solidFill>
-                <a:latin typeface="微軟正黑體" pitchFamily="34" charset="-120"/>
-                <a:ea typeface="微軟正黑體" pitchFamily="34" charset="-120"/>
-              </a:rPr>
-              <a:t>忠於</a:t>
-            </a:r>
-            <a:r>
               <a:rPr lang="zh-TW" altLang="en-US" sz="5400" b="1" dirty="0" smtClean="0">
                 <a:solidFill>
                   <a:srgbClr val="000066"/>
@@ -4383,7 +4389,7 @@
                 <a:latin typeface="微軟正黑體" pitchFamily="34" charset="-120"/>
                 <a:ea typeface="微軟正黑體" pitchFamily="34" charset="-120"/>
               </a:rPr>
-              <a:t>使命</a:t>
+              <a:t>忠於使命</a:t>
             </a:r>
             <a:endParaRPr lang="en-US" altLang="zh-TW" sz="5400" b="1" dirty="0" smtClean="0">
               <a:solidFill>
@@ -4405,27 +4411,7 @@
                 <a:latin typeface="微軟正黑體" pitchFamily="34" charset="-120"/>
                 <a:ea typeface="微軟正黑體" pitchFamily="34" charset="-120"/>
               </a:rPr>
-              <a:t>不惜</a:t>
-            </a:r>
-            <a:r>
-              <a:rPr lang="zh-TW" altLang="en-US" sz="5400" b="1" dirty="0">
-                <a:solidFill>
-                  <a:srgbClr val="000066"/>
-                </a:solidFill>
-                <a:latin typeface="微軟正黑體" pitchFamily="34" charset="-120"/>
-                <a:ea typeface="微軟正黑體" pitchFamily="34" charset="-120"/>
-              </a:rPr>
-              <a:t>一切來</a:t>
-            </a:r>
-            <a:r>
-              <a:rPr lang="zh-TW" altLang="en-US" sz="5400" b="1" dirty="0" smtClean="0">
-                <a:solidFill>
-                  <a:srgbClr val="000066"/>
-                </a:solidFill>
-                <a:latin typeface="微軟正黑體" pitchFamily="34" charset="-120"/>
-                <a:ea typeface="微軟正黑體" pitchFamily="34" charset="-120"/>
-              </a:rPr>
-              <a:t>回應</a:t>
+              <a:t>不惜一切來回應</a:t>
             </a:r>
             <a:endParaRPr lang="en-US" altLang="zh-TW" sz="5400" b="1" dirty="0" smtClean="0">
               <a:solidFill>
@@ -4447,18 +4433,15 @@
                 <a:latin typeface="微軟正黑體" pitchFamily="34" charset="-120"/>
                 <a:ea typeface="微軟正黑體" pitchFamily="34" charset="-120"/>
               </a:rPr>
-              <a:t>能事</a:t>
-            </a:r>
-            <a:r>
-              <a:rPr lang="zh-TW" altLang="en-US" sz="5400" b="1" dirty="0">
-                <a:solidFill>
-                  <a:srgbClr val="000066"/>
-                </a:solidFill>
-                <a:latin typeface="微軟正黑體" pitchFamily="34" charset="-120"/>
-                <a:ea typeface="微軟正黑體" pitchFamily="34" charset="-120"/>
-              </a:rPr>
-              <a:t>奉你是最尊貴</a:t>
-            </a:r>
+              <a:t>能事奉你是最尊貴</a:t>
+            </a:r>
+            <a:endParaRPr lang="zh-TW" altLang="en-US" sz="5400" b="1" dirty="0">
+              <a:solidFill>
+                <a:srgbClr val="000066"/>
+              </a:solidFill>
+              <a:latin typeface="微軟正黑體" pitchFamily="34" charset="-120"/>
+              <a:ea typeface="微軟正黑體" pitchFamily="34" charset="-120"/>
+            </a:endParaRPr>
           </a:p>
         </p:txBody>
       </p:sp>

--- a/恩典太美麗.pptx
+++ b/恩典太美麗.pptx
@@ -5,12 +5,20 @@
     <p:sldMasterId id="2147483672" r:id="rId1"/>
   </p:sldMasterIdLst>
   <p:sldIdLst>
-    <p:sldId id="256" r:id="rId2"/>
-    <p:sldId id="257" r:id="rId3"/>
-    <p:sldId id="258" r:id="rId4"/>
-    <p:sldId id="259" r:id="rId5"/>
-    <p:sldId id="260" r:id="rId6"/>
-    <p:sldId id="261" r:id="rId7"/>
+    <p:sldId id="353" r:id="rId2"/>
+    <p:sldId id="390" r:id="rId3"/>
+    <p:sldId id="465" r:id="rId4"/>
+    <p:sldId id="466" r:id="rId5"/>
+    <p:sldId id="467" r:id="rId6"/>
+    <p:sldId id="468" r:id="rId7"/>
+    <p:sldId id="469" r:id="rId8"/>
+    <p:sldId id="470" r:id="rId9"/>
+    <p:sldId id="471" r:id="rId10"/>
+    <p:sldId id="472" r:id="rId11"/>
+    <p:sldId id="473" r:id="rId12"/>
+    <p:sldId id="474" r:id="rId13"/>
+    <p:sldId id="475" r:id="rId14"/>
+    <p:sldId id="476" r:id="rId15"/>
   </p:sldIdLst>
   <p:sldSz cx="12192000" cy="6858000"/>
   <p:notesSz cx="6858000" cy="9144000"/>
@@ -166,10 +174,9 @@
           <a:lstStyle/>
           <a:p>
             <a:r>
-              <a:rPr lang="zh-TW" altLang="en-US" smtClean="0"/>
+              <a:rPr lang="zh-TW" altLang="en-US"/>
               <a:t>按一下以編輯母片標題樣式</a:t>
             </a:r>
-            <a:endParaRPr lang="zh-TW" altLang="en-US"/>
           </a:p>
         </p:txBody>
       </p:sp>
@@ -285,10 +292,9 @@
           </a:lstStyle>
           <a:p>
             <a:r>
-              <a:rPr lang="zh-TW" altLang="en-US" smtClean="0"/>
+              <a:rPr lang="zh-TW" altLang="en-US"/>
               <a:t>按一下以編輯母片副標題樣式</a:t>
             </a:r>
-            <a:endParaRPr lang="zh-TW" altLang="en-US"/>
           </a:p>
         </p:txBody>
       </p:sp>
@@ -310,7 +316,7 @@
             <a:fld id="{10CD2638-3467-4EC0-AEE5-418F2C9B0F06}" type="datetimeFigureOut">
               <a:rPr lang="zh-TW" altLang="en-US" smtClean="0"/>
               <a:pPr/>
-              <a:t>2019/11/9</a:t>
+              <a:t>2023/12/30</a:t>
             </a:fld>
             <a:endParaRPr lang="zh-TW" altLang="en-US"/>
           </a:p>
@@ -400,10 +406,9 @@
           <a:lstStyle/>
           <a:p>
             <a:r>
-              <a:rPr lang="zh-TW" altLang="en-US" smtClean="0"/>
+              <a:rPr lang="zh-TW" altLang="en-US"/>
               <a:t>按一下以編輯母片標題樣式</a:t>
             </a:r>
-            <a:endParaRPr lang="zh-TW" altLang="en-US"/>
           </a:p>
         </p:txBody>
       </p:sp>
@@ -424,38 +429,37 @@
           <a:p>
             <a:pPr lvl="0"/>
             <a:r>
-              <a:rPr lang="zh-TW" altLang="en-US" smtClean="0"/>
+              <a:rPr lang="zh-TW" altLang="en-US"/>
               <a:t>按一下以編輯母片文字樣式</a:t>
             </a:r>
           </a:p>
           <a:p>
             <a:pPr lvl="1"/>
             <a:r>
-              <a:rPr lang="zh-TW" altLang="en-US" smtClean="0"/>
+              <a:rPr lang="zh-TW" altLang="en-US"/>
               <a:t>第二層</a:t>
             </a:r>
           </a:p>
           <a:p>
             <a:pPr lvl="2"/>
             <a:r>
-              <a:rPr lang="zh-TW" altLang="en-US" smtClean="0"/>
+              <a:rPr lang="zh-TW" altLang="en-US"/>
               <a:t>第三層</a:t>
             </a:r>
           </a:p>
           <a:p>
             <a:pPr lvl="3"/>
             <a:r>
-              <a:rPr lang="zh-TW" altLang="en-US" smtClean="0"/>
+              <a:rPr lang="zh-TW" altLang="en-US"/>
               <a:t>第四層</a:t>
             </a:r>
           </a:p>
           <a:p>
             <a:pPr lvl="4"/>
             <a:r>
-              <a:rPr lang="zh-TW" altLang="en-US" smtClean="0"/>
+              <a:rPr lang="zh-TW" altLang="en-US"/>
               <a:t>第五層</a:t>
             </a:r>
-            <a:endParaRPr lang="zh-TW" altLang="en-US"/>
           </a:p>
         </p:txBody>
       </p:sp>
@@ -477,7 +481,7 @@
             <a:fld id="{10CD2638-3467-4EC0-AEE5-418F2C9B0F06}" type="datetimeFigureOut">
               <a:rPr lang="zh-TW" altLang="en-US" smtClean="0"/>
               <a:pPr/>
-              <a:t>2019/11/9</a:t>
+              <a:t>2023/12/30</a:t>
             </a:fld>
             <a:endParaRPr lang="zh-TW" altLang="en-US"/>
           </a:p>
@@ -572,10 +576,9 @@
           <a:lstStyle/>
           <a:p>
             <a:r>
-              <a:rPr lang="zh-TW" altLang="en-US" smtClean="0"/>
+              <a:rPr lang="zh-TW" altLang="en-US"/>
               <a:t>按一下以編輯母片標題樣式</a:t>
             </a:r>
-            <a:endParaRPr lang="zh-TW" altLang="en-US"/>
           </a:p>
         </p:txBody>
       </p:sp>
@@ -601,38 +604,37 @@
           <a:p>
             <a:pPr lvl="0"/>
             <a:r>
-              <a:rPr lang="zh-TW" altLang="en-US" smtClean="0"/>
+              <a:rPr lang="zh-TW" altLang="en-US"/>
               <a:t>按一下以編輯母片文字樣式</a:t>
             </a:r>
           </a:p>
           <a:p>
             <a:pPr lvl="1"/>
             <a:r>
-              <a:rPr lang="zh-TW" altLang="en-US" smtClean="0"/>
+              <a:rPr lang="zh-TW" altLang="en-US"/>
               <a:t>第二層</a:t>
             </a:r>
           </a:p>
           <a:p>
             <a:pPr lvl="2"/>
             <a:r>
-              <a:rPr lang="zh-TW" altLang="en-US" smtClean="0"/>
+              <a:rPr lang="zh-TW" altLang="en-US"/>
               <a:t>第三層</a:t>
             </a:r>
           </a:p>
           <a:p>
             <a:pPr lvl="3"/>
             <a:r>
-              <a:rPr lang="zh-TW" altLang="en-US" smtClean="0"/>
+              <a:rPr lang="zh-TW" altLang="en-US"/>
               <a:t>第四層</a:t>
             </a:r>
           </a:p>
           <a:p>
             <a:pPr lvl="4"/>
             <a:r>
-              <a:rPr lang="zh-TW" altLang="en-US" smtClean="0"/>
+              <a:rPr lang="zh-TW" altLang="en-US"/>
               <a:t>第五層</a:t>
             </a:r>
-            <a:endParaRPr lang="zh-TW" altLang="en-US"/>
           </a:p>
         </p:txBody>
       </p:sp>
@@ -654,7 +656,7 @@
             <a:fld id="{10CD2638-3467-4EC0-AEE5-418F2C9B0F06}" type="datetimeFigureOut">
               <a:rPr lang="zh-TW" altLang="en-US" smtClean="0"/>
               <a:pPr/>
-              <a:t>2019/11/9</a:t>
+              <a:t>2023/12/30</a:t>
             </a:fld>
             <a:endParaRPr lang="zh-TW" altLang="en-US"/>
           </a:p>
@@ -744,10 +746,9 @@
           <a:lstStyle/>
           <a:p>
             <a:r>
-              <a:rPr lang="zh-TW" altLang="en-US" smtClean="0"/>
+              <a:rPr lang="zh-TW" altLang="en-US"/>
               <a:t>按一下以編輯母片標題樣式</a:t>
             </a:r>
-            <a:endParaRPr lang="zh-TW" altLang="en-US"/>
           </a:p>
         </p:txBody>
       </p:sp>
@@ -768,38 +769,37 @@
           <a:p>
             <a:pPr lvl="0"/>
             <a:r>
-              <a:rPr lang="zh-TW" altLang="en-US" smtClean="0"/>
+              <a:rPr lang="zh-TW" altLang="en-US"/>
               <a:t>按一下以編輯母片文字樣式</a:t>
             </a:r>
           </a:p>
           <a:p>
             <a:pPr lvl="1"/>
             <a:r>
-              <a:rPr lang="zh-TW" altLang="en-US" smtClean="0"/>
+              <a:rPr lang="zh-TW" altLang="en-US"/>
               <a:t>第二層</a:t>
             </a:r>
           </a:p>
           <a:p>
             <a:pPr lvl="2"/>
             <a:r>
-              <a:rPr lang="zh-TW" altLang="en-US" smtClean="0"/>
+              <a:rPr lang="zh-TW" altLang="en-US"/>
               <a:t>第三層</a:t>
             </a:r>
           </a:p>
           <a:p>
             <a:pPr lvl="3"/>
             <a:r>
-              <a:rPr lang="zh-TW" altLang="en-US" smtClean="0"/>
+              <a:rPr lang="zh-TW" altLang="en-US"/>
               <a:t>第四層</a:t>
             </a:r>
           </a:p>
           <a:p>
             <a:pPr lvl="4"/>
             <a:r>
-              <a:rPr lang="zh-TW" altLang="en-US" smtClean="0"/>
+              <a:rPr lang="zh-TW" altLang="en-US"/>
               <a:t>第五層</a:t>
             </a:r>
-            <a:endParaRPr lang="zh-TW" altLang="en-US"/>
           </a:p>
         </p:txBody>
       </p:sp>
@@ -821,7 +821,7 @@
             <a:fld id="{10CD2638-3467-4EC0-AEE5-418F2C9B0F06}" type="datetimeFigureOut">
               <a:rPr lang="zh-TW" altLang="en-US" smtClean="0"/>
               <a:pPr/>
-              <a:t>2019/11/9</a:t>
+              <a:t>2023/12/30</a:t>
             </a:fld>
             <a:endParaRPr lang="zh-TW" altLang="en-US"/>
           </a:p>
@@ -920,10 +920,9 @@
           </a:lstStyle>
           <a:p>
             <a:r>
-              <a:rPr lang="zh-TW" altLang="en-US" smtClean="0"/>
+              <a:rPr lang="zh-TW" altLang="en-US"/>
               <a:t>按一下以編輯母片標題樣式</a:t>
             </a:r>
-            <a:endParaRPr lang="zh-TW" altLang="en-US"/>
           </a:p>
         </p:txBody>
       </p:sp>
@@ -1040,7 +1039,7 @@
           <a:p>
             <a:pPr lvl="0"/>
             <a:r>
-              <a:rPr lang="zh-TW" altLang="en-US" smtClean="0"/>
+              <a:rPr lang="zh-TW" altLang="en-US"/>
               <a:t>按一下以編輯母片文字樣式</a:t>
             </a:r>
           </a:p>
@@ -1064,7 +1063,7 @@
             <a:fld id="{10CD2638-3467-4EC0-AEE5-418F2C9B0F06}" type="datetimeFigureOut">
               <a:rPr lang="zh-TW" altLang="en-US" smtClean="0"/>
               <a:pPr/>
-              <a:t>2019/11/9</a:t>
+              <a:t>2023/12/30</a:t>
             </a:fld>
             <a:endParaRPr lang="zh-TW" altLang="en-US"/>
           </a:p>
@@ -1154,10 +1153,9 @@
           <a:lstStyle/>
           <a:p>
             <a:r>
-              <a:rPr lang="zh-TW" altLang="en-US" smtClean="0"/>
+              <a:rPr lang="zh-TW" altLang="en-US"/>
               <a:t>按一下以編輯母片標題樣式</a:t>
             </a:r>
-            <a:endParaRPr lang="zh-TW" altLang="en-US"/>
           </a:p>
         </p:txBody>
       </p:sp>
@@ -1211,38 +1209,37 @@
           <a:p>
             <a:pPr lvl="0"/>
             <a:r>
-              <a:rPr lang="zh-TW" altLang="en-US" smtClean="0"/>
+              <a:rPr lang="zh-TW" altLang="en-US"/>
               <a:t>按一下以編輯母片文字樣式</a:t>
             </a:r>
           </a:p>
           <a:p>
             <a:pPr lvl="1"/>
             <a:r>
-              <a:rPr lang="zh-TW" altLang="en-US" smtClean="0"/>
+              <a:rPr lang="zh-TW" altLang="en-US"/>
               <a:t>第二層</a:t>
             </a:r>
           </a:p>
           <a:p>
             <a:pPr lvl="2"/>
             <a:r>
-              <a:rPr lang="zh-TW" altLang="en-US" smtClean="0"/>
+              <a:rPr lang="zh-TW" altLang="en-US"/>
               <a:t>第三層</a:t>
             </a:r>
           </a:p>
           <a:p>
             <a:pPr lvl="3"/>
             <a:r>
-              <a:rPr lang="zh-TW" altLang="en-US" smtClean="0"/>
+              <a:rPr lang="zh-TW" altLang="en-US"/>
               <a:t>第四層</a:t>
             </a:r>
           </a:p>
           <a:p>
             <a:pPr lvl="4"/>
             <a:r>
-              <a:rPr lang="zh-TW" altLang="en-US" smtClean="0"/>
+              <a:rPr lang="zh-TW" altLang="en-US"/>
               <a:t>第五層</a:t>
             </a:r>
-            <a:endParaRPr lang="zh-TW" altLang="en-US"/>
           </a:p>
         </p:txBody>
       </p:sp>
@@ -1296,38 +1293,37 @@
           <a:p>
             <a:pPr lvl="0"/>
             <a:r>
-              <a:rPr lang="zh-TW" altLang="en-US" smtClean="0"/>
+              <a:rPr lang="zh-TW" altLang="en-US"/>
               <a:t>按一下以編輯母片文字樣式</a:t>
             </a:r>
           </a:p>
           <a:p>
             <a:pPr lvl="1"/>
             <a:r>
-              <a:rPr lang="zh-TW" altLang="en-US" smtClean="0"/>
+              <a:rPr lang="zh-TW" altLang="en-US"/>
               <a:t>第二層</a:t>
             </a:r>
           </a:p>
           <a:p>
             <a:pPr lvl="2"/>
             <a:r>
-              <a:rPr lang="zh-TW" altLang="en-US" smtClean="0"/>
+              <a:rPr lang="zh-TW" altLang="en-US"/>
               <a:t>第三層</a:t>
             </a:r>
           </a:p>
           <a:p>
             <a:pPr lvl="3"/>
             <a:r>
-              <a:rPr lang="zh-TW" altLang="en-US" smtClean="0"/>
+              <a:rPr lang="zh-TW" altLang="en-US"/>
               <a:t>第四層</a:t>
             </a:r>
           </a:p>
           <a:p>
             <a:pPr lvl="4"/>
             <a:r>
-              <a:rPr lang="zh-TW" altLang="en-US" smtClean="0"/>
+              <a:rPr lang="zh-TW" altLang="en-US"/>
               <a:t>第五層</a:t>
             </a:r>
-            <a:endParaRPr lang="zh-TW" altLang="en-US"/>
           </a:p>
         </p:txBody>
       </p:sp>
@@ -1349,7 +1345,7 @@
             <a:fld id="{10CD2638-3467-4EC0-AEE5-418F2C9B0F06}" type="datetimeFigureOut">
               <a:rPr lang="zh-TW" altLang="en-US" smtClean="0"/>
               <a:pPr/>
-              <a:t>2019/11/9</a:t>
+              <a:t>2023/12/30</a:t>
             </a:fld>
             <a:endParaRPr lang="zh-TW" altLang="en-US"/>
           </a:p>
@@ -1443,10 +1439,9 @@
           </a:lstStyle>
           <a:p>
             <a:r>
-              <a:rPr lang="zh-TW" altLang="en-US" smtClean="0"/>
+              <a:rPr lang="zh-TW" altLang="en-US"/>
               <a:t>按一下以編輯母片標題樣式</a:t>
             </a:r>
-            <a:endParaRPr lang="zh-TW" altLang="en-US"/>
           </a:p>
         </p:txBody>
       </p:sp>
@@ -1509,7 +1504,7 @@
           <a:p>
             <a:pPr lvl="0"/>
             <a:r>
-              <a:rPr lang="zh-TW" altLang="en-US" smtClean="0"/>
+              <a:rPr lang="zh-TW" altLang="en-US"/>
               <a:t>按一下以編輯母片文字樣式</a:t>
             </a:r>
           </a:p>
@@ -1565,38 +1560,37 @@
           <a:p>
             <a:pPr lvl="0"/>
             <a:r>
-              <a:rPr lang="zh-TW" altLang="en-US" smtClean="0"/>
+              <a:rPr lang="zh-TW" altLang="en-US"/>
               <a:t>按一下以編輯母片文字樣式</a:t>
             </a:r>
           </a:p>
           <a:p>
             <a:pPr lvl="1"/>
             <a:r>
-              <a:rPr lang="zh-TW" altLang="en-US" smtClean="0"/>
+              <a:rPr lang="zh-TW" altLang="en-US"/>
               <a:t>第二層</a:t>
             </a:r>
           </a:p>
           <a:p>
             <a:pPr lvl="2"/>
             <a:r>
-              <a:rPr lang="zh-TW" altLang="en-US" smtClean="0"/>
+              <a:rPr lang="zh-TW" altLang="en-US"/>
               <a:t>第三層</a:t>
             </a:r>
           </a:p>
           <a:p>
             <a:pPr lvl="3"/>
             <a:r>
-              <a:rPr lang="zh-TW" altLang="en-US" smtClean="0"/>
+              <a:rPr lang="zh-TW" altLang="en-US"/>
               <a:t>第四層</a:t>
             </a:r>
           </a:p>
           <a:p>
             <a:pPr lvl="4"/>
             <a:r>
-              <a:rPr lang="zh-TW" altLang="en-US" smtClean="0"/>
+              <a:rPr lang="zh-TW" altLang="en-US"/>
               <a:t>第五層</a:t>
             </a:r>
-            <a:endParaRPr lang="zh-TW" altLang="en-US"/>
           </a:p>
         </p:txBody>
       </p:sp>
@@ -1659,7 +1653,7 @@
           <a:p>
             <a:pPr lvl="0"/>
             <a:r>
-              <a:rPr lang="zh-TW" altLang="en-US" smtClean="0"/>
+              <a:rPr lang="zh-TW" altLang="en-US"/>
               <a:t>按一下以編輯母片文字樣式</a:t>
             </a:r>
           </a:p>
@@ -1715,38 +1709,37 @@
           <a:p>
             <a:pPr lvl="0"/>
             <a:r>
-              <a:rPr lang="zh-TW" altLang="en-US" smtClean="0"/>
+              <a:rPr lang="zh-TW" altLang="en-US"/>
               <a:t>按一下以編輯母片文字樣式</a:t>
             </a:r>
           </a:p>
           <a:p>
             <a:pPr lvl="1"/>
             <a:r>
-              <a:rPr lang="zh-TW" altLang="en-US" smtClean="0"/>
+              <a:rPr lang="zh-TW" altLang="en-US"/>
               <a:t>第二層</a:t>
             </a:r>
           </a:p>
           <a:p>
             <a:pPr lvl="2"/>
             <a:r>
-              <a:rPr lang="zh-TW" altLang="en-US" smtClean="0"/>
+              <a:rPr lang="zh-TW" altLang="en-US"/>
               <a:t>第三層</a:t>
             </a:r>
           </a:p>
           <a:p>
             <a:pPr lvl="3"/>
             <a:r>
-              <a:rPr lang="zh-TW" altLang="en-US" smtClean="0"/>
+              <a:rPr lang="zh-TW" altLang="en-US"/>
               <a:t>第四層</a:t>
             </a:r>
           </a:p>
           <a:p>
             <a:pPr lvl="4"/>
             <a:r>
-              <a:rPr lang="zh-TW" altLang="en-US" smtClean="0"/>
+              <a:rPr lang="zh-TW" altLang="en-US"/>
               <a:t>第五層</a:t>
             </a:r>
-            <a:endParaRPr lang="zh-TW" altLang="en-US"/>
           </a:p>
         </p:txBody>
       </p:sp>
@@ -1768,7 +1761,7 @@
             <a:fld id="{10CD2638-3467-4EC0-AEE5-418F2C9B0F06}" type="datetimeFigureOut">
               <a:rPr lang="zh-TW" altLang="en-US" smtClean="0"/>
               <a:pPr/>
-              <a:t>2019/11/9</a:t>
+              <a:t>2023/12/30</a:t>
             </a:fld>
             <a:endParaRPr lang="zh-TW" altLang="en-US"/>
           </a:p>
@@ -1858,10 +1851,9 @@
           <a:lstStyle/>
           <a:p>
             <a:r>
-              <a:rPr lang="zh-TW" altLang="en-US" smtClean="0"/>
+              <a:rPr lang="zh-TW" altLang="en-US"/>
               <a:t>按一下以編輯母片標題樣式</a:t>
             </a:r>
-            <a:endParaRPr lang="zh-TW" altLang="en-US"/>
           </a:p>
         </p:txBody>
       </p:sp>
@@ -1883,7 +1875,7 @@
             <a:fld id="{10CD2638-3467-4EC0-AEE5-418F2C9B0F06}" type="datetimeFigureOut">
               <a:rPr lang="zh-TW" altLang="en-US" smtClean="0"/>
               <a:pPr/>
-              <a:t>2019/11/9</a:t>
+              <a:t>2023/12/30</a:t>
             </a:fld>
             <a:endParaRPr lang="zh-TW" altLang="en-US"/>
           </a:p>
@@ -1975,7 +1967,7 @@
             <a:fld id="{10CD2638-3467-4EC0-AEE5-418F2C9B0F06}" type="datetimeFigureOut">
               <a:rPr lang="zh-TW" altLang="en-US" smtClean="0"/>
               <a:pPr/>
-              <a:t>2019/11/9</a:t>
+              <a:t>2023/12/30</a:t>
             </a:fld>
             <a:endParaRPr lang="zh-TW" altLang="en-US"/>
           </a:p>
@@ -2074,10 +2066,9 @@
           </a:lstStyle>
           <a:p>
             <a:r>
-              <a:rPr lang="zh-TW" altLang="en-US" smtClean="0"/>
+              <a:rPr lang="zh-TW" altLang="en-US"/>
               <a:t>按一下以編輯母片標題樣式</a:t>
             </a:r>
-            <a:endParaRPr lang="zh-TW" altLang="en-US"/>
           </a:p>
         </p:txBody>
       </p:sp>
@@ -2131,38 +2122,37 @@
           <a:p>
             <a:pPr lvl="0"/>
             <a:r>
-              <a:rPr lang="zh-TW" altLang="en-US" smtClean="0"/>
+              <a:rPr lang="zh-TW" altLang="en-US"/>
               <a:t>按一下以編輯母片文字樣式</a:t>
             </a:r>
           </a:p>
           <a:p>
             <a:pPr lvl="1"/>
             <a:r>
-              <a:rPr lang="zh-TW" altLang="en-US" smtClean="0"/>
+              <a:rPr lang="zh-TW" altLang="en-US"/>
               <a:t>第二層</a:t>
             </a:r>
           </a:p>
           <a:p>
             <a:pPr lvl="2"/>
             <a:r>
-              <a:rPr lang="zh-TW" altLang="en-US" smtClean="0"/>
+              <a:rPr lang="zh-TW" altLang="en-US"/>
               <a:t>第三層</a:t>
             </a:r>
           </a:p>
           <a:p>
             <a:pPr lvl="3"/>
             <a:r>
-              <a:rPr lang="zh-TW" altLang="en-US" smtClean="0"/>
+              <a:rPr lang="zh-TW" altLang="en-US"/>
               <a:t>第四層</a:t>
             </a:r>
           </a:p>
           <a:p>
             <a:pPr lvl="4"/>
             <a:r>
-              <a:rPr lang="zh-TW" altLang="en-US" smtClean="0"/>
+              <a:rPr lang="zh-TW" altLang="en-US"/>
               <a:t>第五層</a:t>
             </a:r>
-            <a:endParaRPr lang="zh-TW" altLang="en-US"/>
           </a:p>
         </p:txBody>
       </p:sp>
@@ -2225,7 +2215,7 @@
           <a:p>
             <a:pPr lvl="0"/>
             <a:r>
-              <a:rPr lang="zh-TW" altLang="en-US" smtClean="0"/>
+              <a:rPr lang="zh-TW" altLang="en-US"/>
               <a:t>按一下以編輯母片文字樣式</a:t>
             </a:r>
           </a:p>
@@ -2249,7 +2239,7 @@
             <a:fld id="{10CD2638-3467-4EC0-AEE5-418F2C9B0F06}" type="datetimeFigureOut">
               <a:rPr lang="zh-TW" altLang="en-US" smtClean="0"/>
               <a:pPr/>
-              <a:t>2019/11/9</a:t>
+              <a:t>2023/12/30</a:t>
             </a:fld>
             <a:endParaRPr lang="zh-TW" altLang="en-US"/>
           </a:p>
@@ -2348,10 +2338,9 @@
           </a:lstStyle>
           <a:p>
             <a:r>
-              <a:rPr lang="zh-TW" altLang="en-US" smtClean="0"/>
+              <a:rPr lang="zh-TW" altLang="en-US"/>
               <a:t>按一下以編輯母片標題樣式</a:t>
             </a:r>
-            <a:endParaRPr lang="zh-TW" altLang="en-US"/>
           </a:p>
         </p:txBody>
       </p:sp>
@@ -2413,10 +2402,9 @@
           </a:lstStyle>
           <a:p>
             <a:r>
-              <a:rPr lang="zh-TW" altLang="en-US" smtClean="0"/>
+              <a:rPr lang="zh-TW" altLang="en-US"/>
               <a:t>按一下圖示以新增圖片</a:t>
             </a:r>
-            <a:endParaRPr lang="zh-TW" altLang="en-US"/>
           </a:p>
         </p:txBody>
       </p:sp>
@@ -2479,7 +2467,7 @@
           <a:p>
             <a:pPr lvl="0"/>
             <a:r>
-              <a:rPr lang="zh-TW" altLang="en-US" smtClean="0"/>
+              <a:rPr lang="zh-TW" altLang="en-US"/>
               <a:t>按一下以編輯母片文字樣式</a:t>
             </a:r>
           </a:p>
@@ -2503,7 +2491,7 @@
             <a:fld id="{10CD2638-3467-4EC0-AEE5-418F2C9B0F06}" type="datetimeFigureOut">
               <a:rPr lang="zh-TW" altLang="en-US" smtClean="0"/>
               <a:pPr/>
-              <a:t>2019/11/9</a:t>
+              <a:t>2023/12/30</a:t>
             </a:fld>
             <a:endParaRPr lang="zh-TW" altLang="en-US"/>
           </a:p>
@@ -2613,10 +2601,9 @@
           <a:lstStyle/>
           <a:p>
             <a:r>
-              <a:rPr lang="zh-TW" altLang="en-US" smtClean="0"/>
+              <a:rPr lang="zh-TW" altLang="en-US"/>
               <a:t>按一下以編輯母片標題樣式</a:t>
             </a:r>
-            <a:endParaRPr lang="zh-TW" altLang="en-US"/>
           </a:p>
         </p:txBody>
       </p:sp>
@@ -2647,38 +2634,37 @@
           <a:p>
             <a:pPr lvl="0"/>
             <a:r>
-              <a:rPr lang="zh-TW" altLang="en-US" smtClean="0"/>
+              <a:rPr lang="zh-TW" altLang="en-US"/>
               <a:t>按一下以編輯母片文字樣式</a:t>
             </a:r>
           </a:p>
           <a:p>
             <a:pPr lvl="1"/>
             <a:r>
-              <a:rPr lang="zh-TW" altLang="en-US" smtClean="0"/>
+              <a:rPr lang="zh-TW" altLang="en-US"/>
               <a:t>第二層</a:t>
             </a:r>
           </a:p>
           <a:p>
             <a:pPr lvl="2"/>
             <a:r>
-              <a:rPr lang="zh-TW" altLang="en-US" smtClean="0"/>
+              <a:rPr lang="zh-TW" altLang="en-US"/>
               <a:t>第三層</a:t>
             </a:r>
           </a:p>
           <a:p>
             <a:pPr lvl="3"/>
             <a:r>
-              <a:rPr lang="zh-TW" altLang="en-US" smtClean="0"/>
+              <a:rPr lang="zh-TW" altLang="en-US"/>
               <a:t>第四層</a:t>
             </a:r>
           </a:p>
           <a:p>
             <a:pPr lvl="4"/>
             <a:r>
-              <a:rPr lang="zh-TW" altLang="en-US" smtClean="0"/>
+              <a:rPr lang="zh-TW" altLang="en-US"/>
               <a:t>第五層</a:t>
             </a:r>
-            <a:endParaRPr lang="zh-TW" altLang="en-US"/>
           </a:p>
         </p:txBody>
       </p:sp>
@@ -2718,7 +2704,7 @@
             <a:fld id="{10CD2638-3467-4EC0-AEE5-418F2C9B0F06}" type="datetimeFigureOut">
               <a:rPr lang="zh-TW" altLang="en-US" smtClean="0"/>
               <a:pPr/>
-              <a:t>2019/11/9</a:t>
+              <a:t>2023/12/30</a:t>
             </a:fld>
             <a:endParaRPr lang="zh-TW" altLang="en-US"/>
           </a:p>
@@ -3099,16 +3085,30 @@
             <p:ph type="title"/>
           </p:nvPr>
         </p:nvSpPr>
-        <p:spPr/>
-        <p:txBody>
-          <a:bodyPr/>
-          <a:lstStyle/>
-          <a:p>
-            <a:r>
-              <a:rPr lang="zh-TW" altLang="en-US" b="1" dirty="0">
-                <a:solidFill>
-                  <a:srgbClr val="000066"/>
-                </a:solidFill>
+        <p:spPr>
+          <a:xfrm>
+            <a:off x="0" y="2660915"/>
+            <a:ext cx="12192000" cy="1143000"/>
+          </a:xfrm>
+        </p:spPr>
+        <p:txBody>
+          <a:bodyPr>
+            <a:noAutofit/>
+          </a:bodyPr>
+          <a:lstStyle/>
+          <a:p>
+            <a:r>
+              <a:rPr lang="zh-TW" altLang="en-US" sz="7200" b="1" i="1" dirty="0">
+                <a:solidFill>
+                  <a:srgbClr val="000066"/>
+                </a:solidFill>
+                <a:effectLst>
+                  <a:outerShdw blurRad="38100" dist="38100" dir="2700000" algn="tl">
+                    <a:srgbClr val="000000">
+                      <a:alpha val="43137"/>
+                    </a:srgbClr>
+                  </a:outerShdw>
+                </a:effectLst>
                 <a:latin typeface="微軟正黑體" pitchFamily="34" charset="-120"/>
                 <a:ea typeface="微軟正黑體" pitchFamily="34" charset="-120"/>
               </a:rPr>
@@ -3117,6 +3117,31 @@
           </a:p>
         </p:txBody>
       </p:sp>
+    </p:spTree>
+  </p:cSld>
+  <p:clrMapOvr>
+    <a:masterClrMapping/>
+  </p:clrMapOvr>
+</p:sld>
+</file>
+
+<file path=ppt/slides/slide10.xml><?xml version="1.0" encoding="utf-8"?>
+<p:sld xmlns:a="http://schemas.openxmlformats.org/drawingml/2006/main" xmlns:r="http://schemas.openxmlformats.org/officeDocument/2006/relationships" xmlns:p="http://schemas.openxmlformats.org/presentationml/2006/main">
+  <p:cSld>
+    <p:spTree>
+      <p:nvGrpSpPr>
+        <p:cNvPr id="1" name=""/>
+        <p:cNvGrpSpPr/>
+        <p:nvPr/>
+      </p:nvGrpSpPr>
+      <p:grpSpPr>
+        <a:xfrm>
+          <a:off x="0" y="0"/>
+          <a:ext cx="0" cy="0"/>
+          <a:chOff x="0" y="0"/>
+          <a:chExt cx="0" cy="0"/>
+        </a:xfrm>
+      </p:grpSpPr>
       <p:sp>
         <p:nvSpPr>
           <p:cNvPr id="5" name="內容版面配置區 4"/>
@@ -3127,9 +3152,14 @@
             <p:ph idx="1"/>
           </p:nvPr>
         </p:nvSpPr>
-        <p:spPr/>
-        <p:txBody>
-          <a:bodyPr>
+        <p:spPr>
+          <a:xfrm>
+            <a:off x="0" y="2084851"/>
+            <a:ext cx="12192000" cy="2404863"/>
+          </a:xfrm>
+        </p:spPr>
+        <p:txBody>
+          <a:bodyPr anchor="ctr">
             <a:normAutofit/>
           </a:bodyPr>
           <a:lstStyle/>
@@ -3138,26 +3168,16 @@
               <a:buNone/>
             </a:pPr>
             <a:r>
-              <a:rPr lang="zh-TW" altLang="en-US" sz="5400" b="1" dirty="0">
+              <a:rPr lang="zh-TW" altLang="en-US" sz="6400" b="1" dirty="0">
                 <a:solidFill>
                   <a:srgbClr val="000066"/>
                 </a:solidFill>
                 <a:latin typeface="微軟正黑體" pitchFamily="34" charset="-120"/>
                 <a:ea typeface="微軟正黑體" pitchFamily="34" charset="-120"/>
               </a:rPr>
-              <a:t>這天同聚於主</a:t>
-            </a:r>
-            <a:r>
-              <a:rPr lang="zh-TW" altLang="en-US" sz="5400" b="1" dirty="0">
-                <a:solidFill>
-                  <a:srgbClr val="000066"/>
-                </a:solidFill>
-                <a:latin typeface="微軟正黑體" pitchFamily="34" charset="-120"/>
-                <a:ea typeface="微軟正黑體" pitchFamily="34" charset="-120"/>
-              </a:rPr>
-              <a:t>聖殿</a:t>
-            </a:r>
-            <a:endParaRPr lang="en-US" altLang="zh-TW" sz="5400" b="1" dirty="0">
+              <a:t>深信這日勞苦不徒然</a:t>
+            </a:r>
+            <a:endParaRPr lang="en-US" altLang="zh-TW" sz="6400" b="1" dirty="0">
               <a:solidFill>
                 <a:srgbClr val="000066"/>
               </a:solidFill>
@@ -3170,36 +3190,156 @@
               <a:buNone/>
             </a:pPr>
             <a:r>
-              <a:rPr lang="zh-TW" altLang="en-US" sz="5400" b="1" dirty="0">
+              <a:rPr lang="zh-TW" altLang="en-US" sz="6400" b="1" dirty="0">
                 <a:solidFill>
                   <a:srgbClr val="000066"/>
                 </a:solidFill>
                 <a:latin typeface="微軟正黑體" pitchFamily="34" charset="-120"/>
                 <a:ea typeface="微軟正黑體" pitchFamily="34" charset="-120"/>
               </a:rPr>
-              <a:t>來</a:t>
-            </a:r>
-            <a:r>
-              <a:rPr lang="zh-TW" altLang="en-US" sz="5400" b="1" dirty="0">
+              <a:t>神終會賜我榮美冠冕</a:t>
+            </a:r>
+          </a:p>
+        </p:txBody>
+      </p:sp>
+      <p:sp>
+        <p:nvSpPr>
+          <p:cNvPr id="3" name="TextBox 2"/>
+          <p:cNvSpPr txBox="1"/>
+          <p:nvPr/>
+        </p:nvSpPr>
+        <p:spPr>
+          <a:xfrm>
+            <a:off x="0" y="5157193"/>
+            <a:ext cx="12192000" cy="584775"/>
+          </a:xfrm>
+          <a:prstGeom prst="rect">
+            <a:avLst/>
+          </a:prstGeom>
+          <a:noFill/>
+        </p:spPr>
+        <p:txBody>
+          <a:bodyPr wrap="square" rtlCol="0">
+            <a:spAutoFit/>
+          </a:bodyPr>
+          <a:lstStyle/>
+          <a:p>
+            <a:pPr algn="ctr"/>
+            <a:r>
+              <a:rPr lang="en-US" sz="3200" b="1" dirty="0">
+                <a:solidFill>
+                  <a:srgbClr val="000066"/>
+                </a:solidFill>
+                <a:latin typeface="Microsoft JhengHei" panose="020B0604030504040204" pitchFamily="34" charset="-120"/>
+                <a:ea typeface="Microsoft JhengHei" panose="020B0604030504040204" pitchFamily="34" charset="-120"/>
+              </a:rPr>
+              <a:t>( </a:t>
+            </a:r>
+            <a:r>
+              <a:rPr lang="zh-CN" altLang="en-US" sz="3200" b="1" dirty="0">
+                <a:solidFill>
+                  <a:srgbClr val="000066"/>
+                </a:solidFill>
+                <a:latin typeface="Microsoft JhengHei" panose="020B0604030504040204" pitchFamily="34" charset="-120"/>
+                <a:ea typeface="Microsoft JhengHei" panose="020B0604030504040204" pitchFamily="34" charset="-120"/>
+              </a:rPr>
+              <a:t>正歌 </a:t>
+            </a:r>
+            <a:r>
+              <a:rPr lang="en-US" altLang="zh-CN" sz="3200" b="1" dirty="0">
+                <a:solidFill>
+                  <a:srgbClr val="000066"/>
+                </a:solidFill>
+                <a:latin typeface="Microsoft JhengHei" panose="020B0604030504040204" pitchFamily="34" charset="-120"/>
+                <a:ea typeface="Microsoft JhengHei" panose="020B0604030504040204" pitchFamily="34" charset="-120"/>
+              </a:rPr>
+              <a:t>3</a:t>
+            </a:r>
+            <a:r>
+              <a:rPr lang="en-US" sz="3200" b="1" dirty="0">
+                <a:solidFill>
+                  <a:srgbClr val="000066"/>
+                </a:solidFill>
+                <a:latin typeface="Microsoft JhengHei" panose="020B0604030504040204" pitchFamily="34" charset="-120"/>
+                <a:ea typeface="Microsoft JhengHei" panose="020B0604030504040204" pitchFamily="34" charset="-120"/>
+              </a:rPr>
+              <a:t> )</a:t>
+            </a:r>
+            <a:endParaRPr lang="vi-VN" sz="3200" b="1" dirty="0">
+              <a:solidFill>
+                <a:srgbClr val="000066"/>
+              </a:solidFill>
+              <a:ea typeface="Microsoft JhengHei" panose="020B0604030504040204" pitchFamily="34" charset="-120"/>
+            </a:endParaRPr>
+          </a:p>
+        </p:txBody>
+      </p:sp>
+    </p:spTree>
+    <p:extLst>
+      <p:ext uri="{BB962C8B-B14F-4D97-AF65-F5344CB8AC3E}">
+        <p14:creationId xmlns:p14="http://schemas.microsoft.com/office/powerpoint/2010/main" val="2382432186"/>
+      </p:ext>
+    </p:extLst>
+  </p:cSld>
+  <p:clrMapOvr>
+    <a:masterClrMapping/>
+  </p:clrMapOvr>
+</p:sld>
+</file>
+
+<file path=ppt/slides/slide11.xml><?xml version="1.0" encoding="utf-8"?>
+<p:sld xmlns:a="http://schemas.openxmlformats.org/drawingml/2006/main" xmlns:r="http://schemas.openxmlformats.org/officeDocument/2006/relationships" xmlns:p="http://schemas.openxmlformats.org/presentationml/2006/main">
+  <p:cSld>
+    <p:spTree>
+      <p:nvGrpSpPr>
+        <p:cNvPr id="1" name=""/>
+        <p:cNvGrpSpPr/>
+        <p:nvPr/>
+      </p:nvGrpSpPr>
+      <p:grpSpPr>
+        <a:xfrm>
+          <a:off x="0" y="0"/>
+          <a:ext cx="0" cy="0"/>
+          <a:chOff x="0" y="0"/>
+          <a:chExt cx="0" cy="0"/>
+        </a:xfrm>
+      </p:grpSpPr>
+      <p:sp>
+        <p:nvSpPr>
+          <p:cNvPr id="5" name="內容版面配置區 4"/>
+          <p:cNvSpPr>
+            <a:spLocks noGrp="1"/>
+          </p:cNvSpPr>
+          <p:nvPr>
+            <p:ph idx="1"/>
+          </p:nvPr>
+        </p:nvSpPr>
+        <p:spPr>
+          <a:xfrm>
+            <a:off x="0" y="2084851"/>
+            <a:ext cx="12192000" cy="2404863"/>
+          </a:xfrm>
+        </p:spPr>
+        <p:txBody>
+          <a:bodyPr anchor="ctr">
+            <a:normAutofit/>
+          </a:bodyPr>
+          <a:lstStyle/>
+          <a:p>
+            <a:pPr algn="ctr">
+              <a:buNone/>
+            </a:pPr>
+            <a:r>
+              <a:rPr lang="zh-TW" altLang="en-US" sz="6400" b="1" dirty="0">
                 <a:solidFill>
                   <a:srgbClr val="000066"/>
                 </a:solidFill>
                 <a:latin typeface="微軟正黑體" pitchFamily="34" charset="-120"/>
                 <a:ea typeface="微軟正黑體" pitchFamily="34" charset="-120"/>
               </a:rPr>
-              <a:t>數算我主</a:t>
-            </a:r>
-            <a:r>
-              <a:rPr lang="zh-TW" altLang="en-US" sz="5400" b="1" dirty="0">
-                <a:solidFill>
-                  <a:srgbClr val="000066"/>
-                </a:solidFill>
-                <a:latin typeface="微軟正黑體" pitchFamily="34" charset="-120"/>
-                <a:ea typeface="微軟正黑體" pitchFamily="34" charset="-120"/>
-              </a:rPr>
-              <a:t>恩典</a:t>
-            </a:r>
-            <a:endParaRPr lang="en-US" altLang="zh-TW" sz="5400" b="1" dirty="0">
+              <a:t>衷心去讚頌</a:t>
+            </a:r>
+            <a:endParaRPr lang="en-US" altLang="zh-TW" sz="6400" b="1" dirty="0">
               <a:solidFill>
                 <a:srgbClr val="000066"/>
               </a:solidFill>
@@ -3212,36 +3352,16 @@
               <a:buNone/>
             </a:pPr>
             <a:r>
-              <a:rPr lang="zh-TW" altLang="en-US" sz="5400" b="1" dirty="0">
+              <a:rPr lang="zh-TW" altLang="en-US" sz="6400" b="1" dirty="0">
                 <a:solidFill>
                   <a:srgbClr val="000066"/>
                 </a:solidFill>
                 <a:latin typeface="微軟正黑體" pitchFamily="34" charset="-120"/>
                 <a:ea typeface="微軟正黑體" pitchFamily="34" charset="-120"/>
               </a:rPr>
-              <a:t>祂</a:t>
-            </a:r>
-            <a:r>
-              <a:rPr lang="zh-TW" altLang="en-US" sz="5400" b="1" dirty="0">
-                <a:solidFill>
-                  <a:srgbClr val="000066"/>
-                </a:solidFill>
-                <a:latin typeface="微軟正黑體" pitchFamily="34" charset="-120"/>
-                <a:ea typeface="微軟正黑體" pitchFamily="34" charset="-120"/>
-              </a:rPr>
-              <a:t>以性命來使我</a:t>
-            </a:r>
-            <a:r>
-              <a:rPr lang="zh-TW" altLang="en-US" sz="5400" b="1" dirty="0">
-                <a:solidFill>
-                  <a:srgbClr val="000066"/>
-                </a:solidFill>
-                <a:latin typeface="微軟正黑體" pitchFamily="34" charset="-120"/>
-                <a:ea typeface="微軟正黑體" pitchFamily="34" charset="-120"/>
-              </a:rPr>
-              <a:t>完全</a:t>
-            </a:r>
-            <a:endParaRPr lang="en-US" altLang="zh-TW" sz="5400" b="1" dirty="0">
+              <a:t>神極重的恩惠</a:t>
+            </a:r>
+            <a:endParaRPr lang="en-US" altLang="zh-TW" sz="6400" b="1" dirty="0">
               <a:solidFill>
                 <a:srgbClr val="000066"/>
               </a:solidFill>
@@ -3249,34 +3369,589 @@
               <a:ea typeface="微軟正黑體" pitchFamily="34" charset="-120"/>
             </a:endParaRPr>
           </a:p>
+        </p:txBody>
+      </p:sp>
+      <p:sp>
+        <p:nvSpPr>
+          <p:cNvPr id="3" name="TextBox 2"/>
+          <p:cNvSpPr txBox="1"/>
+          <p:nvPr/>
+        </p:nvSpPr>
+        <p:spPr>
+          <a:xfrm>
+            <a:off x="0" y="5157193"/>
+            <a:ext cx="12192000" cy="584775"/>
+          </a:xfrm>
+          <a:prstGeom prst="rect">
+            <a:avLst/>
+          </a:prstGeom>
+          <a:noFill/>
+        </p:spPr>
+        <p:txBody>
+          <a:bodyPr wrap="square" rtlCol="0">
+            <a:spAutoFit/>
+          </a:bodyPr>
+          <a:lstStyle/>
+          <a:p>
+            <a:pPr algn="ctr"/>
+            <a:r>
+              <a:rPr lang="en-US" sz="3200" b="1" dirty="0">
+                <a:solidFill>
+                  <a:srgbClr val="000066"/>
+                </a:solidFill>
+                <a:latin typeface="Microsoft JhengHei" panose="020B0604030504040204" pitchFamily="34" charset="-120"/>
+                <a:ea typeface="Microsoft JhengHei" panose="020B0604030504040204" pitchFamily="34" charset="-120"/>
+              </a:rPr>
+              <a:t>( </a:t>
+            </a:r>
+            <a:r>
+              <a:rPr lang="zh-CN" altLang="en-US" sz="3200" b="1" dirty="0">
+                <a:solidFill>
+                  <a:srgbClr val="000066"/>
+                </a:solidFill>
+                <a:latin typeface="Microsoft JhengHei" panose="020B0604030504040204" pitchFamily="34" charset="-120"/>
+                <a:ea typeface="Microsoft JhengHei" panose="020B0604030504040204" pitchFamily="34" charset="-120"/>
+              </a:rPr>
+              <a:t>副歌 </a:t>
+            </a:r>
+            <a:r>
+              <a:rPr lang="en-US" altLang="zh-CN" sz="3200" b="1" dirty="0">
+                <a:solidFill>
+                  <a:srgbClr val="000066"/>
+                </a:solidFill>
+                <a:latin typeface="Microsoft JhengHei" panose="020B0604030504040204" pitchFamily="34" charset="-120"/>
+                <a:ea typeface="Microsoft JhengHei" panose="020B0604030504040204" pitchFamily="34" charset="-120"/>
+              </a:rPr>
+              <a:t>2</a:t>
+            </a:r>
+            <a:r>
+              <a:rPr lang="en-US" sz="3200" b="1" dirty="0">
+                <a:solidFill>
+                  <a:srgbClr val="000066"/>
+                </a:solidFill>
+                <a:latin typeface="Microsoft JhengHei" panose="020B0604030504040204" pitchFamily="34" charset="-120"/>
+                <a:ea typeface="Microsoft JhengHei" panose="020B0604030504040204" pitchFamily="34" charset="-120"/>
+              </a:rPr>
+              <a:t> )</a:t>
+            </a:r>
+            <a:endParaRPr lang="vi-VN" sz="3200" b="1" dirty="0">
+              <a:solidFill>
+                <a:srgbClr val="000066"/>
+              </a:solidFill>
+              <a:ea typeface="Microsoft JhengHei" panose="020B0604030504040204" pitchFamily="34" charset="-120"/>
+            </a:endParaRPr>
+          </a:p>
+        </p:txBody>
+      </p:sp>
+    </p:spTree>
+    <p:extLst>
+      <p:ext uri="{BB962C8B-B14F-4D97-AF65-F5344CB8AC3E}">
+        <p14:creationId xmlns:p14="http://schemas.microsoft.com/office/powerpoint/2010/main" val="2914524899"/>
+      </p:ext>
+    </p:extLst>
+  </p:cSld>
+  <p:clrMapOvr>
+    <a:masterClrMapping/>
+  </p:clrMapOvr>
+</p:sld>
+</file>
+
+<file path=ppt/slides/slide12.xml><?xml version="1.0" encoding="utf-8"?>
+<p:sld xmlns:a="http://schemas.openxmlformats.org/drawingml/2006/main" xmlns:r="http://schemas.openxmlformats.org/officeDocument/2006/relationships" xmlns:p="http://schemas.openxmlformats.org/presentationml/2006/main">
+  <p:cSld>
+    <p:spTree>
+      <p:nvGrpSpPr>
+        <p:cNvPr id="1" name=""/>
+        <p:cNvGrpSpPr/>
+        <p:nvPr/>
+      </p:nvGrpSpPr>
+      <p:grpSpPr>
+        <a:xfrm>
+          <a:off x="0" y="0"/>
+          <a:ext cx="0" cy="0"/>
+          <a:chOff x="0" y="0"/>
+          <a:chExt cx="0" cy="0"/>
+        </a:xfrm>
+      </p:grpSpPr>
+      <p:sp>
+        <p:nvSpPr>
+          <p:cNvPr id="5" name="內容版面配置區 4"/>
+          <p:cNvSpPr>
+            <a:spLocks noGrp="1"/>
+          </p:cNvSpPr>
+          <p:nvPr>
+            <p:ph idx="1"/>
+          </p:nvPr>
+        </p:nvSpPr>
+        <p:spPr>
+          <a:xfrm>
+            <a:off x="0" y="2084851"/>
+            <a:ext cx="12192000" cy="2404863"/>
+          </a:xfrm>
+        </p:spPr>
+        <p:txBody>
+          <a:bodyPr anchor="ctr">
+            <a:normAutofit/>
+          </a:bodyPr>
+          <a:lstStyle/>
           <a:p>
             <a:pPr algn="ctr">
               <a:buNone/>
             </a:pPr>
             <a:r>
-              <a:rPr lang="zh-TW" altLang="en-US" sz="5400" b="1" dirty="0">
+              <a:rPr lang="zh-TW" altLang="en-US" sz="6400" b="1" dirty="0">
                 <a:solidFill>
                   <a:srgbClr val="000066"/>
                 </a:solidFill>
                 <a:latin typeface="微軟正黑體" pitchFamily="34" charset="-120"/>
                 <a:ea typeface="微軟正黑體" pitchFamily="34" charset="-120"/>
               </a:rPr>
-              <a:t>來</a:t>
-            </a:r>
-            <a:r>
-              <a:rPr lang="zh-TW" altLang="en-US" sz="5400" b="1" dirty="0">
+              <a:t>獻我一生傳揚福音</a:t>
+            </a:r>
+            <a:endParaRPr lang="en-US" altLang="zh-TW" sz="6400" b="1" dirty="0">
+              <a:solidFill>
+                <a:srgbClr val="000066"/>
+              </a:solidFill>
+              <a:latin typeface="微軟正黑體" pitchFamily="34" charset="-120"/>
+              <a:ea typeface="微軟正黑體" pitchFamily="34" charset="-120"/>
+            </a:endParaRPr>
+          </a:p>
+          <a:p>
+            <a:pPr algn="ctr">
+              <a:buNone/>
+            </a:pPr>
+            <a:r>
+              <a:rPr lang="zh-TW" altLang="en-US" sz="6400" b="1" dirty="0">
                 <a:solidFill>
                   <a:srgbClr val="000066"/>
                 </a:solidFill>
                 <a:latin typeface="微軟正黑體" pitchFamily="34" charset="-120"/>
                 <a:ea typeface="微軟正黑體" pitchFamily="34" charset="-120"/>
               </a:rPr>
-              <a:t>使我兩眼重見光線</a:t>
-            </a:r>
+              <a:t>來證實主愛何寶貴</a:t>
+            </a:r>
+            <a:endParaRPr lang="en-US" altLang="zh-TW" sz="6400" b="1" dirty="0">
+              <a:solidFill>
+                <a:srgbClr val="000066"/>
+              </a:solidFill>
+              <a:latin typeface="微軟正黑體" pitchFamily="34" charset="-120"/>
+              <a:ea typeface="微軟正黑體" pitchFamily="34" charset="-120"/>
+            </a:endParaRPr>
+          </a:p>
+        </p:txBody>
+      </p:sp>
+      <p:sp>
+        <p:nvSpPr>
+          <p:cNvPr id="3" name="TextBox 2"/>
+          <p:cNvSpPr txBox="1"/>
+          <p:nvPr/>
+        </p:nvSpPr>
+        <p:spPr>
+          <a:xfrm>
+            <a:off x="0" y="5157193"/>
+            <a:ext cx="12192000" cy="584775"/>
+          </a:xfrm>
+          <a:prstGeom prst="rect">
+            <a:avLst/>
+          </a:prstGeom>
+          <a:noFill/>
+        </p:spPr>
+        <p:txBody>
+          <a:bodyPr wrap="square" rtlCol="0">
+            <a:spAutoFit/>
+          </a:bodyPr>
+          <a:lstStyle/>
+          <a:p>
+            <a:pPr algn="ctr"/>
+            <a:r>
+              <a:rPr lang="en-US" sz="3200" b="1" dirty="0">
+                <a:solidFill>
+                  <a:srgbClr val="000066"/>
+                </a:solidFill>
+                <a:latin typeface="Microsoft JhengHei" panose="020B0604030504040204" pitchFamily="34" charset="-120"/>
+                <a:ea typeface="Microsoft JhengHei" panose="020B0604030504040204" pitchFamily="34" charset="-120"/>
+              </a:rPr>
+              <a:t>( </a:t>
+            </a:r>
+            <a:r>
+              <a:rPr lang="zh-CN" altLang="en-US" sz="3200" b="1" dirty="0">
+                <a:solidFill>
+                  <a:srgbClr val="000066"/>
+                </a:solidFill>
+                <a:latin typeface="Microsoft JhengHei" panose="020B0604030504040204" pitchFamily="34" charset="-120"/>
+                <a:ea typeface="Microsoft JhengHei" panose="020B0604030504040204" pitchFamily="34" charset="-120"/>
+              </a:rPr>
+              <a:t>副歌 </a:t>
+            </a:r>
+            <a:r>
+              <a:rPr lang="en-US" altLang="zh-CN" sz="3200" b="1" dirty="0">
+                <a:solidFill>
+                  <a:srgbClr val="000066"/>
+                </a:solidFill>
+                <a:latin typeface="Microsoft JhengHei" panose="020B0604030504040204" pitchFamily="34" charset="-120"/>
+                <a:ea typeface="Microsoft JhengHei" panose="020B0604030504040204" pitchFamily="34" charset="-120"/>
+              </a:rPr>
+              <a:t>2</a:t>
+            </a:r>
+            <a:r>
+              <a:rPr lang="en-US" sz="3200" b="1" dirty="0">
+                <a:solidFill>
+                  <a:srgbClr val="000066"/>
+                </a:solidFill>
+                <a:latin typeface="Microsoft JhengHei" panose="020B0604030504040204" pitchFamily="34" charset="-120"/>
+                <a:ea typeface="Microsoft JhengHei" panose="020B0604030504040204" pitchFamily="34" charset="-120"/>
+              </a:rPr>
+              <a:t> )</a:t>
+            </a:r>
+            <a:endParaRPr lang="vi-VN" sz="3200" b="1" dirty="0">
+              <a:solidFill>
+                <a:srgbClr val="000066"/>
+              </a:solidFill>
+              <a:ea typeface="Microsoft JhengHei" panose="020B0604030504040204" pitchFamily="34" charset="-120"/>
+            </a:endParaRPr>
           </a:p>
         </p:txBody>
       </p:sp>
     </p:spTree>
+    <p:extLst>
+      <p:ext uri="{BB962C8B-B14F-4D97-AF65-F5344CB8AC3E}">
+        <p14:creationId xmlns:p14="http://schemas.microsoft.com/office/powerpoint/2010/main" val="1763098623"/>
+      </p:ext>
+    </p:extLst>
+  </p:cSld>
+  <p:clrMapOvr>
+    <a:masterClrMapping/>
+  </p:clrMapOvr>
+</p:sld>
+</file>
+
+<file path=ppt/slides/slide13.xml><?xml version="1.0" encoding="utf-8"?>
+<p:sld xmlns:a="http://schemas.openxmlformats.org/drawingml/2006/main" xmlns:r="http://schemas.openxmlformats.org/officeDocument/2006/relationships" xmlns:p="http://schemas.openxmlformats.org/presentationml/2006/main">
+  <p:cSld>
+    <p:spTree>
+      <p:nvGrpSpPr>
+        <p:cNvPr id="1" name=""/>
+        <p:cNvGrpSpPr/>
+        <p:nvPr/>
+      </p:nvGrpSpPr>
+      <p:grpSpPr>
+        <a:xfrm>
+          <a:off x="0" y="0"/>
+          <a:ext cx="0" cy="0"/>
+          <a:chOff x="0" y="0"/>
+          <a:chExt cx="0" cy="0"/>
+        </a:xfrm>
+      </p:grpSpPr>
+      <p:sp>
+        <p:nvSpPr>
+          <p:cNvPr id="5" name="內容版面配置區 4"/>
+          <p:cNvSpPr>
+            <a:spLocks noGrp="1"/>
+          </p:cNvSpPr>
+          <p:nvPr>
+            <p:ph idx="1"/>
+          </p:nvPr>
+        </p:nvSpPr>
+        <p:spPr>
+          <a:xfrm>
+            <a:off x="0" y="2084851"/>
+            <a:ext cx="12192000" cy="2404863"/>
+          </a:xfrm>
+        </p:spPr>
+        <p:txBody>
+          <a:bodyPr anchor="ctr">
+            <a:normAutofit/>
+          </a:bodyPr>
+          <a:lstStyle/>
+          <a:p>
+            <a:pPr algn="ctr">
+              <a:buNone/>
+            </a:pPr>
+            <a:r>
+              <a:rPr lang="zh-TW" altLang="en-US" sz="6400" b="1" dirty="0">
+                <a:solidFill>
+                  <a:srgbClr val="000066"/>
+                </a:solidFill>
+                <a:latin typeface="微軟正黑體" pitchFamily="34" charset="-120"/>
+                <a:ea typeface="微軟正黑體" pitchFamily="34" charset="-120"/>
+              </a:rPr>
+              <a:t>請觀看稻田  主的莊稼在面前</a:t>
+            </a:r>
+            <a:endParaRPr lang="en-US" altLang="zh-TW" sz="6400" b="1" dirty="0">
+              <a:solidFill>
+                <a:srgbClr val="000066"/>
+              </a:solidFill>
+              <a:latin typeface="微軟正黑體" pitchFamily="34" charset="-120"/>
+              <a:ea typeface="微軟正黑體" pitchFamily="34" charset="-120"/>
+            </a:endParaRPr>
+          </a:p>
+          <a:p>
+            <a:pPr algn="ctr">
+              <a:buNone/>
+            </a:pPr>
+            <a:r>
+              <a:rPr lang="zh-TW" altLang="en-US" sz="6400" b="1" dirty="0">
+                <a:solidFill>
+                  <a:srgbClr val="000066"/>
+                </a:solidFill>
+                <a:latin typeface="微軟正黑體" pitchFamily="34" charset="-120"/>
+                <a:ea typeface="微軟正黑體" pitchFamily="34" charset="-120"/>
+              </a:rPr>
+              <a:t>遼闊收成沒法估計</a:t>
+            </a:r>
+          </a:p>
+        </p:txBody>
+      </p:sp>
+      <p:sp>
+        <p:nvSpPr>
+          <p:cNvPr id="3" name="TextBox 2"/>
+          <p:cNvSpPr txBox="1"/>
+          <p:nvPr/>
+        </p:nvSpPr>
+        <p:spPr>
+          <a:xfrm>
+            <a:off x="0" y="5157193"/>
+            <a:ext cx="12192000" cy="584775"/>
+          </a:xfrm>
+          <a:prstGeom prst="rect">
+            <a:avLst/>
+          </a:prstGeom>
+          <a:noFill/>
+        </p:spPr>
+        <p:txBody>
+          <a:bodyPr wrap="square" rtlCol="0">
+            <a:spAutoFit/>
+          </a:bodyPr>
+          <a:lstStyle/>
+          <a:p>
+            <a:pPr algn="ctr"/>
+            <a:r>
+              <a:rPr lang="en-US" sz="3200" b="1" dirty="0">
+                <a:solidFill>
+                  <a:srgbClr val="000066"/>
+                </a:solidFill>
+                <a:latin typeface="Microsoft JhengHei" panose="020B0604030504040204" pitchFamily="34" charset="-120"/>
+                <a:ea typeface="Microsoft JhengHei" panose="020B0604030504040204" pitchFamily="34" charset="-120"/>
+              </a:rPr>
+              <a:t>( </a:t>
+            </a:r>
+            <a:r>
+              <a:rPr lang="zh-CN" altLang="en-US" sz="3200" b="1" dirty="0">
+                <a:solidFill>
+                  <a:srgbClr val="000066"/>
+                </a:solidFill>
+                <a:latin typeface="Microsoft JhengHei" panose="020B0604030504040204" pitchFamily="34" charset="-120"/>
+                <a:ea typeface="Microsoft JhengHei" panose="020B0604030504040204" pitchFamily="34" charset="-120"/>
+              </a:rPr>
+              <a:t>副歌 </a:t>
+            </a:r>
+            <a:r>
+              <a:rPr lang="en-US" altLang="zh-CN" sz="3200" b="1" dirty="0">
+                <a:solidFill>
+                  <a:srgbClr val="000066"/>
+                </a:solidFill>
+                <a:latin typeface="Microsoft JhengHei" panose="020B0604030504040204" pitchFamily="34" charset="-120"/>
+                <a:ea typeface="Microsoft JhengHei" panose="020B0604030504040204" pitchFamily="34" charset="-120"/>
+              </a:rPr>
+              <a:t>2</a:t>
+            </a:r>
+            <a:r>
+              <a:rPr lang="en-US" sz="3200" b="1" dirty="0">
+                <a:solidFill>
+                  <a:srgbClr val="000066"/>
+                </a:solidFill>
+                <a:latin typeface="Microsoft JhengHei" panose="020B0604030504040204" pitchFamily="34" charset="-120"/>
+                <a:ea typeface="Microsoft JhengHei" panose="020B0604030504040204" pitchFamily="34" charset="-120"/>
+              </a:rPr>
+              <a:t> )</a:t>
+            </a:r>
+            <a:endParaRPr lang="vi-VN" sz="3200" b="1" dirty="0">
+              <a:solidFill>
+                <a:srgbClr val="000066"/>
+              </a:solidFill>
+              <a:ea typeface="Microsoft JhengHei" panose="020B0604030504040204" pitchFamily="34" charset="-120"/>
+            </a:endParaRPr>
+          </a:p>
+        </p:txBody>
+      </p:sp>
+    </p:spTree>
+    <p:extLst>
+      <p:ext uri="{BB962C8B-B14F-4D97-AF65-F5344CB8AC3E}">
+        <p14:creationId xmlns:p14="http://schemas.microsoft.com/office/powerpoint/2010/main" val="3377509871"/>
+      </p:ext>
+    </p:extLst>
+  </p:cSld>
+  <p:clrMapOvr>
+    <a:masterClrMapping/>
+  </p:clrMapOvr>
+</p:sld>
+</file>
+
+<file path=ppt/slides/slide14.xml><?xml version="1.0" encoding="utf-8"?>
+<p:sld xmlns:a="http://schemas.openxmlformats.org/drawingml/2006/main" xmlns:r="http://schemas.openxmlformats.org/officeDocument/2006/relationships" xmlns:p="http://schemas.openxmlformats.org/presentationml/2006/main">
+  <p:cSld>
+    <p:spTree>
+      <p:nvGrpSpPr>
+        <p:cNvPr id="1" name=""/>
+        <p:cNvGrpSpPr/>
+        <p:nvPr/>
+      </p:nvGrpSpPr>
+      <p:grpSpPr>
+        <a:xfrm>
+          <a:off x="0" y="0"/>
+          <a:ext cx="0" cy="0"/>
+          <a:chOff x="0" y="0"/>
+          <a:chExt cx="0" cy="0"/>
+        </a:xfrm>
+      </p:grpSpPr>
+      <p:sp>
+        <p:nvSpPr>
+          <p:cNvPr id="5" name="內容版面配置區 4"/>
+          <p:cNvSpPr>
+            <a:spLocks noGrp="1"/>
+          </p:cNvSpPr>
+          <p:nvPr>
+            <p:ph idx="1"/>
+          </p:nvPr>
+        </p:nvSpPr>
+        <p:spPr>
+          <a:xfrm>
+            <a:off x="0" y="2084851"/>
+            <a:ext cx="12192000" cy="2404863"/>
+          </a:xfrm>
+        </p:spPr>
+        <p:txBody>
+          <a:bodyPr anchor="ctr">
+            <a:normAutofit/>
+          </a:bodyPr>
+          <a:lstStyle/>
+          <a:p>
+            <a:pPr algn="ctr">
+              <a:buNone/>
+            </a:pPr>
+            <a:r>
+              <a:rPr lang="zh-TW" altLang="en-US" sz="6400" b="1" dirty="0">
+                <a:solidFill>
+                  <a:srgbClr val="000066"/>
+                </a:solidFill>
+                <a:latin typeface="微軟正黑體" pitchFamily="34" charset="-120"/>
+                <a:ea typeface="微軟正黑體" pitchFamily="34" charset="-120"/>
+              </a:rPr>
+              <a:t>忠於使命</a:t>
+            </a:r>
+            <a:r>
+              <a:rPr lang="en-US" altLang="zh-TW" sz="6400" b="1" dirty="0">
+                <a:solidFill>
+                  <a:srgbClr val="000066"/>
+                </a:solidFill>
+                <a:latin typeface="微軟正黑體" pitchFamily="34" charset="-120"/>
+                <a:ea typeface="微軟正黑體" pitchFamily="34" charset="-120"/>
+              </a:rPr>
+              <a:t>  </a:t>
+            </a:r>
+            <a:r>
+              <a:rPr lang="zh-TW" altLang="en-US" sz="6400" b="1" dirty="0">
+                <a:solidFill>
+                  <a:srgbClr val="000066"/>
+                </a:solidFill>
+                <a:latin typeface="微軟正黑體" pitchFamily="34" charset="-120"/>
+                <a:ea typeface="微軟正黑體" pitchFamily="34" charset="-120"/>
+              </a:rPr>
+              <a:t>不惜一切來回應</a:t>
+            </a:r>
+            <a:endParaRPr lang="en-US" altLang="zh-TW" sz="6400" b="1" dirty="0">
+              <a:solidFill>
+                <a:srgbClr val="000066"/>
+              </a:solidFill>
+              <a:latin typeface="微軟正黑體" pitchFamily="34" charset="-120"/>
+              <a:ea typeface="微軟正黑體" pitchFamily="34" charset="-120"/>
+            </a:endParaRPr>
+          </a:p>
+          <a:p>
+            <a:pPr algn="ctr">
+              <a:buNone/>
+            </a:pPr>
+            <a:r>
+              <a:rPr lang="zh-TW" altLang="en-US" sz="6400" b="1" dirty="0">
+                <a:solidFill>
+                  <a:srgbClr val="000066"/>
+                </a:solidFill>
+                <a:latin typeface="微軟正黑體" pitchFamily="34" charset="-120"/>
+                <a:ea typeface="微軟正黑體" pitchFamily="34" charset="-120"/>
+              </a:rPr>
+              <a:t>能事奉祢是最尊貴</a:t>
+            </a:r>
+          </a:p>
+        </p:txBody>
+      </p:sp>
+      <p:sp>
+        <p:nvSpPr>
+          <p:cNvPr id="3" name="TextBox 2"/>
+          <p:cNvSpPr txBox="1"/>
+          <p:nvPr/>
+        </p:nvSpPr>
+        <p:spPr>
+          <a:xfrm>
+            <a:off x="0" y="5157193"/>
+            <a:ext cx="12192000" cy="584775"/>
+          </a:xfrm>
+          <a:prstGeom prst="rect">
+            <a:avLst/>
+          </a:prstGeom>
+          <a:noFill/>
+        </p:spPr>
+        <p:txBody>
+          <a:bodyPr wrap="square" rtlCol="0">
+            <a:spAutoFit/>
+          </a:bodyPr>
+          <a:lstStyle/>
+          <a:p>
+            <a:pPr algn="ctr"/>
+            <a:r>
+              <a:rPr lang="en-US" sz="3200" b="1" dirty="0">
+                <a:solidFill>
+                  <a:srgbClr val="000066"/>
+                </a:solidFill>
+                <a:latin typeface="Microsoft JhengHei" panose="020B0604030504040204" pitchFamily="34" charset="-120"/>
+                <a:ea typeface="Microsoft JhengHei" panose="020B0604030504040204" pitchFamily="34" charset="-120"/>
+              </a:rPr>
+              <a:t>( </a:t>
+            </a:r>
+            <a:r>
+              <a:rPr lang="zh-CN" altLang="en-US" sz="3200" b="1" dirty="0">
+                <a:solidFill>
+                  <a:srgbClr val="000066"/>
+                </a:solidFill>
+                <a:latin typeface="Microsoft JhengHei" panose="020B0604030504040204" pitchFamily="34" charset="-120"/>
+                <a:ea typeface="Microsoft JhengHei" panose="020B0604030504040204" pitchFamily="34" charset="-120"/>
+              </a:rPr>
+              <a:t>結束</a:t>
+            </a:r>
+            <a:r>
+              <a:rPr lang="en-US" sz="3200" b="1" dirty="0">
+                <a:solidFill>
+                  <a:srgbClr val="000066"/>
+                </a:solidFill>
+                <a:latin typeface="Microsoft JhengHei" panose="020B0604030504040204" pitchFamily="34" charset="-120"/>
+                <a:ea typeface="Microsoft JhengHei" panose="020B0604030504040204" pitchFamily="34" charset="-120"/>
+              </a:rPr>
+              <a:t> )</a:t>
+            </a:r>
+            <a:endParaRPr lang="vi-VN" sz="3200" b="1" dirty="0">
+              <a:solidFill>
+                <a:srgbClr val="000066"/>
+              </a:solidFill>
+              <a:ea typeface="Microsoft JhengHei" panose="020B0604030504040204" pitchFamily="34" charset="-120"/>
+            </a:endParaRPr>
+          </a:p>
+        </p:txBody>
+      </p:sp>
+    </p:spTree>
+    <p:extLst>
+      <p:ext uri="{BB962C8B-B14F-4D97-AF65-F5344CB8AC3E}">
+        <p14:creationId xmlns:p14="http://schemas.microsoft.com/office/powerpoint/2010/main" val="1404043138"/>
+      </p:ext>
+    </p:extLst>
   </p:cSld>
   <p:clrMapOvr>
     <a:masterClrMapping/>
@@ -3303,73 +3978,40 @@
       </p:grpSpPr>
       <p:sp>
         <p:nvSpPr>
-          <p:cNvPr id="4" name="標題 3"/>
-          <p:cNvSpPr>
-            <a:spLocks noGrp="1"/>
-          </p:cNvSpPr>
-          <p:nvPr>
-            <p:ph type="title"/>
-          </p:nvPr>
-        </p:nvSpPr>
-        <p:spPr/>
-        <p:txBody>
-          <a:bodyPr/>
-          <a:lstStyle/>
-          <a:p>
-            <a:r>
-              <a:rPr lang="zh-TW" altLang="en-US" b="1" dirty="0">
+          <p:cNvPr id="5" name="內容版面配置區 4"/>
+          <p:cNvSpPr>
+            <a:spLocks noGrp="1"/>
+          </p:cNvSpPr>
+          <p:nvPr>
+            <p:ph idx="1"/>
+          </p:nvPr>
+        </p:nvSpPr>
+        <p:spPr>
+          <a:xfrm>
+            <a:off x="0" y="2084851"/>
+            <a:ext cx="12192000" cy="2404863"/>
+          </a:xfrm>
+        </p:spPr>
+        <p:txBody>
+          <a:bodyPr anchor="ctr">
+            <a:normAutofit/>
+          </a:bodyPr>
+          <a:lstStyle/>
+          <a:p>
+            <a:pPr algn="ctr">
+              <a:buNone/>
+            </a:pPr>
+            <a:r>
+              <a:rPr lang="zh-TW" altLang="en-US" sz="6400" b="1" dirty="0">
                 <a:solidFill>
                   <a:srgbClr val="000066"/>
                 </a:solidFill>
                 <a:latin typeface="微軟正黑體" pitchFamily="34" charset="-120"/>
                 <a:ea typeface="微軟正黑體" pitchFamily="34" charset="-120"/>
               </a:rPr>
-              <a:t>恩典太美麗</a:t>
-            </a:r>
-          </a:p>
-        </p:txBody>
-      </p:sp>
-      <p:sp>
-        <p:nvSpPr>
-          <p:cNvPr id="5" name="內容版面配置區 4"/>
-          <p:cNvSpPr>
-            <a:spLocks noGrp="1"/>
-          </p:cNvSpPr>
-          <p:nvPr>
-            <p:ph idx="1"/>
-          </p:nvPr>
-        </p:nvSpPr>
-        <p:spPr/>
-        <p:txBody>
-          <a:bodyPr>
-            <a:normAutofit/>
-          </a:bodyPr>
-          <a:lstStyle/>
-          <a:p>
-            <a:pPr algn="ctr">
-              <a:buNone/>
-            </a:pPr>
-            <a:r>
-              <a:rPr lang="zh-TW" altLang="en-US" sz="5400" b="1" dirty="0">
-                <a:solidFill>
-                  <a:srgbClr val="000066"/>
-                </a:solidFill>
-                <a:latin typeface="微軟正黑體" pitchFamily="34" charset="-120"/>
-                <a:ea typeface="微軟正黑體" pitchFamily="34" charset="-120"/>
-              </a:rPr>
-              <a:t>這天同聚於主</a:t>
-            </a:r>
-            <a:r>
-              <a:rPr lang="zh-TW" altLang="en-US" sz="5400" b="1" dirty="0">
-                <a:solidFill>
-                  <a:srgbClr val="000066"/>
-                </a:solidFill>
-                <a:latin typeface="微軟正黑體" pitchFamily="34" charset="-120"/>
-                <a:ea typeface="微軟正黑體" pitchFamily="34" charset="-120"/>
-              </a:rPr>
-              <a:t>聖殿</a:t>
-            </a:r>
-            <a:endParaRPr lang="en-US" altLang="zh-TW" sz="5400" b="1" dirty="0">
+              <a:t>這天同聚於主聖殿</a:t>
+            </a:r>
+            <a:endParaRPr lang="en-US" altLang="zh-TW" sz="6400" b="1" dirty="0">
               <a:solidFill>
                 <a:srgbClr val="000066"/>
               </a:solidFill>
@@ -3382,36 +4024,16 @@
               <a:buNone/>
             </a:pPr>
             <a:r>
-              <a:rPr lang="zh-TW" altLang="en-US" sz="5400" b="1" dirty="0">
+              <a:rPr lang="zh-TW" altLang="en-US" sz="6400" b="1" dirty="0">
                 <a:solidFill>
                   <a:srgbClr val="000066"/>
                 </a:solidFill>
                 <a:latin typeface="微軟正黑體" pitchFamily="34" charset="-120"/>
                 <a:ea typeface="微軟正黑體" pitchFamily="34" charset="-120"/>
               </a:rPr>
-              <a:t>來</a:t>
-            </a:r>
-            <a:r>
-              <a:rPr lang="zh-TW" altLang="en-US" sz="5400" b="1" dirty="0">
-                <a:solidFill>
-                  <a:srgbClr val="000066"/>
-                </a:solidFill>
-                <a:latin typeface="微軟正黑體" pitchFamily="34" charset="-120"/>
-                <a:ea typeface="微軟正黑體" pitchFamily="34" charset="-120"/>
-              </a:rPr>
-              <a:t>數算我主</a:t>
-            </a:r>
-            <a:r>
-              <a:rPr lang="zh-TW" altLang="en-US" sz="5400" b="1" dirty="0">
-                <a:solidFill>
-                  <a:srgbClr val="000066"/>
-                </a:solidFill>
-                <a:latin typeface="微軟正黑體" pitchFamily="34" charset="-120"/>
-                <a:ea typeface="微軟正黑體" pitchFamily="34" charset="-120"/>
-              </a:rPr>
-              <a:t>恩典</a:t>
-            </a:r>
-            <a:endParaRPr lang="en-US" altLang="zh-TW" sz="5400" b="1" dirty="0">
+              <a:t>來數算我主恩典</a:t>
+            </a:r>
+            <a:endParaRPr lang="en-US" altLang="zh-TW" sz="6400" b="1" dirty="0">
               <a:solidFill>
                 <a:srgbClr val="000066"/>
               </a:solidFill>
@@ -3419,72 +4041,77 @@
               <a:ea typeface="微軟正黑體" pitchFamily="34" charset="-120"/>
             </a:endParaRPr>
           </a:p>
-          <a:p>
-            <a:pPr algn="ctr">
-              <a:buNone/>
-            </a:pPr>
-            <a:r>
-              <a:rPr lang="zh-TW" altLang="en-US" sz="5400" b="1" dirty="0">
-                <a:solidFill>
-                  <a:srgbClr val="000066"/>
-                </a:solidFill>
-                <a:latin typeface="微軟正黑體" pitchFamily="34" charset="-120"/>
-                <a:ea typeface="微軟正黑體" pitchFamily="34" charset="-120"/>
-              </a:rPr>
-              <a:t>祂</a:t>
-            </a:r>
-            <a:r>
-              <a:rPr lang="zh-TW" altLang="en-US" sz="5400" b="1" dirty="0">
-                <a:solidFill>
-                  <a:srgbClr val="000066"/>
-                </a:solidFill>
-                <a:latin typeface="微軟正黑體" pitchFamily="34" charset="-120"/>
-                <a:ea typeface="微軟正黑體" pitchFamily="34" charset="-120"/>
-              </a:rPr>
-              <a:t>賜盼望重生的</a:t>
-            </a:r>
-            <a:r>
-              <a:rPr lang="zh-TW" altLang="en-US" sz="5400" b="1" dirty="0">
-                <a:solidFill>
-                  <a:srgbClr val="000066"/>
-                </a:solidFill>
-                <a:latin typeface="微軟正黑體" pitchFamily="34" charset="-120"/>
-                <a:ea typeface="微軟正黑體" pitchFamily="34" charset="-120"/>
-              </a:rPr>
-              <a:t>泉源</a:t>
-            </a:r>
-            <a:endParaRPr lang="en-US" altLang="zh-TW" sz="5400" b="1" dirty="0">
+        </p:txBody>
+      </p:sp>
+      <p:sp>
+        <p:nvSpPr>
+          <p:cNvPr id="3" name="TextBox 2"/>
+          <p:cNvSpPr txBox="1"/>
+          <p:nvPr/>
+        </p:nvSpPr>
+        <p:spPr>
+          <a:xfrm>
+            <a:off x="0" y="5157193"/>
+            <a:ext cx="12192000" cy="584775"/>
+          </a:xfrm>
+          <a:prstGeom prst="rect">
+            <a:avLst/>
+          </a:prstGeom>
+          <a:noFill/>
+        </p:spPr>
+        <p:txBody>
+          <a:bodyPr wrap="square" rtlCol="0">
+            <a:spAutoFit/>
+          </a:bodyPr>
+          <a:lstStyle/>
+          <a:p>
+            <a:pPr algn="ctr"/>
+            <a:r>
+              <a:rPr lang="en-US" sz="3200" b="1" dirty="0">
+                <a:solidFill>
+                  <a:srgbClr val="000066"/>
+                </a:solidFill>
+                <a:latin typeface="Microsoft JhengHei" panose="020B0604030504040204" pitchFamily="34" charset="-120"/>
+                <a:ea typeface="Microsoft JhengHei" panose="020B0604030504040204" pitchFamily="34" charset="-120"/>
+              </a:rPr>
+              <a:t>( </a:t>
+            </a:r>
+            <a:r>
+              <a:rPr lang="zh-CN" altLang="en-US" sz="3200" b="1" dirty="0">
+                <a:solidFill>
+                  <a:srgbClr val="000066"/>
+                </a:solidFill>
+                <a:latin typeface="Microsoft JhengHei" panose="020B0604030504040204" pitchFamily="34" charset="-120"/>
+                <a:ea typeface="Microsoft JhengHei" panose="020B0604030504040204" pitchFamily="34" charset="-120"/>
+              </a:rPr>
+              <a:t>正歌 </a:t>
+            </a:r>
+            <a:r>
+              <a:rPr lang="en-US" altLang="zh-CN" sz="3200" b="1" dirty="0">
+                <a:solidFill>
+                  <a:srgbClr val="000066"/>
+                </a:solidFill>
+                <a:latin typeface="Microsoft JhengHei" panose="020B0604030504040204" pitchFamily="34" charset="-120"/>
+                <a:ea typeface="Microsoft JhengHei" panose="020B0604030504040204" pitchFamily="34" charset="-120"/>
+              </a:rPr>
+              <a:t>1</a:t>
+            </a:r>
+            <a:r>
+              <a:rPr lang="en-US" sz="3200" b="1" dirty="0">
+                <a:solidFill>
+                  <a:srgbClr val="000066"/>
+                </a:solidFill>
+                <a:latin typeface="Microsoft JhengHei" panose="020B0604030504040204" pitchFamily="34" charset="-120"/>
+                <a:ea typeface="Microsoft JhengHei" panose="020B0604030504040204" pitchFamily="34" charset="-120"/>
+              </a:rPr>
+              <a:t> )</a:t>
+            </a:r>
+            <a:endParaRPr lang="vi-VN" sz="3200" b="1" dirty="0">
               <a:solidFill>
                 <a:srgbClr val="000066"/>
               </a:solidFill>
-              <a:latin typeface="微軟正黑體" pitchFamily="34" charset="-120"/>
-              <a:ea typeface="微軟正黑體" pitchFamily="34" charset="-120"/>
+              <a:ea typeface="Microsoft JhengHei" panose="020B0604030504040204" pitchFamily="34" charset="-120"/>
             </a:endParaRPr>
-          </a:p>
-          <a:p>
-            <a:pPr algn="ctr">
-              <a:buNone/>
-            </a:pPr>
-            <a:r>
-              <a:rPr lang="zh-TW" altLang="en-US" sz="5400" b="1" dirty="0">
-                <a:solidFill>
-                  <a:srgbClr val="000066"/>
-                </a:solidFill>
-                <a:latin typeface="微軟正黑體" pitchFamily="34" charset="-120"/>
-                <a:ea typeface="微軟正黑體" pitchFamily="34" charset="-120"/>
-              </a:rPr>
-              <a:t>還給</a:t>
-            </a:r>
-            <a:r>
-              <a:rPr lang="zh-TW" altLang="en-US" sz="5400" b="1" dirty="0">
-                <a:solidFill>
-                  <a:srgbClr val="000066"/>
-                </a:solidFill>
-                <a:latin typeface="微軟正黑體" pitchFamily="34" charset="-120"/>
-                <a:ea typeface="微軟正黑體" pitchFamily="34" charset="-120"/>
-              </a:rPr>
-              <a:t>我勇氣面對挑戰</a:t>
-            </a:r>
           </a:p>
         </p:txBody>
       </p:sp>
@@ -3515,98 +4142,40 @@
       </p:grpSpPr>
       <p:sp>
         <p:nvSpPr>
-          <p:cNvPr id="4" name="標題 3"/>
-          <p:cNvSpPr>
-            <a:spLocks noGrp="1"/>
-          </p:cNvSpPr>
-          <p:nvPr>
-            <p:ph type="title"/>
-          </p:nvPr>
-        </p:nvSpPr>
-        <p:spPr/>
-        <p:txBody>
-          <a:bodyPr/>
-          <a:lstStyle/>
-          <a:p>
-            <a:r>
-              <a:rPr lang="zh-TW" altLang="en-US" b="1" dirty="0">
+          <p:cNvPr id="5" name="內容版面配置區 4"/>
+          <p:cNvSpPr>
+            <a:spLocks noGrp="1"/>
+          </p:cNvSpPr>
+          <p:nvPr>
+            <p:ph idx="1"/>
+          </p:nvPr>
+        </p:nvSpPr>
+        <p:spPr>
+          <a:xfrm>
+            <a:off x="0" y="2084851"/>
+            <a:ext cx="12192000" cy="2404863"/>
+          </a:xfrm>
+        </p:spPr>
+        <p:txBody>
+          <a:bodyPr anchor="ctr">
+            <a:normAutofit/>
+          </a:bodyPr>
+          <a:lstStyle/>
+          <a:p>
+            <a:pPr algn="ctr">
+              <a:buNone/>
+            </a:pPr>
+            <a:r>
+              <a:rPr lang="zh-TW" altLang="en-US" sz="6400" b="1" dirty="0">
                 <a:solidFill>
                   <a:srgbClr val="000066"/>
                 </a:solidFill>
                 <a:latin typeface="微軟正黑體" pitchFamily="34" charset="-120"/>
                 <a:ea typeface="微軟正黑體" pitchFamily="34" charset="-120"/>
               </a:rPr>
-              <a:t>恩典太美麗</a:t>
-            </a:r>
-          </a:p>
-        </p:txBody>
-      </p:sp>
-      <p:sp>
-        <p:nvSpPr>
-          <p:cNvPr id="5" name="內容版面配置區 4"/>
-          <p:cNvSpPr>
-            <a:spLocks noGrp="1"/>
-          </p:cNvSpPr>
-          <p:nvPr>
-            <p:ph idx="1"/>
-          </p:nvPr>
-        </p:nvSpPr>
-        <p:spPr>
-          <a:xfrm>
-            <a:off x="1524000" y="1600200"/>
-            <a:ext cx="9144000" cy="5257800"/>
-          </a:xfrm>
-        </p:spPr>
-        <p:txBody>
-          <a:bodyPr>
-            <a:normAutofit/>
-          </a:bodyPr>
-          <a:lstStyle/>
-          <a:p>
-            <a:pPr algn="ctr">
-              <a:buNone/>
-            </a:pPr>
-            <a:r>
-              <a:rPr lang="zh-TW" altLang="en-US" sz="5400" b="1" dirty="0">
-                <a:solidFill>
-                  <a:srgbClr val="000066"/>
-                </a:solidFill>
-                <a:latin typeface="微軟正黑體" pitchFamily="34" charset="-120"/>
-                <a:ea typeface="微軟正黑體" pitchFamily="34" charset="-120"/>
-              </a:rPr>
-              <a:t>恩典太</a:t>
-            </a:r>
-            <a:r>
-              <a:rPr lang="zh-TW" altLang="en-US" sz="5400" b="1" dirty="0">
-                <a:solidFill>
-                  <a:srgbClr val="000066"/>
-                </a:solidFill>
-                <a:latin typeface="微軟正黑體" pitchFamily="34" charset="-120"/>
-                <a:ea typeface="微軟正黑體" pitchFamily="34" charset="-120"/>
-              </a:rPr>
-              <a:t>美麗  無</a:t>
-            </a:r>
-            <a:r>
-              <a:rPr lang="zh-TW" altLang="en-US" sz="5400" b="1" dirty="0">
-                <a:solidFill>
-                  <a:srgbClr val="000066"/>
-                </a:solidFill>
-                <a:latin typeface="微軟正黑體" pitchFamily="34" charset="-120"/>
-                <a:ea typeface="微軟正黑體" pitchFamily="34" charset="-120"/>
-              </a:rPr>
-              <a:t>甚麼可取</a:t>
-            </a:r>
-            <a:r>
-              <a:rPr lang="zh-TW" altLang="en-US" sz="5400" b="1" dirty="0">
-                <a:solidFill>
-                  <a:srgbClr val="000066"/>
-                </a:solidFill>
-                <a:latin typeface="微軟正黑體" pitchFamily="34" charset="-120"/>
-                <a:ea typeface="微軟正黑體" pitchFamily="34" charset="-120"/>
-              </a:rPr>
-              <a:t>替</a:t>
-            </a:r>
-            <a:endParaRPr lang="en-US" altLang="zh-TW" sz="5400" b="1" dirty="0">
+              <a:t>祂以性命來使我完全</a:t>
+            </a:r>
+            <a:endParaRPr lang="en-US" altLang="zh-TW" sz="6400" b="1" dirty="0">
               <a:solidFill>
                 <a:srgbClr val="000066"/>
               </a:solidFill>
@@ -3619,185 +4188,96 @@
               <a:buNone/>
             </a:pPr>
             <a:r>
-              <a:rPr lang="zh-TW" altLang="en-US" sz="5400" b="1" dirty="0">
+              <a:rPr lang="zh-TW" altLang="en-US" sz="6400" b="1" dirty="0">
                 <a:solidFill>
                   <a:srgbClr val="000066"/>
                 </a:solidFill>
                 <a:latin typeface="微軟正黑體" pitchFamily="34" charset="-120"/>
                 <a:ea typeface="微軟正黑體" pitchFamily="34" charset="-120"/>
               </a:rPr>
-              <a:t>唯</a:t>
-            </a:r>
-            <a:r>
-              <a:rPr lang="zh-TW" altLang="en-US" sz="5400" b="1" dirty="0">
-                <a:solidFill>
-                  <a:srgbClr val="000066"/>
-                </a:solidFill>
-                <a:latin typeface="微軟正黑體" pitchFamily="34" charset="-120"/>
-                <a:ea typeface="微軟正黑體" pitchFamily="34" charset="-120"/>
-              </a:rPr>
-              <a:t>求將心全然給</a:t>
-            </a:r>
-            <a:r>
-              <a:rPr lang="zh-TW" altLang="en-US" sz="5400" b="1" dirty="0">
-                <a:solidFill>
-                  <a:srgbClr val="000066"/>
-                </a:solidFill>
-                <a:latin typeface="微軟正黑體" pitchFamily="34" charset="-120"/>
-                <a:ea typeface="微軟正黑體" pitchFamily="34" charset="-120"/>
-              </a:rPr>
-              <a:t>主</a:t>
-            </a:r>
-            <a:endParaRPr lang="en-US" altLang="zh-TW" sz="5400" b="1" dirty="0">
+              <a:t>來使我兩眼重見光線</a:t>
+            </a:r>
+          </a:p>
+        </p:txBody>
+      </p:sp>
+      <p:sp>
+        <p:nvSpPr>
+          <p:cNvPr id="3" name="TextBox 2"/>
+          <p:cNvSpPr txBox="1"/>
+          <p:nvPr/>
+        </p:nvSpPr>
+        <p:spPr>
+          <a:xfrm>
+            <a:off x="0" y="5157193"/>
+            <a:ext cx="12192000" cy="584775"/>
+          </a:xfrm>
+          <a:prstGeom prst="rect">
+            <a:avLst/>
+          </a:prstGeom>
+          <a:noFill/>
+        </p:spPr>
+        <p:txBody>
+          <a:bodyPr wrap="square" rtlCol="0">
+            <a:spAutoFit/>
+          </a:bodyPr>
+          <a:lstStyle/>
+          <a:p>
+            <a:pPr algn="ctr"/>
+            <a:r>
+              <a:rPr lang="en-US" sz="3200" b="1" dirty="0">
+                <a:solidFill>
+                  <a:srgbClr val="000066"/>
+                </a:solidFill>
+                <a:latin typeface="Microsoft JhengHei" panose="020B0604030504040204" pitchFamily="34" charset="-120"/>
+                <a:ea typeface="Microsoft JhengHei" panose="020B0604030504040204" pitchFamily="34" charset="-120"/>
+              </a:rPr>
+              <a:t>( </a:t>
+            </a:r>
+            <a:r>
+              <a:rPr lang="zh-CN" altLang="en-US" sz="3200" b="1" dirty="0">
+                <a:solidFill>
+                  <a:srgbClr val="000066"/>
+                </a:solidFill>
+                <a:latin typeface="Microsoft JhengHei" panose="020B0604030504040204" pitchFamily="34" charset="-120"/>
+                <a:ea typeface="Microsoft JhengHei" panose="020B0604030504040204" pitchFamily="34" charset="-120"/>
+              </a:rPr>
+              <a:t>正歌 </a:t>
+            </a:r>
+            <a:r>
+              <a:rPr lang="en-US" altLang="zh-CN" sz="3200" b="1" dirty="0">
+                <a:solidFill>
+                  <a:srgbClr val="000066"/>
+                </a:solidFill>
+                <a:latin typeface="Microsoft JhengHei" panose="020B0604030504040204" pitchFamily="34" charset="-120"/>
+                <a:ea typeface="Microsoft JhengHei" panose="020B0604030504040204" pitchFamily="34" charset="-120"/>
+              </a:rPr>
+              <a:t>1</a:t>
+            </a:r>
+            <a:r>
+              <a:rPr lang="en-US" sz="3200" b="1" dirty="0">
+                <a:solidFill>
+                  <a:srgbClr val="000066"/>
+                </a:solidFill>
+                <a:latin typeface="Microsoft JhengHei" panose="020B0604030504040204" pitchFamily="34" charset="-120"/>
+                <a:ea typeface="Microsoft JhengHei" panose="020B0604030504040204" pitchFamily="34" charset="-120"/>
+              </a:rPr>
+              <a:t> )</a:t>
+            </a:r>
+            <a:endParaRPr lang="vi-VN" sz="3200" b="1" dirty="0">
               <a:solidFill>
                 <a:srgbClr val="000066"/>
               </a:solidFill>
-              <a:latin typeface="微軟正黑體" pitchFamily="34" charset="-120"/>
-              <a:ea typeface="微軟正黑體" pitchFamily="34" charset="-120"/>
+              <a:ea typeface="Microsoft JhengHei" panose="020B0604030504040204" pitchFamily="34" charset="-120"/>
             </a:endParaRPr>
           </a:p>
-          <a:p>
-            <a:pPr algn="ctr">
-              <a:buNone/>
-            </a:pPr>
-            <a:r>
-              <a:rPr lang="zh-TW" altLang="en-US" sz="5400" b="1" dirty="0">
-                <a:solidFill>
-                  <a:srgbClr val="000066"/>
-                </a:solidFill>
-                <a:latin typeface="微軟正黑體" pitchFamily="34" charset="-120"/>
-                <a:ea typeface="微軟正黑體" pitchFamily="34" charset="-120"/>
-              </a:rPr>
-              <a:t>來彰顯主</a:t>
-            </a:r>
-            <a:r>
-              <a:rPr lang="zh-TW" altLang="en-US" sz="5400" b="1" dirty="0">
-                <a:solidFill>
-                  <a:srgbClr val="000066"/>
-                </a:solidFill>
-                <a:latin typeface="微軟正黑體" pitchFamily="34" charset="-120"/>
-                <a:ea typeface="微軟正黑體" pitchFamily="34" charset="-120"/>
-              </a:rPr>
-              <a:t>愛多</a:t>
-            </a:r>
-            <a:r>
-              <a:rPr lang="zh-TW" altLang="en-US" sz="5400" b="1" dirty="0">
-                <a:solidFill>
-                  <a:srgbClr val="000066"/>
-                </a:solidFill>
-                <a:latin typeface="微軟正黑體" pitchFamily="34" charset="-120"/>
-                <a:ea typeface="微軟正黑體" pitchFamily="34" charset="-120"/>
-              </a:rPr>
-              <a:t>珍貴</a:t>
-            </a:r>
-            <a:endParaRPr lang="en-US" altLang="zh-TW" sz="5400" b="1" dirty="0">
-              <a:solidFill>
-                <a:srgbClr val="000066"/>
-              </a:solidFill>
-              <a:latin typeface="微軟正黑體" pitchFamily="34" charset="-120"/>
-              <a:ea typeface="微軟正黑體" pitchFamily="34" charset="-120"/>
-            </a:endParaRPr>
-          </a:p>
-          <a:p>
-            <a:pPr algn="ctr">
-              <a:buNone/>
-            </a:pPr>
-            <a:r>
-              <a:rPr lang="zh-TW" altLang="en-US" sz="5400" b="1" dirty="0">
-                <a:solidFill>
-                  <a:srgbClr val="000066"/>
-                </a:solidFill>
-                <a:latin typeface="微軟正黑體" pitchFamily="34" charset="-120"/>
-                <a:ea typeface="微軟正黑體" pitchFamily="34" charset="-120"/>
-              </a:rPr>
-              <a:t>終生愛神</a:t>
-            </a:r>
-            <a:r>
-              <a:rPr lang="en-US" altLang="zh-TW" sz="5400" b="1" dirty="0">
-                <a:solidFill>
-                  <a:srgbClr val="000066"/>
-                </a:solidFill>
-                <a:latin typeface="微軟正黑體" pitchFamily="34" charset="-120"/>
-                <a:ea typeface="微軟正黑體" pitchFamily="34" charset="-120"/>
-              </a:rPr>
-              <a:t> </a:t>
-            </a:r>
-            <a:r>
-              <a:rPr lang="en-US" altLang="zh-TW" sz="5400" b="1" dirty="0">
-                <a:solidFill>
-                  <a:srgbClr val="000066"/>
-                </a:solidFill>
-                <a:latin typeface="微軟正黑體" pitchFamily="34" charset="-120"/>
-                <a:ea typeface="微軟正黑體" pitchFamily="34" charset="-120"/>
-              </a:rPr>
-              <a:t> </a:t>
-            </a:r>
-            <a:r>
-              <a:rPr lang="zh-TW" altLang="en-US" sz="5400" b="1" dirty="0">
-                <a:solidFill>
-                  <a:srgbClr val="000066"/>
-                </a:solidFill>
-                <a:latin typeface="微軟正黑體" pitchFamily="34" charset="-120"/>
-                <a:ea typeface="微軟正黑體" pitchFamily="34" charset="-120"/>
-              </a:rPr>
-              <a:t>傾心</a:t>
-            </a:r>
-            <a:r>
-              <a:rPr lang="zh-TW" altLang="en-US" sz="5400" b="1" dirty="0">
-                <a:solidFill>
-                  <a:srgbClr val="000066"/>
-                </a:solidFill>
-                <a:latin typeface="微軟正黑體" pitchFamily="34" charset="-120"/>
-                <a:ea typeface="微軟正黑體" pitchFamily="34" charset="-120"/>
-              </a:rPr>
-              <a:t>傾意愛</a:t>
-            </a:r>
-            <a:r>
-              <a:rPr lang="zh-TW" altLang="en-US" sz="5400" b="1" dirty="0">
-                <a:solidFill>
-                  <a:srgbClr val="000066"/>
-                </a:solidFill>
-                <a:latin typeface="微軟正黑體" pitchFamily="34" charset="-120"/>
-                <a:ea typeface="微軟正黑體" pitchFamily="34" charset="-120"/>
-              </a:rPr>
-              <a:t>別人</a:t>
-            </a:r>
-            <a:endParaRPr lang="en-US" altLang="zh-TW" sz="5400" b="1" dirty="0">
-              <a:solidFill>
-                <a:srgbClr val="000066"/>
-              </a:solidFill>
-              <a:latin typeface="微軟正黑體" pitchFamily="34" charset="-120"/>
-              <a:ea typeface="微軟正黑體" pitchFamily="34" charset="-120"/>
-            </a:endParaRPr>
-          </a:p>
-          <a:p>
-            <a:pPr algn="ctr">
-              <a:buNone/>
-            </a:pPr>
-            <a:r>
-              <a:rPr lang="zh-TW" altLang="en-US" sz="5400" b="1" dirty="0">
-                <a:solidFill>
-                  <a:srgbClr val="000066"/>
-                </a:solidFill>
-                <a:latin typeface="微軟正黑體" pitchFamily="34" charset="-120"/>
-                <a:ea typeface="微軟正黑體" pitchFamily="34" charset="-120"/>
-              </a:rPr>
-              <a:t>才</a:t>
-            </a:r>
-            <a:r>
-              <a:rPr lang="zh-TW" altLang="en-US" sz="5400" b="1" dirty="0">
-                <a:solidFill>
-                  <a:srgbClr val="000066"/>
-                </a:solidFill>
-                <a:latin typeface="微軟正黑體" pitchFamily="34" charset="-120"/>
-                <a:ea typeface="微軟正黑體" pitchFamily="34" charset="-120"/>
-              </a:rPr>
-              <a:t>覺生命沒有枉費</a:t>
-            </a:r>
-          </a:p>
         </p:txBody>
       </p:sp>
     </p:spTree>
+    <p:extLst>
+      <p:ext uri="{BB962C8B-B14F-4D97-AF65-F5344CB8AC3E}">
+        <p14:creationId xmlns:p14="http://schemas.microsoft.com/office/powerpoint/2010/main" val="1609861286"/>
+      </p:ext>
+    </p:extLst>
   </p:cSld>
   <p:clrMapOvr>
     <a:masterClrMapping/>
@@ -3824,73 +4304,40 @@
       </p:grpSpPr>
       <p:sp>
         <p:nvSpPr>
-          <p:cNvPr id="4" name="標題 3"/>
-          <p:cNvSpPr>
-            <a:spLocks noGrp="1"/>
-          </p:cNvSpPr>
-          <p:nvPr>
-            <p:ph type="title"/>
-          </p:nvPr>
-        </p:nvSpPr>
-        <p:spPr/>
-        <p:txBody>
-          <a:bodyPr/>
-          <a:lstStyle/>
-          <a:p>
-            <a:r>
-              <a:rPr lang="zh-TW" altLang="en-US" b="1" dirty="0">
+          <p:cNvPr id="5" name="內容版面配置區 4"/>
+          <p:cNvSpPr>
+            <a:spLocks noGrp="1"/>
+          </p:cNvSpPr>
+          <p:nvPr>
+            <p:ph idx="1"/>
+          </p:nvPr>
+        </p:nvSpPr>
+        <p:spPr>
+          <a:xfrm>
+            <a:off x="0" y="2084851"/>
+            <a:ext cx="12192000" cy="2404863"/>
+          </a:xfrm>
+        </p:spPr>
+        <p:txBody>
+          <a:bodyPr anchor="ctr">
+            <a:normAutofit/>
+          </a:bodyPr>
+          <a:lstStyle/>
+          <a:p>
+            <a:pPr algn="ctr">
+              <a:buNone/>
+            </a:pPr>
+            <a:r>
+              <a:rPr lang="zh-TW" altLang="en-US" sz="6400" b="1" dirty="0">
                 <a:solidFill>
                   <a:srgbClr val="000066"/>
                 </a:solidFill>
                 <a:latin typeface="微軟正黑體" pitchFamily="34" charset="-120"/>
                 <a:ea typeface="微軟正黑體" pitchFamily="34" charset="-120"/>
               </a:rPr>
-              <a:t>恩典太美麗</a:t>
-            </a:r>
-          </a:p>
-        </p:txBody>
-      </p:sp>
-      <p:sp>
-        <p:nvSpPr>
-          <p:cNvPr id="5" name="內容版面配置區 4"/>
-          <p:cNvSpPr>
-            <a:spLocks noGrp="1"/>
-          </p:cNvSpPr>
-          <p:nvPr>
-            <p:ph idx="1"/>
-          </p:nvPr>
-        </p:nvSpPr>
-        <p:spPr/>
-        <p:txBody>
-          <a:bodyPr>
-            <a:normAutofit/>
-          </a:bodyPr>
-          <a:lstStyle/>
-          <a:p>
-            <a:pPr algn="ctr">
-              <a:buNone/>
-            </a:pPr>
-            <a:r>
-              <a:rPr lang="zh-TW" altLang="en-US" sz="5400" b="1" dirty="0">
-                <a:solidFill>
-                  <a:srgbClr val="000066"/>
-                </a:solidFill>
-                <a:latin typeface="微軟正黑體" pitchFamily="34" charset="-120"/>
-                <a:ea typeface="微軟正黑體" pitchFamily="34" charset="-120"/>
-              </a:rPr>
-              <a:t>這天降服於主腳</a:t>
-            </a:r>
-            <a:r>
-              <a:rPr lang="zh-TW" altLang="en-US" sz="5400" b="1" dirty="0">
-                <a:solidFill>
-                  <a:srgbClr val="000066"/>
-                </a:solidFill>
-                <a:latin typeface="微軟正黑體" pitchFamily="34" charset="-120"/>
-                <a:ea typeface="微軟正黑體" pitchFamily="34" charset="-120"/>
-              </a:rPr>
-              <a:t>前</a:t>
-            </a:r>
-            <a:endParaRPr lang="en-US" altLang="zh-TW" sz="5400" b="1" dirty="0">
+              <a:t>這天同聚於主聖殿</a:t>
+            </a:r>
+            <a:endParaRPr lang="en-US" altLang="zh-TW" sz="6400" b="1" dirty="0">
               <a:solidFill>
                 <a:srgbClr val="000066"/>
               </a:solidFill>
@@ -3903,36 +4350,16 @@
               <a:buNone/>
             </a:pPr>
             <a:r>
-              <a:rPr lang="zh-TW" altLang="en-US" sz="5400" b="1" dirty="0">
+              <a:rPr lang="zh-TW" altLang="en-US" sz="6400" b="1" dirty="0">
                 <a:solidFill>
                   <a:srgbClr val="000066"/>
                 </a:solidFill>
                 <a:latin typeface="微軟正黑體" pitchFamily="34" charset="-120"/>
                 <a:ea typeface="微軟正黑體" pitchFamily="34" charset="-120"/>
               </a:rPr>
-              <a:t>留心</a:t>
-            </a:r>
-            <a:r>
-              <a:rPr lang="zh-TW" altLang="en-US" sz="5400" b="1" dirty="0">
-                <a:solidFill>
-                  <a:srgbClr val="000066"/>
-                </a:solidFill>
-                <a:latin typeface="微軟正黑體" pitchFamily="34" charset="-120"/>
-                <a:ea typeface="微軟正黑體" pitchFamily="34" charset="-120"/>
-              </a:rPr>
-              <a:t>聽我主</a:t>
-            </a:r>
-            <a:r>
-              <a:rPr lang="zh-TW" altLang="en-US" sz="5400" b="1" dirty="0">
-                <a:solidFill>
-                  <a:srgbClr val="000066"/>
-                </a:solidFill>
-                <a:latin typeface="微軟正黑體" pitchFamily="34" charset="-120"/>
-                <a:ea typeface="微軟正黑體" pitchFamily="34" charset="-120"/>
-              </a:rPr>
-              <a:t>差遣</a:t>
-            </a:r>
-            <a:endParaRPr lang="en-US" altLang="zh-TW" sz="5400" b="1" dirty="0">
+              <a:t>來數算我主恩典</a:t>
+            </a:r>
+            <a:endParaRPr lang="en-US" altLang="zh-TW" sz="6400" b="1" dirty="0">
               <a:solidFill>
                 <a:srgbClr val="000066"/>
               </a:solidFill>
@@ -3940,76 +4367,86 @@
               <a:ea typeface="微軟正黑體" pitchFamily="34" charset="-120"/>
             </a:endParaRPr>
           </a:p>
-          <a:p>
-            <a:pPr algn="ctr">
-              <a:buNone/>
-            </a:pPr>
-            <a:r>
-              <a:rPr lang="zh-TW" altLang="en-US" sz="5400" b="1" dirty="0">
-                <a:solidFill>
-                  <a:srgbClr val="000066"/>
-                </a:solidFill>
-                <a:latin typeface="微軟正黑體" pitchFamily="34" charset="-120"/>
-                <a:ea typeface="微軟正黑體" pitchFamily="34" charset="-120"/>
-              </a:rPr>
-              <a:t>深信</a:t>
-            </a:r>
-            <a:r>
-              <a:rPr lang="zh-TW" altLang="en-US" sz="5400" b="1" dirty="0">
-                <a:solidFill>
-                  <a:srgbClr val="000066"/>
-                </a:solidFill>
-                <a:latin typeface="微軟正黑體" pitchFamily="34" charset="-120"/>
-                <a:ea typeface="微軟正黑體" pitchFamily="34" charset="-120"/>
-              </a:rPr>
-              <a:t>這日勞苦不</a:t>
-            </a:r>
-            <a:r>
-              <a:rPr lang="zh-TW" altLang="en-US" sz="5400" b="1" dirty="0">
-                <a:solidFill>
-                  <a:srgbClr val="000066"/>
-                </a:solidFill>
-                <a:latin typeface="微軟正黑體" pitchFamily="34" charset="-120"/>
-                <a:ea typeface="微軟正黑體" pitchFamily="34" charset="-120"/>
-              </a:rPr>
-              <a:t>徒然</a:t>
-            </a:r>
-            <a:endParaRPr lang="en-US" altLang="zh-TW" sz="5400" b="1" dirty="0">
+        </p:txBody>
+      </p:sp>
+      <p:sp>
+        <p:nvSpPr>
+          <p:cNvPr id="3" name="TextBox 2"/>
+          <p:cNvSpPr txBox="1"/>
+          <p:nvPr/>
+        </p:nvSpPr>
+        <p:spPr>
+          <a:xfrm>
+            <a:off x="0" y="5157193"/>
+            <a:ext cx="12192000" cy="584775"/>
+          </a:xfrm>
+          <a:prstGeom prst="rect">
+            <a:avLst/>
+          </a:prstGeom>
+          <a:noFill/>
+        </p:spPr>
+        <p:txBody>
+          <a:bodyPr wrap="square" rtlCol="0">
+            <a:spAutoFit/>
+          </a:bodyPr>
+          <a:lstStyle/>
+          <a:p>
+            <a:pPr algn="ctr"/>
+            <a:r>
+              <a:rPr lang="en-US" sz="3200" b="1" dirty="0">
+                <a:solidFill>
+                  <a:srgbClr val="000066"/>
+                </a:solidFill>
+                <a:latin typeface="Microsoft JhengHei" panose="020B0604030504040204" pitchFamily="34" charset="-120"/>
+                <a:ea typeface="Microsoft JhengHei" panose="020B0604030504040204" pitchFamily="34" charset="-120"/>
+              </a:rPr>
+              <a:t>( </a:t>
+            </a:r>
+            <a:r>
+              <a:rPr lang="zh-CN" altLang="en-US" sz="3200" b="1" dirty="0">
+                <a:solidFill>
+                  <a:srgbClr val="000066"/>
+                </a:solidFill>
+                <a:latin typeface="Microsoft JhengHei" panose="020B0604030504040204" pitchFamily="34" charset="-120"/>
+                <a:ea typeface="Microsoft JhengHei" panose="020B0604030504040204" pitchFamily="34" charset="-120"/>
+              </a:rPr>
+              <a:t>正歌 </a:t>
+            </a:r>
+            <a:r>
+              <a:rPr lang="en-US" altLang="zh-CN" sz="3200" b="1" dirty="0">
+                <a:solidFill>
+                  <a:srgbClr val="000066"/>
+                </a:solidFill>
+                <a:latin typeface="Microsoft JhengHei" panose="020B0604030504040204" pitchFamily="34" charset="-120"/>
+                <a:ea typeface="Microsoft JhengHei" panose="020B0604030504040204" pitchFamily="34" charset="-120"/>
+              </a:rPr>
+              <a:t>2</a:t>
+            </a:r>
+            <a:r>
+              <a:rPr lang="en-US" sz="3200" b="1" dirty="0">
+                <a:solidFill>
+                  <a:srgbClr val="000066"/>
+                </a:solidFill>
+                <a:latin typeface="Microsoft JhengHei" panose="020B0604030504040204" pitchFamily="34" charset="-120"/>
+                <a:ea typeface="Microsoft JhengHei" panose="020B0604030504040204" pitchFamily="34" charset="-120"/>
+              </a:rPr>
+              <a:t> )</a:t>
+            </a:r>
+            <a:endParaRPr lang="vi-VN" sz="3200" b="1" dirty="0">
               <a:solidFill>
                 <a:srgbClr val="000066"/>
               </a:solidFill>
-              <a:latin typeface="微軟正黑體" pitchFamily="34" charset="-120"/>
-              <a:ea typeface="微軟正黑體" pitchFamily="34" charset="-120"/>
+              <a:ea typeface="Microsoft JhengHei" panose="020B0604030504040204" pitchFamily="34" charset="-120"/>
             </a:endParaRPr>
           </a:p>
-          <a:p>
-            <a:pPr algn="ctr">
-              <a:buNone/>
-            </a:pPr>
-            <a:r>
-              <a:rPr lang="zh-TW" altLang="en-US" sz="5400" b="1" dirty="0">
-                <a:solidFill>
-                  <a:srgbClr val="000066"/>
-                </a:solidFill>
-                <a:latin typeface="微軟正黑體" pitchFamily="34" charset="-120"/>
-                <a:ea typeface="微軟正黑體" pitchFamily="34" charset="-120"/>
-              </a:rPr>
-              <a:t>神</a:t>
-            </a:r>
-            <a:r>
-              <a:rPr lang="zh-TW" altLang="en-US" sz="5400" b="1" dirty="0">
-                <a:solidFill>
-                  <a:srgbClr val="000066"/>
-                </a:solidFill>
-                <a:latin typeface="微軟正黑體" pitchFamily="34" charset="-120"/>
-                <a:ea typeface="微軟正黑體" pitchFamily="34" charset="-120"/>
-              </a:rPr>
-              <a:t>終會賜我榮美冠冕</a:t>
-            </a:r>
-          </a:p>
         </p:txBody>
       </p:sp>
     </p:spTree>
+    <p:extLst>
+      <p:ext uri="{BB962C8B-B14F-4D97-AF65-F5344CB8AC3E}">
+        <p14:creationId xmlns:p14="http://schemas.microsoft.com/office/powerpoint/2010/main" val="1367782900"/>
+      </p:ext>
+    </p:extLst>
   </p:cSld>
   <p:clrMapOvr>
     <a:masterClrMapping/>
@@ -4036,98 +4473,40 @@
       </p:grpSpPr>
       <p:sp>
         <p:nvSpPr>
-          <p:cNvPr id="4" name="標題 3"/>
-          <p:cNvSpPr>
-            <a:spLocks noGrp="1"/>
-          </p:cNvSpPr>
-          <p:nvPr>
-            <p:ph type="title"/>
-          </p:nvPr>
-        </p:nvSpPr>
-        <p:spPr/>
-        <p:txBody>
-          <a:bodyPr/>
-          <a:lstStyle/>
-          <a:p>
-            <a:r>
-              <a:rPr lang="zh-TW" altLang="en-US" b="1" dirty="0">
+          <p:cNvPr id="5" name="內容版面配置區 4"/>
+          <p:cNvSpPr>
+            <a:spLocks noGrp="1"/>
+          </p:cNvSpPr>
+          <p:nvPr>
+            <p:ph idx="1"/>
+          </p:nvPr>
+        </p:nvSpPr>
+        <p:spPr>
+          <a:xfrm>
+            <a:off x="0" y="2084851"/>
+            <a:ext cx="12192000" cy="2404863"/>
+          </a:xfrm>
+        </p:spPr>
+        <p:txBody>
+          <a:bodyPr anchor="ctr">
+            <a:normAutofit/>
+          </a:bodyPr>
+          <a:lstStyle/>
+          <a:p>
+            <a:pPr algn="ctr">
+              <a:buNone/>
+            </a:pPr>
+            <a:r>
+              <a:rPr lang="zh-TW" altLang="en-US" sz="6400" b="1" dirty="0">
                 <a:solidFill>
                   <a:srgbClr val="000066"/>
                 </a:solidFill>
                 <a:latin typeface="微軟正黑體" pitchFamily="34" charset="-120"/>
                 <a:ea typeface="微軟正黑體" pitchFamily="34" charset="-120"/>
               </a:rPr>
-              <a:t>恩典太美麗</a:t>
-            </a:r>
-          </a:p>
-        </p:txBody>
-      </p:sp>
-      <p:sp>
-        <p:nvSpPr>
-          <p:cNvPr id="5" name="內容版面配置區 4"/>
-          <p:cNvSpPr>
-            <a:spLocks noGrp="1"/>
-          </p:cNvSpPr>
-          <p:nvPr>
-            <p:ph idx="1"/>
-          </p:nvPr>
-        </p:nvSpPr>
-        <p:spPr>
-          <a:xfrm>
-            <a:off x="1524000" y="1600200"/>
-            <a:ext cx="9144000" cy="5257800"/>
-          </a:xfrm>
-        </p:spPr>
-        <p:txBody>
-          <a:bodyPr>
-            <a:normAutofit/>
-          </a:bodyPr>
-          <a:lstStyle/>
-          <a:p>
-            <a:pPr algn="ctr">
-              <a:buNone/>
-            </a:pPr>
-            <a:r>
-              <a:rPr lang="zh-TW" altLang="en-US" sz="5400" b="1" dirty="0">
-                <a:solidFill>
-                  <a:srgbClr val="000066"/>
-                </a:solidFill>
-                <a:latin typeface="微軟正黑體" pitchFamily="34" charset="-120"/>
-                <a:ea typeface="微軟正黑體" pitchFamily="34" charset="-120"/>
-              </a:rPr>
-              <a:t>衷心去</a:t>
-            </a:r>
-            <a:r>
-              <a:rPr lang="zh-TW" altLang="en-US" sz="5400" b="1" dirty="0">
-                <a:solidFill>
-                  <a:srgbClr val="000066"/>
-                </a:solidFill>
-                <a:latin typeface="微軟正黑體" pitchFamily="34" charset="-120"/>
-                <a:ea typeface="微軟正黑體" pitchFamily="34" charset="-120"/>
-              </a:rPr>
-              <a:t>讚頌  神</a:t>
-            </a:r>
-            <a:r>
-              <a:rPr lang="zh-TW" altLang="en-US" sz="5400" b="1" dirty="0">
-                <a:solidFill>
-                  <a:srgbClr val="000066"/>
-                </a:solidFill>
-                <a:latin typeface="微軟正黑體" pitchFamily="34" charset="-120"/>
-                <a:ea typeface="微軟正黑體" pitchFamily="34" charset="-120"/>
-              </a:rPr>
-              <a:t>極重的</a:t>
-            </a:r>
-            <a:r>
-              <a:rPr lang="zh-TW" altLang="en-US" sz="5400" b="1" dirty="0">
-                <a:solidFill>
-                  <a:srgbClr val="000066"/>
-                </a:solidFill>
-                <a:latin typeface="微軟正黑體" pitchFamily="34" charset="-120"/>
-                <a:ea typeface="微軟正黑體" pitchFamily="34" charset="-120"/>
-              </a:rPr>
-              <a:t>恩惠</a:t>
-            </a:r>
-            <a:endParaRPr lang="en-US" altLang="zh-TW" sz="5400" b="1" dirty="0">
+              <a:t>祂賜盼望重生的泉源</a:t>
+            </a:r>
+            <a:endParaRPr lang="en-US" altLang="zh-TW" sz="6400" b="1" dirty="0">
               <a:solidFill>
                 <a:srgbClr val="000066"/>
               </a:solidFill>
@@ -4140,175 +4519,96 @@
               <a:buNone/>
             </a:pPr>
             <a:r>
-              <a:rPr lang="zh-TW" altLang="en-US" sz="5400" b="1" dirty="0">
+              <a:rPr lang="zh-TW" altLang="en-US" sz="6400" b="1" dirty="0">
                 <a:solidFill>
                   <a:srgbClr val="000066"/>
                 </a:solidFill>
                 <a:latin typeface="微軟正黑體" pitchFamily="34" charset="-120"/>
                 <a:ea typeface="微軟正黑體" pitchFamily="34" charset="-120"/>
               </a:rPr>
-              <a:t>獻</a:t>
-            </a:r>
-            <a:r>
-              <a:rPr lang="zh-TW" altLang="en-US" sz="5400" b="1" dirty="0">
-                <a:solidFill>
-                  <a:srgbClr val="000066"/>
-                </a:solidFill>
-                <a:latin typeface="微軟正黑體" pitchFamily="34" charset="-120"/>
-                <a:ea typeface="微軟正黑體" pitchFamily="34" charset="-120"/>
-              </a:rPr>
-              <a:t>我一生傳揚</a:t>
-            </a:r>
-            <a:r>
-              <a:rPr lang="zh-TW" altLang="en-US" sz="5400" b="1" dirty="0">
-                <a:solidFill>
-                  <a:srgbClr val="000066"/>
-                </a:solidFill>
-                <a:latin typeface="微軟正黑體" pitchFamily="34" charset="-120"/>
-                <a:ea typeface="微軟正黑體" pitchFamily="34" charset="-120"/>
-              </a:rPr>
-              <a:t>福音</a:t>
-            </a:r>
-            <a:endParaRPr lang="en-US" altLang="zh-TW" sz="5400" b="1" dirty="0">
+              <a:t>還給我勇氣面對挑戰</a:t>
+            </a:r>
+          </a:p>
+        </p:txBody>
+      </p:sp>
+      <p:sp>
+        <p:nvSpPr>
+          <p:cNvPr id="3" name="TextBox 2"/>
+          <p:cNvSpPr txBox="1"/>
+          <p:nvPr/>
+        </p:nvSpPr>
+        <p:spPr>
+          <a:xfrm>
+            <a:off x="0" y="5157193"/>
+            <a:ext cx="12192000" cy="584775"/>
+          </a:xfrm>
+          <a:prstGeom prst="rect">
+            <a:avLst/>
+          </a:prstGeom>
+          <a:noFill/>
+        </p:spPr>
+        <p:txBody>
+          <a:bodyPr wrap="square" rtlCol="0">
+            <a:spAutoFit/>
+          </a:bodyPr>
+          <a:lstStyle/>
+          <a:p>
+            <a:pPr algn="ctr"/>
+            <a:r>
+              <a:rPr lang="en-US" sz="3200" b="1" dirty="0">
+                <a:solidFill>
+                  <a:srgbClr val="000066"/>
+                </a:solidFill>
+                <a:latin typeface="Microsoft JhengHei" panose="020B0604030504040204" pitchFamily="34" charset="-120"/>
+                <a:ea typeface="Microsoft JhengHei" panose="020B0604030504040204" pitchFamily="34" charset="-120"/>
+              </a:rPr>
+              <a:t>( </a:t>
+            </a:r>
+            <a:r>
+              <a:rPr lang="zh-CN" altLang="en-US" sz="3200" b="1" dirty="0">
+                <a:solidFill>
+                  <a:srgbClr val="000066"/>
+                </a:solidFill>
+                <a:latin typeface="Microsoft JhengHei" panose="020B0604030504040204" pitchFamily="34" charset="-120"/>
+                <a:ea typeface="Microsoft JhengHei" panose="020B0604030504040204" pitchFamily="34" charset="-120"/>
+              </a:rPr>
+              <a:t>正歌 </a:t>
+            </a:r>
+            <a:r>
+              <a:rPr lang="en-US" altLang="zh-CN" sz="3200" b="1" dirty="0">
+                <a:solidFill>
+                  <a:srgbClr val="000066"/>
+                </a:solidFill>
+                <a:latin typeface="Microsoft JhengHei" panose="020B0604030504040204" pitchFamily="34" charset="-120"/>
+                <a:ea typeface="Microsoft JhengHei" panose="020B0604030504040204" pitchFamily="34" charset="-120"/>
+              </a:rPr>
+              <a:t>2</a:t>
+            </a:r>
+            <a:r>
+              <a:rPr lang="en-US" sz="3200" b="1" dirty="0">
+                <a:solidFill>
+                  <a:srgbClr val="000066"/>
+                </a:solidFill>
+                <a:latin typeface="Microsoft JhengHei" panose="020B0604030504040204" pitchFamily="34" charset="-120"/>
+                <a:ea typeface="Microsoft JhengHei" panose="020B0604030504040204" pitchFamily="34" charset="-120"/>
+              </a:rPr>
+              <a:t> )</a:t>
+            </a:r>
+            <a:endParaRPr lang="vi-VN" sz="3200" b="1" dirty="0">
               <a:solidFill>
                 <a:srgbClr val="000066"/>
               </a:solidFill>
-              <a:latin typeface="微軟正黑體" pitchFamily="34" charset="-120"/>
-              <a:ea typeface="微軟正黑體" pitchFamily="34" charset="-120"/>
+              <a:ea typeface="Microsoft JhengHei" panose="020B0604030504040204" pitchFamily="34" charset="-120"/>
             </a:endParaRPr>
           </a:p>
-          <a:p>
-            <a:pPr algn="ctr">
-              <a:buNone/>
-            </a:pPr>
-            <a:r>
-              <a:rPr lang="zh-TW" altLang="en-US" sz="5400" b="1" dirty="0">
-                <a:solidFill>
-                  <a:srgbClr val="000066"/>
-                </a:solidFill>
-                <a:latin typeface="微軟正黑體" pitchFamily="34" charset="-120"/>
-                <a:ea typeface="微軟正黑體" pitchFamily="34" charset="-120"/>
-              </a:rPr>
-              <a:t>來</a:t>
-            </a:r>
-            <a:r>
-              <a:rPr lang="zh-TW" altLang="en-US" sz="5400" b="1" dirty="0">
-                <a:solidFill>
-                  <a:srgbClr val="000066"/>
-                </a:solidFill>
-                <a:latin typeface="微軟正黑體" pitchFamily="34" charset="-120"/>
-                <a:ea typeface="微軟正黑體" pitchFamily="34" charset="-120"/>
-              </a:rPr>
-              <a:t>證實主愛</a:t>
-            </a:r>
-            <a:r>
-              <a:rPr lang="zh-TW" altLang="en-US" sz="5400" b="1" dirty="0">
-                <a:solidFill>
-                  <a:srgbClr val="000066"/>
-                </a:solidFill>
-                <a:latin typeface="微軟正黑體" pitchFamily="34" charset="-120"/>
-                <a:ea typeface="微軟正黑體" pitchFamily="34" charset="-120"/>
-              </a:rPr>
-              <a:t>何寶貴</a:t>
-            </a:r>
-            <a:endParaRPr lang="en-US" altLang="zh-TW" sz="5400" b="1" dirty="0">
-              <a:solidFill>
-                <a:srgbClr val="000066"/>
-              </a:solidFill>
-              <a:latin typeface="微軟正黑體" pitchFamily="34" charset="-120"/>
-              <a:ea typeface="微軟正黑體" pitchFamily="34" charset="-120"/>
-            </a:endParaRPr>
-          </a:p>
-          <a:p>
-            <a:pPr algn="ctr">
-              <a:buNone/>
-            </a:pPr>
-            <a:r>
-              <a:rPr lang="zh-TW" altLang="en-US" sz="5400" b="1" dirty="0">
-                <a:solidFill>
-                  <a:srgbClr val="000066"/>
-                </a:solidFill>
-                <a:latin typeface="微軟正黑體" pitchFamily="34" charset="-120"/>
-                <a:ea typeface="微軟正黑體" pitchFamily="34" charset="-120"/>
-              </a:rPr>
-              <a:t>請</a:t>
-            </a:r>
-            <a:r>
-              <a:rPr lang="zh-TW" altLang="en-US" sz="5400" b="1" dirty="0">
-                <a:solidFill>
-                  <a:srgbClr val="000066"/>
-                </a:solidFill>
-                <a:latin typeface="微軟正黑體" pitchFamily="34" charset="-120"/>
-                <a:ea typeface="微軟正黑體" pitchFamily="34" charset="-120"/>
-              </a:rPr>
-              <a:t>觀看</a:t>
-            </a:r>
-            <a:r>
-              <a:rPr lang="zh-TW" altLang="en-US" sz="5400" b="1" dirty="0">
-                <a:solidFill>
-                  <a:srgbClr val="000066"/>
-                </a:solidFill>
-                <a:latin typeface="微軟正黑體" pitchFamily="34" charset="-120"/>
-                <a:ea typeface="微軟正黑體" pitchFamily="34" charset="-120"/>
-              </a:rPr>
-              <a:t>稻田  主</a:t>
-            </a:r>
-            <a:r>
-              <a:rPr lang="zh-TW" altLang="en-US" sz="5400" b="1" dirty="0">
-                <a:solidFill>
-                  <a:srgbClr val="000066"/>
-                </a:solidFill>
-                <a:latin typeface="微軟正黑體" pitchFamily="34" charset="-120"/>
-                <a:ea typeface="微軟正黑體" pitchFamily="34" charset="-120"/>
-              </a:rPr>
-              <a:t>的莊稼在</a:t>
-            </a:r>
-            <a:r>
-              <a:rPr lang="zh-TW" altLang="en-US" sz="5400" b="1" dirty="0">
-                <a:solidFill>
-                  <a:srgbClr val="000066"/>
-                </a:solidFill>
-                <a:latin typeface="微軟正黑體" pitchFamily="34" charset="-120"/>
-                <a:ea typeface="微軟正黑體" pitchFamily="34" charset="-120"/>
-              </a:rPr>
-              <a:t>面前</a:t>
-            </a:r>
-            <a:endParaRPr lang="en-US" altLang="zh-TW" sz="5400" b="1" dirty="0">
-              <a:solidFill>
-                <a:srgbClr val="000066"/>
-              </a:solidFill>
-              <a:latin typeface="微軟正黑體" pitchFamily="34" charset="-120"/>
-              <a:ea typeface="微軟正黑體" pitchFamily="34" charset="-120"/>
-            </a:endParaRPr>
-          </a:p>
-          <a:p>
-            <a:pPr algn="ctr">
-              <a:buNone/>
-            </a:pPr>
-            <a:r>
-              <a:rPr lang="zh-TW" altLang="en-US" sz="5400" b="1" dirty="0">
-                <a:solidFill>
-                  <a:srgbClr val="000066"/>
-                </a:solidFill>
-                <a:latin typeface="微軟正黑體" pitchFamily="34" charset="-120"/>
-                <a:ea typeface="微軟正黑體" pitchFamily="34" charset="-120"/>
-              </a:rPr>
-              <a:t>遼闊</a:t>
-            </a:r>
-            <a:r>
-              <a:rPr lang="zh-TW" altLang="en-US" sz="5400" b="1" dirty="0">
-                <a:solidFill>
-                  <a:srgbClr val="000066"/>
-                </a:solidFill>
-                <a:latin typeface="微軟正黑體" pitchFamily="34" charset="-120"/>
-                <a:ea typeface="微軟正黑體" pitchFamily="34" charset="-120"/>
-              </a:rPr>
-              <a:t>收成沒法估計</a:t>
-            </a:r>
-          </a:p>
         </p:txBody>
       </p:sp>
     </p:spTree>
+    <p:extLst>
+      <p:ext uri="{BB962C8B-B14F-4D97-AF65-F5344CB8AC3E}">
+        <p14:creationId xmlns:p14="http://schemas.microsoft.com/office/powerpoint/2010/main" val="299919469"/>
+      </p:ext>
+    </p:extLst>
   </p:cSld>
   <p:clrMapOvr>
     <a:masterClrMapping/>
@@ -4335,21 +4635,31 @@
       </p:grpSpPr>
       <p:sp>
         <p:nvSpPr>
-          <p:cNvPr id="4" name="標題 3"/>
-          <p:cNvSpPr>
-            <a:spLocks noGrp="1"/>
-          </p:cNvSpPr>
-          <p:nvPr>
-            <p:ph type="title"/>
-          </p:nvPr>
-        </p:nvSpPr>
-        <p:spPr/>
-        <p:txBody>
-          <a:bodyPr/>
-          <a:lstStyle/>
-          <a:p>
-            <a:r>
-              <a:rPr lang="zh-TW" altLang="en-US" b="1" dirty="0">
+          <p:cNvPr id="5" name="內容版面配置區 4"/>
+          <p:cNvSpPr>
+            <a:spLocks noGrp="1"/>
+          </p:cNvSpPr>
+          <p:nvPr>
+            <p:ph idx="1"/>
+          </p:nvPr>
+        </p:nvSpPr>
+        <p:spPr>
+          <a:xfrm>
+            <a:off x="0" y="2084851"/>
+            <a:ext cx="12192000" cy="2404863"/>
+          </a:xfrm>
+        </p:spPr>
+        <p:txBody>
+          <a:bodyPr anchor="ctr">
+            <a:normAutofit/>
+          </a:bodyPr>
+          <a:lstStyle/>
+          <a:p>
+            <a:pPr algn="ctr">
+              <a:buNone/>
+            </a:pPr>
+            <a:r>
+              <a:rPr lang="zh-TW" altLang="en-US" sz="6400" b="1" dirty="0">
                 <a:solidFill>
                   <a:srgbClr val="000066"/>
                 </a:solidFill>
@@ -4358,40 +4668,7 @@
               </a:rPr>
               <a:t>恩典太美麗</a:t>
             </a:r>
-          </a:p>
-        </p:txBody>
-      </p:sp>
-      <p:sp>
-        <p:nvSpPr>
-          <p:cNvPr id="5" name="內容版面配置區 4"/>
-          <p:cNvSpPr>
-            <a:spLocks noGrp="1"/>
-          </p:cNvSpPr>
-          <p:nvPr>
-            <p:ph idx="1"/>
-          </p:nvPr>
-        </p:nvSpPr>
-        <p:spPr/>
-        <p:txBody>
-          <a:bodyPr>
-            <a:normAutofit/>
-          </a:bodyPr>
-          <a:lstStyle/>
-          <a:p>
-            <a:pPr algn="ctr">
-              <a:buNone/>
-            </a:pPr>
-            <a:r>
-              <a:rPr lang="zh-TW" altLang="en-US" sz="5400" b="1" dirty="0" smtClean="0">
-                <a:solidFill>
-                  <a:srgbClr val="000066"/>
-                </a:solidFill>
-                <a:latin typeface="微軟正黑體" pitchFamily="34" charset="-120"/>
-                <a:ea typeface="微軟正黑體" pitchFamily="34" charset="-120"/>
-              </a:rPr>
-              <a:t>忠於使命</a:t>
-            </a:r>
-            <a:endParaRPr lang="en-US" altLang="zh-TW" sz="5400" b="1" dirty="0" smtClean="0">
+            <a:endParaRPr lang="en-US" altLang="zh-TW" sz="6400" b="1" dirty="0">
               <a:solidFill>
                 <a:srgbClr val="000066"/>
               </a:solidFill>
@@ -4404,16 +4681,16 @@
               <a:buNone/>
             </a:pPr>
             <a:r>
-              <a:rPr lang="zh-TW" altLang="en-US" sz="5400" b="1" dirty="0" smtClean="0">
+              <a:rPr lang="zh-TW" altLang="en-US" sz="6400" b="1" dirty="0">
                 <a:solidFill>
                   <a:srgbClr val="000066"/>
                 </a:solidFill>
                 <a:latin typeface="微軟正黑體" pitchFamily="34" charset="-120"/>
                 <a:ea typeface="微軟正黑體" pitchFamily="34" charset="-120"/>
               </a:rPr>
-              <a:t>不惜一切來回應</a:t>
-            </a:r>
-            <a:endParaRPr lang="en-US" altLang="zh-TW" sz="5400" b="1" dirty="0" smtClean="0">
+              <a:t>無甚麼可取替</a:t>
+            </a:r>
+            <a:endParaRPr lang="en-US" altLang="zh-TW" sz="6400" b="1" dirty="0">
               <a:solidFill>
                 <a:srgbClr val="000066"/>
               </a:solidFill>
@@ -4421,21 +4698,146 @@
               <a:ea typeface="微軟正黑體" pitchFamily="34" charset="-120"/>
             </a:endParaRPr>
           </a:p>
+        </p:txBody>
+      </p:sp>
+      <p:sp>
+        <p:nvSpPr>
+          <p:cNvPr id="3" name="TextBox 2"/>
+          <p:cNvSpPr txBox="1"/>
+          <p:nvPr/>
+        </p:nvSpPr>
+        <p:spPr>
+          <a:xfrm>
+            <a:off x="0" y="5157193"/>
+            <a:ext cx="12192000" cy="584775"/>
+          </a:xfrm>
+          <a:prstGeom prst="rect">
+            <a:avLst/>
+          </a:prstGeom>
+          <a:noFill/>
+        </p:spPr>
+        <p:txBody>
+          <a:bodyPr wrap="square" rtlCol="0">
+            <a:spAutoFit/>
+          </a:bodyPr>
+          <a:lstStyle/>
+          <a:p>
+            <a:pPr algn="ctr"/>
+            <a:r>
+              <a:rPr lang="en-US" sz="3200" b="1" dirty="0">
+                <a:solidFill>
+                  <a:srgbClr val="000066"/>
+                </a:solidFill>
+                <a:latin typeface="Microsoft JhengHei" panose="020B0604030504040204" pitchFamily="34" charset="-120"/>
+                <a:ea typeface="Microsoft JhengHei" panose="020B0604030504040204" pitchFamily="34" charset="-120"/>
+              </a:rPr>
+              <a:t>( </a:t>
+            </a:r>
+            <a:r>
+              <a:rPr lang="zh-CN" altLang="en-US" sz="3200" b="1" dirty="0">
+                <a:solidFill>
+                  <a:srgbClr val="000066"/>
+                </a:solidFill>
+                <a:latin typeface="Microsoft JhengHei" panose="020B0604030504040204" pitchFamily="34" charset="-120"/>
+                <a:ea typeface="Microsoft JhengHei" panose="020B0604030504040204" pitchFamily="34" charset="-120"/>
+              </a:rPr>
+              <a:t>副歌 </a:t>
+            </a:r>
+            <a:r>
+              <a:rPr lang="en-US" altLang="zh-CN" sz="3200" b="1" dirty="0">
+                <a:solidFill>
+                  <a:srgbClr val="000066"/>
+                </a:solidFill>
+                <a:latin typeface="Microsoft JhengHei" panose="020B0604030504040204" pitchFamily="34" charset="-120"/>
+                <a:ea typeface="Microsoft JhengHei" panose="020B0604030504040204" pitchFamily="34" charset="-120"/>
+              </a:rPr>
+              <a:t>1</a:t>
+            </a:r>
+            <a:r>
+              <a:rPr lang="en-US" sz="3200" b="1" dirty="0">
+                <a:solidFill>
+                  <a:srgbClr val="000066"/>
+                </a:solidFill>
+                <a:latin typeface="Microsoft JhengHei" panose="020B0604030504040204" pitchFamily="34" charset="-120"/>
+                <a:ea typeface="Microsoft JhengHei" panose="020B0604030504040204" pitchFamily="34" charset="-120"/>
+              </a:rPr>
+              <a:t> )</a:t>
+            </a:r>
+            <a:endParaRPr lang="vi-VN" sz="3200" b="1" dirty="0">
+              <a:solidFill>
+                <a:srgbClr val="000066"/>
+              </a:solidFill>
+              <a:ea typeface="Microsoft JhengHei" panose="020B0604030504040204" pitchFamily="34" charset="-120"/>
+            </a:endParaRPr>
+          </a:p>
+        </p:txBody>
+      </p:sp>
+    </p:spTree>
+    <p:extLst>
+      <p:ext uri="{BB962C8B-B14F-4D97-AF65-F5344CB8AC3E}">
+        <p14:creationId xmlns:p14="http://schemas.microsoft.com/office/powerpoint/2010/main" val="1806294889"/>
+      </p:ext>
+    </p:extLst>
+  </p:cSld>
+  <p:clrMapOvr>
+    <a:masterClrMapping/>
+  </p:clrMapOvr>
+</p:sld>
+</file>
+
+<file path=ppt/slides/slide7.xml><?xml version="1.0" encoding="utf-8"?>
+<p:sld xmlns:a="http://schemas.openxmlformats.org/drawingml/2006/main" xmlns:r="http://schemas.openxmlformats.org/officeDocument/2006/relationships" xmlns:p="http://schemas.openxmlformats.org/presentationml/2006/main">
+  <p:cSld>
+    <p:spTree>
+      <p:nvGrpSpPr>
+        <p:cNvPr id="1" name=""/>
+        <p:cNvGrpSpPr/>
+        <p:nvPr/>
+      </p:nvGrpSpPr>
+      <p:grpSpPr>
+        <a:xfrm>
+          <a:off x="0" y="0"/>
+          <a:ext cx="0" cy="0"/>
+          <a:chOff x="0" y="0"/>
+          <a:chExt cx="0" cy="0"/>
+        </a:xfrm>
+      </p:grpSpPr>
+      <p:sp>
+        <p:nvSpPr>
+          <p:cNvPr id="5" name="內容版面配置區 4"/>
+          <p:cNvSpPr>
+            <a:spLocks noGrp="1"/>
+          </p:cNvSpPr>
+          <p:nvPr>
+            <p:ph idx="1"/>
+          </p:nvPr>
+        </p:nvSpPr>
+        <p:spPr>
+          <a:xfrm>
+            <a:off x="0" y="2084851"/>
+            <a:ext cx="12192000" cy="2404863"/>
+          </a:xfrm>
+        </p:spPr>
+        <p:txBody>
+          <a:bodyPr anchor="ctr">
+            <a:normAutofit/>
+          </a:bodyPr>
+          <a:lstStyle/>
           <a:p>
             <a:pPr algn="ctr">
               <a:buNone/>
             </a:pPr>
             <a:r>
-              <a:rPr lang="zh-TW" altLang="en-US" sz="5400" b="1" dirty="0" smtClean="0">
+              <a:rPr lang="zh-TW" altLang="en-US" sz="6400" b="1" dirty="0">
                 <a:solidFill>
                   <a:srgbClr val="000066"/>
                 </a:solidFill>
                 <a:latin typeface="微軟正黑體" pitchFamily="34" charset="-120"/>
                 <a:ea typeface="微軟正黑體" pitchFamily="34" charset="-120"/>
               </a:rPr>
-              <a:t>能事奉你是最尊貴</a:t>
-            </a:r>
-            <a:endParaRPr lang="zh-TW" altLang="en-US" sz="5400" b="1" dirty="0">
+              <a:t>唯求將心全然給主</a:t>
+            </a:r>
+            <a:endParaRPr lang="en-US" altLang="zh-TW" sz="6400" b="1" dirty="0">
               <a:solidFill>
                 <a:srgbClr val="000066"/>
               </a:solidFill>
@@ -4443,9 +4845,459 @@
               <a:ea typeface="微軟正黑體" pitchFamily="34" charset="-120"/>
             </a:endParaRPr>
           </a:p>
+          <a:p>
+            <a:pPr algn="ctr">
+              <a:buNone/>
+            </a:pPr>
+            <a:r>
+              <a:rPr lang="zh-TW" altLang="en-US" sz="6400" b="1" dirty="0">
+                <a:solidFill>
+                  <a:srgbClr val="000066"/>
+                </a:solidFill>
+                <a:latin typeface="微軟正黑體" pitchFamily="34" charset="-120"/>
+                <a:ea typeface="微軟正黑體" pitchFamily="34" charset="-120"/>
+              </a:rPr>
+              <a:t>來彰顯主愛多珍貴</a:t>
+            </a:r>
+            <a:endParaRPr lang="en-US" altLang="zh-TW" sz="6400" b="1" dirty="0">
+              <a:solidFill>
+                <a:srgbClr val="000066"/>
+              </a:solidFill>
+              <a:latin typeface="微軟正黑體" pitchFamily="34" charset="-120"/>
+              <a:ea typeface="微軟正黑體" pitchFamily="34" charset="-120"/>
+            </a:endParaRPr>
+          </a:p>
+        </p:txBody>
+      </p:sp>
+      <p:sp>
+        <p:nvSpPr>
+          <p:cNvPr id="3" name="TextBox 2"/>
+          <p:cNvSpPr txBox="1"/>
+          <p:nvPr/>
+        </p:nvSpPr>
+        <p:spPr>
+          <a:xfrm>
+            <a:off x="0" y="5157193"/>
+            <a:ext cx="12192000" cy="584775"/>
+          </a:xfrm>
+          <a:prstGeom prst="rect">
+            <a:avLst/>
+          </a:prstGeom>
+          <a:noFill/>
+        </p:spPr>
+        <p:txBody>
+          <a:bodyPr wrap="square" rtlCol="0">
+            <a:spAutoFit/>
+          </a:bodyPr>
+          <a:lstStyle/>
+          <a:p>
+            <a:pPr algn="ctr"/>
+            <a:r>
+              <a:rPr lang="en-US" sz="3200" b="1" dirty="0">
+                <a:solidFill>
+                  <a:srgbClr val="000066"/>
+                </a:solidFill>
+                <a:latin typeface="Microsoft JhengHei" panose="020B0604030504040204" pitchFamily="34" charset="-120"/>
+                <a:ea typeface="Microsoft JhengHei" panose="020B0604030504040204" pitchFamily="34" charset="-120"/>
+              </a:rPr>
+              <a:t>( </a:t>
+            </a:r>
+            <a:r>
+              <a:rPr lang="zh-CN" altLang="en-US" sz="3200" b="1" dirty="0">
+                <a:solidFill>
+                  <a:srgbClr val="000066"/>
+                </a:solidFill>
+                <a:latin typeface="Microsoft JhengHei" panose="020B0604030504040204" pitchFamily="34" charset="-120"/>
+                <a:ea typeface="Microsoft JhengHei" panose="020B0604030504040204" pitchFamily="34" charset="-120"/>
+              </a:rPr>
+              <a:t>副歌 </a:t>
+            </a:r>
+            <a:r>
+              <a:rPr lang="en-US" altLang="zh-CN" sz="3200" b="1" dirty="0">
+                <a:solidFill>
+                  <a:srgbClr val="000066"/>
+                </a:solidFill>
+                <a:latin typeface="Microsoft JhengHei" panose="020B0604030504040204" pitchFamily="34" charset="-120"/>
+                <a:ea typeface="Microsoft JhengHei" panose="020B0604030504040204" pitchFamily="34" charset="-120"/>
+              </a:rPr>
+              <a:t>1</a:t>
+            </a:r>
+            <a:r>
+              <a:rPr lang="en-US" sz="3200" b="1" dirty="0">
+                <a:solidFill>
+                  <a:srgbClr val="000066"/>
+                </a:solidFill>
+                <a:latin typeface="Microsoft JhengHei" panose="020B0604030504040204" pitchFamily="34" charset="-120"/>
+                <a:ea typeface="Microsoft JhengHei" panose="020B0604030504040204" pitchFamily="34" charset="-120"/>
+              </a:rPr>
+              <a:t> )</a:t>
+            </a:r>
+            <a:endParaRPr lang="vi-VN" sz="3200" b="1" dirty="0">
+              <a:solidFill>
+                <a:srgbClr val="000066"/>
+              </a:solidFill>
+              <a:ea typeface="Microsoft JhengHei" panose="020B0604030504040204" pitchFamily="34" charset="-120"/>
+            </a:endParaRPr>
+          </a:p>
         </p:txBody>
       </p:sp>
     </p:spTree>
+    <p:extLst>
+      <p:ext uri="{BB962C8B-B14F-4D97-AF65-F5344CB8AC3E}">
+        <p14:creationId xmlns:p14="http://schemas.microsoft.com/office/powerpoint/2010/main" val="1352146723"/>
+      </p:ext>
+    </p:extLst>
+  </p:cSld>
+  <p:clrMapOvr>
+    <a:masterClrMapping/>
+  </p:clrMapOvr>
+</p:sld>
+</file>
+
+<file path=ppt/slides/slide8.xml><?xml version="1.0" encoding="utf-8"?>
+<p:sld xmlns:a="http://schemas.openxmlformats.org/drawingml/2006/main" xmlns:r="http://schemas.openxmlformats.org/officeDocument/2006/relationships" xmlns:p="http://schemas.openxmlformats.org/presentationml/2006/main">
+  <p:cSld>
+    <p:spTree>
+      <p:nvGrpSpPr>
+        <p:cNvPr id="1" name=""/>
+        <p:cNvGrpSpPr/>
+        <p:nvPr/>
+      </p:nvGrpSpPr>
+      <p:grpSpPr>
+        <a:xfrm>
+          <a:off x="0" y="0"/>
+          <a:ext cx="0" cy="0"/>
+          <a:chOff x="0" y="0"/>
+          <a:chExt cx="0" cy="0"/>
+        </a:xfrm>
+      </p:grpSpPr>
+      <p:sp>
+        <p:nvSpPr>
+          <p:cNvPr id="5" name="內容版面配置區 4"/>
+          <p:cNvSpPr>
+            <a:spLocks noGrp="1"/>
+          </p:cNvSpPr>
+          <p:nvPr>
+            <p:ph idx="1"/>
+          </p:nvPr>
+        </p:nvSpPr>
+        <p:spPr>
+          <a:xfrm>
+            <a:off x="0" y="2084851"/>
+            <a:ext cx="12192000" cy="2404863"/>
+          </a:xfrm>
+        </p:spPr>
+        <p:txBody>
+          <a:bodyPr anchor="ctr">
+            <a:normAutofit/>
+          </a:bodyPr>
+          <a:lstStyle/>
+          <a:p>
+            <a:pPr algn="ctr">
+              <a:buNone/>
+            </a:pPr>
+            <a:r>
+              <a:rPr lang="zh-TW" altLang="en-US" sz="6400" b="1" dirty="0">
+                <a:solidFill>
+                  <a:srgbClr val="000066"/>
+                </a:solidFill>
+                <a:latin typeface="微軟正黑體" pitchFamily="34" charset="-120"/>
+                <a:ea typeface="微軟正黑體" pitchFamily="34" charset="-120"/>
+              </a:rPr>
+              <a:t>終生愛神</a:t>
+            </a:r>
+            <a:r>
+              <a:rPr lang="en-US" altLang="zh-TW" sz="6400" b="1" dirty="0">
+                <a:solidFill>
+                  <a:srgbClr val="000066"/>
+                </a:solidFill>
+                <a:latin typeface="微軟正黑體" pitchFamily="34" charset="-120"/>
+                <a:ea typeface="微軟正黑體" pitchFamily="34" charset="-120"/>
+              </a:rPr>
+              <a:t>  </a:t>
+            </a:r>
+            <a:r>
+              <a:rPr lang="zh-TW" altLang="en-US" sz="6400" b="1" dirty="0">
+                <a:solidFill>
+                  <a:srgbClr val="000066"/>
+                </a:solidFill>
+                <a:latin typeface="微軟正黑體" pitchFamily="34" charset="-120"/>
+                <a:ea typeface="微軟正黑體" pitchFamily="34" charset="-120"/>
+              </a:rPr>
+              <a:t>傾心傾意愛別人</a:t>
+            </a:r>
+            <a:endParaRPr lang="en-US" altLang="zh-TW" sz="6400" b="1" dirty="0">
+              <a:solidFill>
+                <a:srgbClr val="000066"/>
+              </a:solidFill>
+              <a:latin typeface="微軟正黑體" pitchFamily="34" charset="-120"/>
+              <a:ea typeface="微軟正黑體" pitchFamily="34" charset="-120"/>
+            </a:endParaRPr>
+          </a:p>
+          <a:p>
+            <a:pPr algn="ctr">
+              <a:buNone/>
+            </a:pPr>
+            <a:r>
+              <a:rPr lang="zh-TW" altLang="en-US" sz="6400" b="1" dirty="0">
+                <a:solidFill>
+                  <a:srgbClr val="000066"/>
+                </a:solidFill>
+                <a:latin typeface="微軟正黑體" pitchFamily="34" charset="-120"/>
+                <a:ea typeface="微軟正黑體" pitchFamily="34" charset="-120"/>
+              </a:rPr>
+              <a:t>才覺生命沒有枉費</a:t>
+            </a:r>
+          </a:p>
+        </p:txBody>
+      </p:sp>
+      <p:sp>
+        <p:nvSpPr>
+          <p:cNvPr id="3" name="TextBox 2"/>
+          <p:cNvSpPr txBox="1"/>
+          <p:nvPr/>
+        </p:nvSpPr>
+        <p:spPr>
+          <a:xfrm>
+            <a:off x="0" y="5157193"/>
+            <a:ext cx="12192000" cy="584775"/>
+          </a:xfrm>
+          <a:prstGeom prst="rect">
+            <a:avLst/>
+          </a:prstGeom>
+          <a:noFill/>
+        </p:spPr>
+        <p:txBody>
+          <a:bodyPr wrap="square" rtlCol="0">
+            <a:spAutoFit/>
+          </a:bodyPr>
+          <a:lstStyle/>
+          <a:p>
+            <a:pPr algn="ctr"/>
+            <a:r>
+              <a:rPr lang="en-US" sz="3200" b="1" dirty="0">
+                <a:solidFill>
+                  <a:srgbClr val="000066"/>
+                </a:solidFill>
+                <a:latin typeface="Microsoft JhengHei" panose="020B0604030504040204" pitchFamily="34" charset="-120"/>
+                <a:ea typeface="Microsoft JhengHei" panose="020B0604030504040204" pitchFamily="34" charset="-120"/>
+              </a:rPr>
+              <a:t>( </a:t>
+            </a:r>
+            <a:r>
+              <a:rPr lang="zh-CN" altLang="en-US" sz="3200" b="1" dirty="0">
+                <a:solidFill>
+                  <a:srgbClr val="000066"/>
+                </a:solidFill>
+                <a:latin typeface="Microsoft JhengHei" panose="020B0604030504040204" pitchFamily="34" charset="-120"/>
+                <a:ea typeface="Microsoft JhengHei" panose="020B0604030504040204" pitchFamily="34" charset="-120"/>
+              </a:rPr>
+              <a:t>副歌 </a:t>
+            </a:r>
+            <a:r>
+              <a:rPr lang="en-US" altLang="zh-CN" sz="3200" b="1" dirty="0">
+                <a:solidFill>
+                  <a:srgbClr val="000066"/>
+                </a:solidFill>
+                <a:latin typeface="Microsoft JhengHei" panose="020B0604030504040204" pitchFamily="34" charset="-120"/>
+                <a:ea typeface="Microsoft JhengHei" panose="020B0604030504040204" pitchFamily="34" charset="-120"/>
+              </a:rPr>
+              <a:t>1</a:t>
+            </a:r>
+            <a:r>
+              <a:rPr lang="en-US" sz="3200" b="1" dirty="0">
+                <a:solidFill>
+                  <a:srgbClr val="000066"/>
+                </a:solidFill>
+                <a:latin typeface="Microsoft JhengHei" panose="020B0604030504040204" pitchFamily="34" charset="-120"/>
+                <a:ea typeface="Microsoft JhengHei" panose="020B0604030504040204" pitchFamily="34" charset="-120"/>
+              </a:rPr>
+              <a:t> )</a:t>
+            </a:r>
+            <a:endParaRPr lang="vi-VN" sz="3200" b="1" dirty="0">
+              <a:solidFill>
+                <a:srgbClr val="000066"/>
+              </a:solidFill>
+              <a:ea typeface="Microsoft JhengHei" panose="020B0604030504040204" pitchFamily="34" charset="-120"/>
+            </a:endParaRPr>
+          </a:p>
+        </p:txBody>
+      </p:sp>
+    </p:spTree>
+    <p:extLst>
+      <p:ext uri="{BB962C8B-B14F-4D97-AF65-F5344CB8AC3E}">
+        <p14:creationId xmlns:p14="http://schemas.microsoft.com/office/powerpoint/2010/main" val="1717669880"/>
+      </p:ext>
+    </p:extLst>
+  </p:cSld>
+  <p:clrMapOvr>
+    <a:masterClrMapping/>
+  </p:clrMapOvr>
+</p:sld>
+</file>
+
+<file path=ppt/slides/slide9.xml><?xml version="1.0" encoding="utf-8"?>
+<p:sld xmlns:a="http://schemas.openxmlformats.org/drawingml/2006/main" xmlns:r="http://schemas.openxmlformats.org/officeDocument/2006/relationships" xmlns:p="http://schemas.openxmlformats.org/presentationml/2006/main">
+  <p:cSld>
+    <p:spTree>
+      <p:nvGrpSpPr>
+        <p:cNvPr id="1" name=""/>
+        <p:cNvGrpSpPr/>
+        <p:nvPr/>
+      </p:nvGrpSpPr>
+      <p:grpSpPr>
+        <a:xfrm>
+          <a:off x="0" y="0"/>
+          <a:ext cx="0" cy="0"/>
+          <a:chOff x="0" y="0"/>
+          <a:chExt cx="0" cy="0"/>
+        </a:xfrm>
+      </p:grpSpPr>
+      <p:sp>
+        <p:nvSpPr>
+          <p:cNvPr id="5" name="內容版面配置區 4"/>
+          <p:cNvSpPr>
+            <a:spLocks noGrp="1"/>
+          </p:cNvSpPr>
+          <p:nvPr>
+            <p:ph idx="1"/>
+          </p:nvPr>
+        </p:nvSpPr>
+        <p:spPr>
+          <a:xfrm>
+            <a:off x="0" y="2084851"/>
+            <a:ext cx="12192000" cy="2404863"/>
+          </a:xfrm>
+        </p:spPr>
+        <p:txBody>
+          <a:bodyPr anchor="ctr">
+            <a:normAutofit/>
+          </a:bodyPr>
+          <a:lstStyle/>
+          <a:p>
+            <a:pPr algn="ctr">
+              <a:buNone/>
+            </a:pPr>
+            <a:r>
+              <a:rPr lang="zh-TW" altLang="en-US" sz="6400" b="1" dirty="0">
+                <a:solidFill>
+                  <a:srgbClr val="000066"/>
+                </a:solidFill>
+                <a:latin typeface="微軟正黑體" pitchFamily="34" charset="-120"/>
+                <a:ea typeface="微軟正黑體" pitchFamily="34" charset="-120"/>
+              </a:rPr>
+              <a:t>這天降服於主腳前</a:t>
+            </a:r>
+            <a:endParaRPr lang="en-US" altLang="zh-TW" sz="6400" b="1" dirty="0">
+              <a:solidFill>
+                <a:srgbClr val="000066"/>
+              </a:solidFill>
+              <a:latin typeface="微軟正黑體" pitchFamily="34" charset="-120"/>
+              <a:ea typeface="微軟正黑體" pitchFamily="34" charset="-120"/>
+            </a:endParaRPr>
+          </a:p>
+          <a:p>
+            <a:pPr algn="ctr">
+              <a:buNone/>
+            </a:pPr>
+            <a:r>
+              <a:rPr lang="zh-TW" altLang="en-US" sz="6400" b="1" dirty="0">
+                <a:solidFill>
+                  <a:srgbClr val="000066"/>
+                </a:solidFill>
+                <a:latin typeface="微軟正黑體" pitchFamily="34" charset="-120"/>
+                <a:ea typeface="微軟正黑體" pitchFamily="34" charset="-120"/>
+              </a:rPr>
+              <a:t>留心聽我主差遣</a:t>
+            </a:r>
+            <a:endParaRPr lang="en-US" altLang="zh-TW" sz="6400" b="1" dirty="0">
+              <a:solidFill>
+                <a:srgbClr val="000066"/>
+              </a:solidFill>
+              <a:latin typeface="微軟正黑體" pitchFamily="34" charset="-120"/>
+              <a:ea typeface="微軟正黑體" pitchFamily="34" charset="-120"/>
+            </a:endParaRPr>
+          </a:p>
+        </p:txBody>
+      </p:sp>
+      <p:sp>
+        <p:nvSpPr>
+          <p:cNvPr id="3" name="TextBox 2"/>
+          <p:cNvSpPr txBox="1"/>
+          <p:nvPr/>
+        </p:nvSpPr>
+        <p:spPr>
+          <a:xfrm>
+            <a:off x="0" y="5157193"/>
+            <a:ext cx="12192000" cy="584775"/>
+          </a:xfrm>
+          <a:prstGeom prst="rect">
+            <a:avLst/>
+          </a:prstGeom>
+          <a:noFill/>
+        </p:spPr>
+        <p:txBody>
+          <a:bodyPr wrap="square" rtlCol="0">
+            <a:spAutoFit/>
+          </a:bodyPr>
+          <a:lstStyle/>
+          <a:p>
+            <a:pPr algn="ctr"/>
+            <a:r>
+              <a:rPr lang="en-US" sz="3200" b="1" dirty="0">
+                <a:solidFill>
+                  <a:srgbClr val="000066"/>
+                </a:solidFill>
+                <a:latin typeface="Microsoft JhengHei" panose="020B0604030504040204" pitchFamily="34" charset="-120"/>
+                <a:ea typeface="Microsoft JhengHei" panose="020B0604030504040204" pitchFamily="34" charset="-120"/>
+              </a:rPr>
+              <a:t>( </a:t>
+            </a:r>
+            <a:r>
+              <a:rPr lang="zh-CN" altLang="en-US" sz="3200" b="1" dirty="0">
+                <a:solidFill>
+                  <a:srgbClr val="000066"/>
+                </a:solidFill>
+                <a:latin typeface="Microsoft JhengHei" panose="020B0604030504040204" pitchFamily="34" charset="-120"/>
+                <a:ea typeface="Microsoft JhengHei" panose="020B0604030504040204" pitchFamily="34" charset="-120"/>
+              </a:rPr>
+              <a:t>正歌 </a:t>
+            </a:r>
+            <a:r>
+              <a:rPr lang="en-US" altLang="zh-CN" sz="3200" b="1" dirty="0">
+                <a:solidFill>
+                  <a:srgbClr val="000066"/>
+                </a:solidFill>
+                <a:latin typeface="Microsoft JhengHei" panose="020B0604030504040204" pitchFamily="34" charset="-120"/>
+                <a:ea typeface="Microsoft JhengHei" panose="020B0604030504040204" pitchFamily="34" charset="-120"/>
+              </a:rPr>
+              <a:t>3</a:t>
+            </a:r>
+            <a:r>
+              <a:rPr lang="en-US" sz="3200" b="1" dirty="0">
+                <a:solidFill>
+                  <a:srgbClr val="000066"/>
+                </a:solidFill>
+                <a:latin typeface="Microsoft JhengHei" panose="020B0604030504040204" pitchFamily="34" charset="-120"/>
+                <a:ea typeface="Microsoft JhengHei" panose="020B0604030504040204" pitchFamily="34" charset="-120"/>
+              </a:rPr>
+              <a:t> )</a:t>
+            </a:r>
+            <a:endParaRPr lang="vi-VN" sz="3200" b="1" dirty="0">
+              <a:solidFill>
+                <a:srgbClr val="000066"/>
+              </a:solidFill>
+              <a:ea typeface="Microsoft JhengHei" panose="020B0604030504040204" pitchFamily="34" charset="-120"/>
+            </a:endParaRPr>
+          </a:p>
+        </p:txBody>
+      </p:sp>
+    </p:spTree>
+    <p:extLst>
+      <p:ext uri="{BB962C8B-B14F-4D97-AF65-F5344CB8AC3E}">
+        <p14:creationId xmlns:p14="http://schemas.microsoft.com/office/powerpoint/2010/main" val="324022863"/>
+      </p:ext>
+    </p:extLst>
   </p:cSld>
   <p:clrMapOvr>
     <a:masterClrMapping/>
